--- a/docs/ccbd_project_presentation.pptx
+++ b/docs/ccbd_project_presentation.pptx
@@ -5,10 +5,10 @@
     <p:sldMasterId id="2147483648" r:id="rId4"/>
   </p:sldMasterIdLst>
   <p:notesMasterIdLst>
-    <p:notesMasterId r:id="rId23"/>
+    <p:notesMasterId r:id="rId25"/>
   </p:notesMasterIdLst>
   <p:handoutMasterIdLst>
-    <p:handoutMasterId r:id="rId24"/>
+    <p:handoutMasterId r:id="rId26"/>
   </p:handoutMasterIdLst>
   <p:sldIdLst>
     <p:sldId id="256" r:id="rId5"/>
@@ -29,6 +29,8 @@
     <p:sldId id="290" r:id="rId20"/>
     <p:sldId id="291" r:id="rId21"/>
     <p:sldId id="292" r:id="rId22"/>
+    <p:sldId id="294" r:id="rId23"/>
+    <p:sldId id="293" r:id="rId24"/>
   </p:sldIdLst>
   <p:sldSz cx="12192000" cy="6858000"/>
   <p:notesSz cx="6858000" cy="9144000"/>
@@ -260,7 +262,7 @@
           <a:p>
             <a:fld id="{058ABBF3-49A8-4B3F-9773-22E67695BB12}" type="datetimeFigureOut">
               <a:rPr lang="en-US" smtClean="0"/>
-              <a:t>6/1/2025</a:t>
+              <a:t>6/2/2025</a:t>
             </a:fld>
             <a:endParaRPr lang="en-US" dirty="0"/>
           </a:p>
@@ -437,7 +439,7 @@
           <a:p>
             <a:fld id="{F44AAC2B-A50D-4386-849A-6B59FB991B4C}" type="datetimeFigureOut">
               <a:rPr lang="en-US" smtClean="0"/>
-              <a:t>6/1/2025</a:t>
+              <a:t>6/2/2025</a:t>
             </a:fld>
             <a:endParaRPr lang="en-US" dirty="0"/>
           </a:p>
@@ -1271,6 +1273,114 @@
     <p:extLst>
       <p:ext uri="{BB962C8B-B14F-4D97-AF65-F5344CB8AC3E}">
         <p14:creationId xmlns:p14="http://schemas.microsoft.com/office/powerpoint/2010/main" val="1973635160"/>
+      </p:ext>
+    </p:extLst>
+  </p:cSld>
+  <p:clrMapOvr>
+    <a:masterClrMapping/>
+  </p:clrMapOvr>
+</p:notes>
+</file>
+
+<file path=ppt/notesSlides/notesSlide7.xml><?xml version="1.0" encoding="utf-8"?>
+<p:notes xmlns:a="http://schemas.openxmlformats.org/drawingml/2006/main" xmlns:r="http://schemas.openxmlformats.org/officeDocument/2006/relationships" xmlns:p="http://schemas.openxmlformats.org/presentationml/2006/main">
+  <p:cSld>
+    <p:spTree>
+      <p:nvGrpSpPr>
+        <p:cNvPr id="1" name="">
+          <a:extLst>
+            <a:ext uri="{FF2B5EF4-FFF2-40B4-BE49-F238E27FC236}">
+              <a16:creationId xmlns:a16="http://schemas.microsoft.com/office/drawing/2014/main" id="{97EAE42C-D4FF-485B-AB4B-6D92E4158F14}"/>
+            </a:ext>
+          </a:extLst>
+        </p:cNvPr>
+        <p:cNvGrpSpPr/>
+        <p:nvPr/>
+      </p:nvGrpSpPr>
+      <p:grpSpPr>
+        <a:xfrm>
+          <a:off x="0" y="0"/>
+          <a:ext cx="0" cy="0"/>
+          <a:chOff x="0" y="0"/>
+          <a:chExt cx="0" cy="0"/>
+        </a:xfrm>
+      </p:grpSpPr>
+      <p:sp>
+        <p:nvSpPr>
+          <p:cNvPr id="2" name="Slide Image Placeholder 1">
+            <a:extLst>
+              <a:ext uri="{FF2B5EF4-FFF2-40B4-BE49-F238E27FC236}">
+                <a16:creationId xmlns:a16="http://schemas.microsoft.com/office/drawing/2014/main" id="{D9AC9590-042C-770E-9815-7CA2B1D2D131}"/>
+              </a:ext>
+            </a:extLst>
+          </p:cNvPr>
+          <p:cNvSpPr>
+            <a:spLocks noGrp="1" noRot="1" noChangeAspect="1"/>
+          </p:cNvSpPr>
+          <p:nvPr>
+            <p:ph type="sldImg"/>
+          </p:nvPr>
+        </p:nvSpPr>
+        <p:spPr/>
+      </p:sp>
+      <p:sp>
+        <p:nvSpPr>
+          <p:cNvPr id="3" name="Notes Placeholder 2">
+            <a:extLst>
+              <a:ext uri="{FF2B5EF4-FFF2-40B4-BE49-F238E27FC236}">
+                <a16:creationId xmlns:a16="http://schemas.microsoft.com/office/drawing/2014/main" id="{0B3AA7B1-F114-5864-F36F-142C91B351CB}"/>
+              </a:ext>
+            </a:extLst>
+          </p:cNvPr>
+          <p:cNvSpPr>
+            <a:spLocks noGrp="1"/>
+          </p:cNvSpPr>
+          <p:nvPr>
+            <p:ph type="body" idx="1"/>
+          </p:nvPr>
+        </p:nvSpPr>
+        <p:spPr/>
+        <p:txBody>
+          <a:bodyPr/>
+          <a:lstStyle/>
+          <a:p>
+            <a:endParaRPr lang="en-US"/>
+          </a:p>
+        </p:txBody>
+      </p:sp>
+      <p:sp>
+        <p:nvSpPr>
+          <p:cNvPr id="4" name="Slide Number Placeholder 3">
+            <a:extLst>
+              <a:ext uri="{FF2B5EF4-FFF2-40B4-BE49-F238E27FC236}">
+                <a16:creationId xmlns:a16="http://schemas.microsoft.com/office/drawing/2014/main" id="{EBCD8A66-56A5-1E11-2206-86B88013A4B4}"/>
+              </a:ext>
+            </a:extLst>
+          </p:cNvPr>
+          <p:cNvSpPr>
+            <a:spLocks noGrp="1"/>
+          </p:cNvSpPr>
+          <p:nvPr>
+            <p:ph type="sldNum" sz="quarter" idx="5"/>
+          </p:nvPr>
+        </p:nvSpPr>
+        <p:spPr/>
+        <p:txBody>
+          <a:bodyPr/>
+          <a:lstStyle/>
+          <a:p>
+            <a:fld id="{10895658-EA1F-4910-80AB-4DA76E167475}" type="slidenum">
+              <a:rPr lang="en-US" smtClean="0"/>
+              <a:t>20</a:t>
+            </a:fld>
+            <a:endParaRPr lang="en-US" dirty="0"/>
+          </a:p>
+        </p:txBody>
+      </p:sp>
+    </p:spTree>
+    <p:extLst>
+      <p:ext uri="{BB962C8B-B14F-4D97-AF65-F5344CB8AC3E}">
+        <p14:creationId xmlns:p14="http://schemas.microsoft.com/office/powerpoint/2010/main" val="133094540"/>
       </p:ext>
     </p:extLst>
   </p:cSld>
@@ -21991,6 +22101,96 @@
 </p:sld>
 </file>
 
+<file path=ppt/slides/slide19.xml><?xml version="1.0" encoding="utf-8"?>
+<p:sld xmlns:a="http://schemas.openxmlformats.org/drawingml/2006/main" xmlns:r="http://schemas.openxmlformats.org/officeDocument/2006/relationships" xmlns:p="http://schemas.openxmlformats.org/presentationml/2006/main">
+  <p:cSld>
+    <p:spTree>
+      <p:nvGrpSpPr>
+        <p:cNvPr id="1" name=""/>
+        <p:cNvGrpSpPr/>
+        <p:nvPr/>
+      </p:nvGrpSpPr>
+      <p:grpSpPr>
+        <a:xfrm>
+          <a:off x="0" y="0"/>
+          <a:ext cx="0" cy="0"/>
+          <a:chOff x="0" y="0"/>
+          <a:chExt cx="0" cy="0"/>
+        </a:xfrm>
+      </p:grpSpPr>
+      <p:sp>
+        <p:nvSpPr>
+          <p:cNvPr id="3" name="Table Placeholder 2">
+            <a:extLst>
+              <a:ext uri="{FF2B5EF4-FFF2-40B4-BE49-F238E27FC236}">
+                <a16:creationId xmlns:a16="http://schemas.microsoft.com/office/drawing/2014/main" id="{36ACCA12-4FFB-1015-01B3-C7C4CAEC2230}"/>
+              </a:ext>
+            </a:extLst>
+          </p:cNvPr>
+          <p:cNvSpPr>
+            <a:spLocks noGrp="1"/>
+          </p:cNvSpPr>
+          <p:nvPr>
+            <p:ph type="tbl" sz="quarter" idx="13"/>
+          </p:nvPr>
+        </p:nvSpPr>
+        <p:spPr>
+          <a:xfrm>
+            <a:off x="762000" y="597159"/>
+            <a:ext cx="10665845" cy="5498839"/>
+          </a:xfrm>
+        </p:spPr>
+        <p:txBody>
+          <a:bodyPr/>
+          <a:lstStyle/>
+          <a:p>
+            <a:endParaRPr lang="en-US"/>
+          </a:p>
+        </p:txBody>
+      </p:sp>
+      <p:sp>
+        <p:nvSpPr>
+          <p:cNvPr id="4" name="Slide Number Placeholder 3">
+            <a:extLst>
+              <a:ext uri="{FF2B5EF4-FFF2-40B4-BE49-F238E27FC236}">
+                <a16:creationId xmlns:a16="http://schemas.microsoft.com/office/drawing/2014/main" id="{74D16971-206D-45E9-8B42-9BC1AFC5D48A}"/>
+              </a:ext>
+            </a:extLst>
+          </p:cNvPr>
+          <p:cNvSpPr>
+            <a:spLocks noGrp="1"/>
+          </p:cNvSpPr>
+          <p:nvPr>
+            <p:ph type="sldNum" sz="quarter" idx="12"/>
+          </p:nvPr>
+        </p:nvSpPr>
+        <p:spPr/>
+        <p:txBody>
+          <a:bodyPr/>
+          <a:lstStyle/>
+          <a:p>
+            <a:fld id="{B5CEABB6-07DC-46E8-9B57-56EC44A396E5}" type="slidenum">
+              <a:rPr lang="en-US" smtClean="0"/>
+              <a:pPr/>
+              <a:t>19</a:t>
+            </a:fld>
+            <a:endParaRPr lang="en-US" dirty="0"/>
+          </a:p>
+        </p:txBody>
+      </p:sp>
+    </p:spTree>
+    <p:extLst>
+      <p:ext uri="{BB962C8B-B14F-4D97-AF65-F5344CB8AC3E}">
+        <p14:creationId xmlns:p14="http://schemas.microsoft.com/office/powerpoint/2010/main" val="1211781274"/>
+      </p:ext>
+    </p:extLst>
+  </p:cSld>
+  <p:clrMapOvr>
+    <a:masterClrMapping/>
+  </p:clrMapOvr>
+</p:sld>
+</file>
+
 <file path=ppt/slides/slide2.xml><?xml version="1.0" encoding="utf-8"?>
 <p:sld xmlns:a="http://schemas.openxmlformats.org/drawingml/2006/main" xmlns:r="http://schemas.openxmlformats.org/officeDocument/2006/relationships" xmlns:p="http://schemas.openxmlformats.org/presentationml/2006/main">
   <p:cSld>
@@ -22211,6 +22411,212 @@
     <p:extLst>
       <p:ext uri="{BB962C8B-B14F-4D97-AF65-F5344CB8AC3E}">
         <p14:creationId xmlns:p14="http://schemas.microsoft.com/office/powerpoint/2010/main" val="2243494996"/>
+      </p:ext>
+    </p:extLst>
+  </p:cSld>
+  <p:clrMapOvr>
+    <a:masterClrMapping/>
+  </p:clrMapOvr>
+</p:sld>
+</file>
+
+<file path=ppt/slides/slide20.xml><?xml version="1.0" encoding="utf-8"?>
+<p:sld xmlns:a="http://schemas.openxmlformats.org/drawingml/2006/main" xmlns:r="http://schemas.openxmlformats.org/officeDocument/2006/relationships" xmlns:p="http://schemas.openxmlformats.org/presentationml/2006/main">
+  <p:cSld>
+    <p:spTree>
+      <p:nvGrpSpPr>
+        <p:cNvPr id="1" name="">
+          <a:extLst>
+            <a:ext uri="{FF2B5EF4-FFF2-40B4-BE49-F238E27FC236}">
+              <a16:creationId xmlns:a16="http://schemas.microsoft.com/office/drawing/2014/main" id="{AF3675C5-1B74-2E63-4A91-E8E58C409867}"/>
+            </a:ext>
+          </a:extLst>
+        </p:cNvPr>
+        <p:cNvGrpSpPr/>
+        <p:nvPr/>
+      </p:nvGrpSpPr>
+      <p:grpSpPr>
+        <a:xfrm>
+          <a:off x="0" y="0"/>
+          <a:ext cx="0" cy="0"/>
+          <a:chOff x="0" y="0"/>
+          <a:chExt cx="0" cy="0"/>
+        </a:xfrm>
+      </p:grpSpPr>
+      <p:sp>
+        <p:nvSpPr>
+          <p:cNvPr id="2" name="Title 1">
+            <a:extLst>
+              <a:ext uri="{FF2B5EF4-FFF2-40B4-BE49-F238E27FC236}">
+                <a16:creationId xmlns:a16="http://schemas.microsoft.com/office/drawing/2014/main" id="{A40686A0-7B48-5DB4-6029-AABA2537CD86}"/>
+              </a:ext>
+            </a:extLst>
+          </p:cNvPr>
+          <p:cNvSpPr>
+            <a:spLocks noGrp="1"/>
+          </p:cNvSpPr>
+          <p:nvPr>
+            <p:ph type="ctrTitle"/>
+          </p:nvPr>
+        </p:nvSpPr>
+        <p:spPr>
+          <a:xfrm>
+            <a:off x="3828362" y="236262"/>
+            <a:ext cx="8152143" cy="2472612"/>
+          </a:xfrm>
+        </p:spPr>
+        <p:txBody>
+          <a:bodyPr>
+            <a:normAutofit/>
+          </a:bodyPr>
+          <a:lstStyle/>
+          <a:p>
+            <a:r>
+              <a:rPr lang="en-US" dirty="0"/>
+              <a:t>Data analysis with </a:t>
+            </a:r>
+            <a:r>
+              <a:rPr lang="en-US" dirty="0" err="1"/>
+              <a:t>databricks</a:t>
+            </a:r>
+            <a:endParaRPr lang="en-US" dirty="0"/>
+          </a:p>
+        </p:txBody>
+      </p:sp>
+      <p:sp>
+        <p:nvSpPr>
+          <p:cNvPr id="31" name="Oval 30">
+            <a:extLst>
+              <a:ext uri="{FF2B5EF4-FFF2-40B4-BE49-F238E27FC236}">
+                <a16:creationId xmlns:a16="http://schemas.microsoft.com/office/drawing/2014/main" id="{11C162EF-05D6-32B7-5831-189122B19F28}"/>
+              </a:ext>
+              <a:ext uri="{C183D7F6-B498-43B3-948B-1728B52AA6E4}">
+                <adec:decorative xmlns:adec="http://schemas.microsoft.com/office/drawing/2017/decorative" val="1"/>
+              </a:ext>
+            </a:extLst>
+          </p:cNvPr>
+          <p:cNvSpPr/>
+          <p:nvPr/>
+        </p:nvSpPr>
+        <p:spPr>
+          <a:xfrm>
+            <a:off x="3903349" y="4646277"/>
+            <a:ext cx="274320" cy="274320"/>
+          </a:xfrm>
+          <a:prstGeom prst="ellipse">
+            <a:avLst/>
+          </a:prstGeom>
+          <a:solidFill>
+            <a:schemeClr val="bg1"/>
+          </a:solidFill>
+          <a:ln>
+            <a:noFill/>
+          </a:ln>
+        </p:spPr>
+        <p:style>
+          <a:lnRef idx="2">
+            <a:schemeClr val="accent1">
+              <a:shade val="50000"/>
+            </a:schemeClr>
+          </a:lnRef>
+          <a:fillRef idx="1">
+            <a:schemeClr val="accent1"/>
+          </a:fillRef>
+          <a:effectRef idx="0">
+            <a:schemeClr val="accent1"/>
+          </a:effectRef>
+          <a:fontRef idx="minor">
+            <a:schemeClr val="lt1"/>
+          </a:fontRef>
+        </p:style>
+        <p:txBody>
+          <a:bodyPr rtlCol="0" anchor="ctr"/>
+          <a:lstStyle/>
+          <a:p>
+            <a:pPr algn="ctr"/>
+            <a:endParaRPr lang="en-US" dirty="0"/>
+          </a:p>
+        </p:txBody>
+      </p:sp>
+      <p:cxnSp>
+        <p:nvCxnSpPr>
+          <p:cNvPr id="32" name="Straight Connector 31">
+            <a:extLst>
+              <a:ext uri="{FF2B5EF4-FFF2-40B4-BE49-F238E27FC236}">
+                <a16:creationId xmlns:a16="http://schemas.microsoft.com/office/drawing/2014/main" id="{BEAC9EB8-9B74-5BAE-8B64-AF31E1EB83EE}"/>
+              </a:ext>
+              <a:ext uri="{C183D7F6-B498-43B3-948B-1728B52AA6E4}">
+                <adec:decorative xmlns:adec="http://schemas.microsoft.com/office/drawing/2017/decorative" val="1"/>
+              </a:ext>
+            </a:extLst>
+          </p:cNvPr>
+          <p:cNvCxnSpPr>
+            <a:cxnSpLocks/>
+          </p:cNvCxnSpPr>
+          <p:nvPr/>
+        </p:nvCxnSpPr>
+        <p:spPr>
+          <a:xfrm>
+            <a:off x="4062984" y="4809555"/>
+            <a:ext cx="0" cy="0"/>
+          </a:xfrm>
+          <a:prstGeom prst="line">
+            <a:avLst/>
+          </a:prstGeom>
+          <a:ln w="50800">
+            <a:solidFill>
+              <a:schemeClr val="bg1"/>
+            </a:solidFill>
+          </a:ln>
+        </p:spPr>
+        <p:style>
+          <a:lnRef idx="1">
+            <a:schemeClr val="accent1"/>
+          </a:lnRef>
+          <a:fillRef idx="0">
+            <a:schemeClr val="accent1"/>
+          </a:fillRef>
+          <a:effectRef idx="0">
+            <a:schemeClr val="accent1"/>
+          </a:effectRef>
+          <a:fontRef idx="minor">
+            <a:schemeClr val="tx1"/>
+          </a:fontRef>
+        </p:style>
+      </p:cxnSp>
+      <p:pic>
+        <p:nvPicPr>
+          <p:cNvPr id="4" name="Picture 3" descr="A screenshot of a computer screen&#10;&#10;AI-generated content may be incorrect.">
+            <a:extLst>
+              <a:ext uri="{FF2B5EF4-FFF2-40B4-BE49-F238E27FC236}">
+                <a16:creationId xmlns:a16="http://schemas.microsoft.com/office/drawing/2014/main" id="{8B98CCA7-F453-9923-B4E2-B9ABC5B7101A}"/>
+              </a:ext>
+            </a:extLst>
+          </p:cNvPr>
+          <p:cNvPicPr>
+            <a:picLocks noChangeAspect="1"/>
+          </p:cNvPicPr>
+          <p:nvPr/>
+        </p:nvPicPr>
+        <p:blipFill>
+          <a:blip r:embed="rId3"/>
+          <a:srcRect r="24"/>
+          <a:stretch/>
+        </p:blipFill>
+        <p:spPr>
+          <a:xfrm>
+            <a:off x="0" y="0"/>
+            <a:ext cx="8266922" cy="6858000"/>
+          </a:xfrm>
+          <a:prstGeom prst="rtTriangle">
+            <a:avLst/>
+          </a:prstGeom>
+        </p:spPr>
+      </p:pic>
+    </p:spTree>
+    <p:extLst>
+      <p:ext uri="{BB962C8B-B14F-4D97-AF65-F5344CB8AC3E}">
+        <p14:creationId xmlns:p14="http://schemas.microsoft.com/office/powerpoint/2010/main" val="3723270126"/>
       </p:ext>
     </p:extLst>
   </p:cSld>
@@ -24433,6 +24839,15 @@
 </file>
 
 <file path=customXml/item1.xml><?xml version="1.0" encoding="utf-8"?>
+<?mso-contentType ?>
+<FormTemplates xmlns="http://schemas.microsoft.com/sharepoint/v3/contenttype/forms">
+  <Display>DocumentLibraryForm</Display>
+  <Edit>DocumentLibraryForm</Edit>
+  <New>DocumentLibraryForm</New>
+</FormTemplates>
+</file>
+
+<file path=customXml/item2.xml><?xml version="1.0" encoding="utf-8"?>
 <p:properties xmlns:p="http://schemas.microsoft.com/office/2006/metadata/properties" xmlns:xsi="http://www.w3.org/2001/XMLSchema-instance" xmlns:pc="http://schemas.microsoft.com/office/infopath/2007/PartnerControls">
   <documentManagement>
     <Background xmlns="71af3243-3dd4-4a8d-8c0d-dd76da1f02a5">false</Background>
@@ -24450,15 +24865,6 @@
     <MediaServiceKeyPoints xmlns="71af3243-3dd4-4a8d-8c0d-dd76da1f02a5" xsi:nil="true"/>
   </documentManagement>
 </p:properties>
-</file>
-
-<file path=customXml/item2.xml><?xml version="1.0" encoding="utf-8"?>
-<?mso-contentType ?>
-<FormTemplates xmlns="http://schemas.microsoft.com/sharepoint/v3/contenttype/forms">
-  <Display>DocumentLibraryForm</Display>
-  <Edit>DocumentLibraryForm</Edit>
-  <New>DocumentLibraryForm</New>
-</FormTemplates>
 </file>
 
 <file path=customXml/item3.xml><?xml version="1.0" encoding="utf-8"?>
@@ -24774,6 +25180,14 @@
 </file>
 
 <file path=customXml/itemProps1.xml><?xml version="1.0" encoding="utf-8"?>
+<ds:datastoreItem xmlns:ds="http://schemas.openxmlformats.org/officeDocument/2006/customXml" ds:itemID="{8451406B-581B-4C29-A833-E33D8A6AB075}">
+  <ds:schemaRefs>
+    <ds:schemaRef ds:uri="http://schemas.microsoft.com/sharepoint/v3/contenttype/forms"/>
+  </ds:schemaRefs>
+</ds:datastoreItem>
+</file>
+
+<file path=customXml/itemProps2.xml><?xml version="1.0" encoding="utf-8"?>
 <ds:datastoreItem xmlns:ds="http://schemas.openxmlformats.org/officeDocument/2006/customXml" ds:itemID="{0F65614A-92F9-4391-AC3D-F3F5B0704F99}">
   <ds:schemaRefs>
     <ds:schemaRef ds:uri="http://schemas.microsoft.com/office/2006/metadata/properties"/>
@@ -24781,14 +25195,6 @@
     <ds:schemaRef ds:uri="71af3243-3dd4-4a8d-8c0d-dd76da1f02a5"/>
     <ds:schemaRef ds:uri="http://schemas.microsoft.com/sharepoint/v3"/>
     <ds:schemaRef ds:uri="230e9df3-be65-4c73-a93b-d1236ebd677e"/>
-  </ds:schemaRefs>
-</ds:datastoreItem>
-</file>
-
-<file path=customXml/itemProps2.xml><?xml version="1.0" encoding="utf-8"?>
-<ds:datastoreItem xmlns:ds="http://schemas.openxmlformats.org/officeDocument/2006/customXml" ds:itemID="{8451406B-581B-4C29-A833-E33D8A6AB075}">
-  <ds:schemaRefs>
-    <ds:schemaRef ds:uri="http://schemas.microsoft.com/sharepoint/v3/contenttype/forms"/>
   </ds:schemaRefs>
 </ds:datastoreItem>
 </file>

--- a/docs/ccbd_project_presentation.pptx
+++ b/docs/ccbd_project_presentation.pptx
@@ -5,10 +5,10 @@
     <p:sldMasterId id="2147483648" r:id="rId4"/>
   </p:sldMasterIdLst>
   <p:notesMasterIdLst>
-    <p:notesMasterId r:id="rId25"/>
+    <p:notesMasterId r:id="rId30"/>
   </p:notesMasterIdLst>
   <p:handoutMasterIdLst>
-    <p:handoutMasterId r:id="rId26"/>
+    <p:handoutMasterId r:id="rId31"/>
   </p:handoutMasterIdLst>
   <p:sldIdLst>
     <p:sldId id="256" r:id="rId5"/>
@@ -29,8 +29,13 @@
     <p:sldId id="290" r:id="rId20"/>
     <p:sldId id="291" r:id="rId21"/>
     <p:sldId id="292" r:id="rId22"/>
-    <p:sldId id="294" r:id="rId23"/>
-    <p:sldId id="293" r:id="rId24"/>
+    <p:sldId id="293" r:id="rId23"/>
+    <p:sldId id="294" r:id="rId24"/>
+    <p:sldId id="295" r:id="rId25"/>
+    <p:sldId id="296" r:id="rId26"/>
+    <p:sldId id="297" r:id="rId27"/>
+    <p:sldId id="298" r:id="rId28"/>
+    <p:sldId id="299" r:id="rId29"/>
   </p:sldIdLst>
   <p:sldSz cx="12192000" cy="6858000"/>
   <p:notesSz cx="6858000" cy="9144000"/>
@@ -262,7 +267,7 @@
           <a:p>
             <a:fld id="{058ABBF3-49A8-4B3F-9773-22E67695BB12}" type="datetimeFigureOut">
               <a:rPr lang="en-US" smtClean="0"/>
-              <a:t>6/2/2025</a:t>
+              <a:t>6/4/2025</a:t>
             </a:fld>
             <a:endParaRPr lang="en-US" dirty="0"/>
           </a:p>
@@ -439,7 +444,7 @@
           <a:p>
             <a:fld id="{F44AAC2B-A50D-4386-849A-6B59FB991B4C}" type="datetimeFigureOut">
               <a:rPr lang="en-US" smtClean="0"/>
-              <a:t>6/2/2025</a:t>
+              <a:t>6/4/2025</a:t>
             </a:fld>
             <a:endParaRPr lang="en-US" dirty="0"/>
           </a:p>
@@ -1371,7 +1376,7 @@
           <a:p>
             <a:fld id="{10895658-EA1F-4910-80AB-4DA76E167475}" type="slidenum">
               <a:rPr lang="en-US" smtClean="0"/>
-              <a:t>20</a:t>
+              <a:t>19</a:t>
             </a:fld>
             <a:endParaRPr lang="en-US" dirty="0"/>
           </a:p>
@@ -1381,6 +1386,114 @@
     <p:extLst>
       <p:ext uri="{BB962C8B-B14F-4D97-AF65-F5344CB8AC3E}">
         <p14:creationId xmlns:p14="http://schemas.microsoft.com/office/powerpoint/2010/main" val="133094540"/>
+      </p:ext>
+    </p:extLst>
+  </p:cSld>
+  <p:clrMapOvr>
+    <a:masterClrMapping/>
+  </p:clrMapOvr>
+</p:notes>
+</file>
+
+<file path=ppt/notesSlides/notesSlide8.xml><?xml version="1.0" encoding="utf-8"?>
+<p:notes xmlns:a="http://schemas.openxmlformats.org/drawingml/2006/main" xmlns:r="http://schemas.openxmlformats.org/officeDocument/2006/relationships" xmlns:p="http://schemas.openxmlformats.org/presentationml/2006/main">
+  <p:cSld>
+    <p:spTree>
+      <p:nvGrpSpPr>
+        <p:cNvPr id="1" name="">
+          <a:extLst>
+            <a:ext uri="{FF2B5EF4-FFF2-40B4-BE49-F238E27FC236}">
+              <a16:creationId xmlns:a16="http://schemas.microsoft.com/office/drawing/2014/main" id="{A06E4BF8-58A1-87B1-232C-F56F157846B5}"/>
+            </a:ext>
+          </a:extLst>
+        </p:cNvPr>
+        <p:cNvGrpSpPr/>
+        <p:nvPr/>
+      </p:nvGrpSpPr>
+      <p:grpSpPr>
+        <a:xfrm>
+          <a:off x="0" y="0"/>
+          <a:ext cx="0" cy="0"/>
+          <a:chOff x="0" y="0"/>
+          <a:chExt cx="0" cy="0"/>
+        </a:xfrm>
+      </p:grpSpPr>
+      <p:sp>
+        <p:nvSpPr>
+          <p:cNvPr id="2" name="Slide Image Placeholder 1">
+            <a:extLst>
+              <a:ext uri="{FF2B5EF4-FFF2-40B4-BE49-F238E27FC236}">
+                <a16:creationId xmlns:a16="http://schemas.microsoft.com/office/drawing/2014/main" id="{F40FF22D-F5C9-CC7F-7A70-38C4F467F577}"/>
+              </a:ext>
+            </a:extLst>
+          </p:cNvPr>
+          <p:cNvSpPr>
+            <a:spLocks noGrp="1" noRot="1" noChangeAspect="1"/>
+          </p:cNvSpPr>
+          <p:nvPr>
+            <p:ph type="sldImg"/>
+          </p:nvPr>
+        </p:nvSpPr>
+        <p:spPr/>
+      </p:sp>
+      <p:sp>
+        <p:nvSpPr>
+          <p:cNvPr id="3" name="Notes Placeholder 2">
+            <a:extLst>
+              <a:ext uri="{FF2B5EF4-FFF2-40B4-BE49-F238E27FC236}">
+                <a16:creationId xmlns:a16="http://schemas.microsoft.com/office/drawing/2014/main" id="{46C7EA2A-42FE-CFFC-4417-2CDE9CDF47A4}"/>
+              </a:ext>
+            </a:extLst>
+          </p:cNvPr>
+          <p:cNvSpPr>
+            <a:spLocks noGrp="1"/>
+          </p:cNvSpPr>
+          <p:nvPr>
+            <p:ph type="body" idx="1"/>
+          </p:nvPr>
+        </p:nvSpPr>
+        <p:spPr/>
+        <p:txBody>
+          <a:bodyPr/>
+          <a:lstStyle/>
+          <a:p>
+            <a:endParaRPr lang="en-US"/>
+          </a:p>
+        </p:txBody>
+      </p:sp>
+      <p:sp>
+        <p:nvSpPr>
+          <p:cNvPr id="4" name="Slide Number Placeholder 3">
+            <a:extLst>
+              <a:ext uri="{FF2B5EF4-FFF2-40B4-BE49-F238E27FC236}">
+                <a16:creationId xmlns:a16="http://schemas.microsoft.com/office/drawing/2014/main" id="{0B928DCC-AF7A-64A5-697E-75B11F1DEECA}"/>
+              </a:ext>
+            </a:extLst>
+          </p:cNvPr>
+          <p:cNvSpPr>
+            <a:spLocks noGrp="1"/>
+          </p:cNvSpPr>
+          <p:nvPr>
+            <p:ph type="sldNum" sz="quarter" idx="5"/>
+          </p:nvPr>
+        </p:nvSpPr>
+        <p:spPr/>
+        <p:txBody>
+          <a:bodyPr/>
+          <a:lstStyle/>
+          <a:p>
+            <a:fld id="{10895658-EA1F-4910-80AB-4DA76E167475}" type="slidenum">
+              <a:rPr lang="en-US" smtClean="0"/>
+              <a:t>21</a:t>
+            </a:fld>
+            <a:endParaRPr lang="en-US" dirty="0"/>
+          </a:p>
+        </p:txBody>
+      </p:sp>
+    </p:spTree>
+    <p:extLst>
+      <p:ext uri="{BB962C8B-B14F-4D97-AF65-F5344CB8AC3E}">
+        <p14:creationId xmlns:p14="http://schemas.microsoft.com/office/powerpoint/2010/main" val="1091198844"/>
       </p:ext>
     </p:extLst>
   </p:cSld>
@@ -22106,325 +22219,6 @@
   <p:cSld>
     <p:spTree>
       <p:nvGrpSpPr>
-        <p:cNvPr id="1" name=""/>
-        <p:cNvGrpSpPr/>
-        <p:nvPr/>
-      </p:nvGrpSpPr>
-      <p:grpSpPr>
-        <a:xfrm>
-          <a:off x="0" y="0"/>
-          <a:ext cx="0" cy="0"/>
-          <a:chOff x="0" y="0"/>
-          <a:chExt cx="0" cy="0"/>
-        </a:xfrm>
-      </p:grpSpPr>
-      <p:sp>
-        <p:nvSpPr>
-          <p:cNvPr id="3" name="Table Placeholder 2">
-            <a:extLst>
-              <a:ext uri="{FF2B5EF4-FFF2-40B4-BE49-F238E27FC236}">
-                <a16:creationId xmlns:a16="http://schemas.microsoft.com/office/drawing/2014/main" id="{36ACCA12-4FFB-1015-01B3-C7C4CAEC2230}"/>
-              </a:ext>
-            </a:extLst>
-          </p:cNvPr>
-          <p:cNvSpPr>
-            <a:spLocks noGrp="1"/>
-          </p:cNvSpPr>
-          <p:nvPr>
-            <p:ph type="tbl" sz="quarter" idx="13"/>
-          </p:nvPr>
-        </p:nvSpPr>
-        <p:spPr>
-          <a:xfrm>
-            <a:off x="762000" y="597159"/>
-            <a:ext cx="10665845" cy="5498839"/>
-          </a:xfrm>
-        </p:spPr>
-        <p:txBody>
-          <a:bodyPr/>
-          <a:lstStyle/>
-          <a:p>
-            <a:endParaRPr lang="en-US"/>
-          </a:p>
-        </p:txBody>
-      </p:sp>
-      <p:sp>
-        <p:nvSpPr>
-          <p:cNvPr id="4" name="Slide Number Placeholder 3">
-            <a:extLst>
-              <a:ext uri="{FF2B5EF4-FFF2-40B4-BE49-F238E27FC236}">
-                <a16:creationId xmlns:a16="http://schemas.microsoft.com/office/drawing/2014/main" id="{74D16971-206D-45E9-8B42-9BC1AFC5D48A}"/>
-              </a:ext>
-            </a:extLst>
-          </p:cNvPr>
-          <p:cNvSpPr>
-            <a:spLocks noGrp="1"/>
-          </p:cNvSpPr>
-          <p:nvPr>
-            <p:ph type="sldNum" sz="quarter" idx="12"/>
-          </p:nvPr>
-        </p:nvSpPr>
-        <p:spPr/>
-        <p:txBody>
-          <a:bodyPr/>
-          <a:lstStyle/>
-          <a:p>
-            <a:fld id="{B5CEABB6-07DC-46E8-9B57-56EC44A396E5}" type="slidenum">
-              <a:rPr lang="en-US" smtClean="0"/>
-              <a:pPr/>
-              <a:t>19</a:t>
-            </a:fld>
-            <a:endParaRPr lang="en-US" dirty="0"/>
-          </a:p>
-        </p:txBody>
-      </p:sp>
-    </p:spTree>
-    <p:extLst>
-      <p:ext uri="{BB962C8B-B14F-4D97-AF65-F5344CB8AC3E}">
-        <p14:creationId xmlns:p14="http://schemas.microsoft.com/office/powerpoint/2010/main" val="1211781274"/>
-      </p:ext>
-    </p:extLst>
-  </p:cSld>
-  <p:clrMapOvr>
-    <a:masterClrMapping/>
-  </p:clrMapOvr>
-</p:sld>
-</file>
-
-<file path=ppt/slides/slide2.xml><?xml version="1.0" encoding="utf-8"?>
-<p:sld xmlns:a="http://schemas.openxmlformats.org/drawingml/2006/main" xmlns:r="http://schemas.openxmlformats.org/officeDocument/2006/relationships" xmlns:p="http://schemas.openxmlformats.org/presentationml/2006/main">
-  <p:cSld>
-    <p:spTree>
-      <p:nvGrpSpPr>
-        <p:cNvPr id="1" name=""/>
-        <p:cNvGrpSpPr/>
-        <p:nvPr/>
-      </p:nvGrpSpPr>
-      <p:grpSpPr>
-        <a:xfrm>
-          <a:off x="0" y="0"/>
-          <a:ext cx="0" cy="0"/>
-          <a:chOff x="0" y="0"/>
-          <a:chExt cx="0" cy="0"/>
-        </a:xfrm>
-      </p:grpSpPr>
-      <p:sp>
-        <p:nvSpPr>
-          <p:cNvPr id="2" name="Title 1">
-            <a:extLst>
-              <a:ext uri="{FF2B5EF4-FFF2-40B4-BE49-F238E27FC236}">
-                <a16:creationId xmlns:a16="http://schemas.microsoft.com/office/drawing/2014/main" id="{6719F29B-F233-48AF-8261-F33A4E079E3E}"/>
-              </a:ext>
-            </a:extLst>
-          </p:cNvPr>
-          <p:cNvSpPr>
-            <a:spLocks noGrp="1"/>
-          </p:cNvSpPr>
-          <p:nvPr>
-            <p:ph type="title"/>
-          </p:nvPr>
-        </p:nvSpPr>
-        <p:spPr>
-          <a:xfrm>
-            <a:off x="4467419" y="1452141"/>
-            <a:ext cx="6343650" cy="671551"/>
-          </a:xfrm>
-        </p:spPr>
-        <p:txBody>
-          <a:bodyPr anchor="t">
-            <a:normAutofit fontScale="90000"/>
-          </a:bodyPr>
-          <a:lstStyle/>
-          <a:p>
-            <a:r>
-              <a:rPr lang="en-US" dirty="0"/>
-              <a:t>overview</a:t>
-            </a:r>
-            <a:endParaRPr lang="en-ZA" dirty="0"/>
-          </a:p>
-        </p:txBody>
-      </p:sp>
-      <p:sp>
-        <p:nvSpPr>
-          <p:cNvPr id="3" name="Subtitle 2">
-            <a:extLst>
-              <a:ext uri="{FF2B5EF4-FFF2-40B4-BE49-F238E27FC236}">
-                <a16:creationId xmlns:a16="http://schemas.microsoft.com/office/drawing/2014/main" id="{35E3EA69-4E0E-41BD-8095-A124225A2647}"/>
-              </a:ext>
-            </a:extLst>
-          </p:cNvPr>
-          <p:cNvSpPr>
-            <a:spLocks noGrp="1"/>
-          </p:cNvSpPr>
-          <p:nvPr>
-            <p:ph sz="half" idx="14"/>
-          </p:nvPr>
-        </p:nvSpPr>
-        <p:spPr>
-          <a:xfrm>
-            <a:off x="4467419" y="2261442"/>
-            <a:ext cx="6575263" cy="3144417"/>
-          </a:xfrm>
-        </p:spPr>
-        <p:txBody>
-          <a:bodyPr>
-            <a:normAutofit/>
-          </a:bodyPr>
-          <a:lstStyle/>
-          <a:p>
-            <a:pPr marL="457200" indent="-457200">
-              <a:lnSpc>
-                <a:spcPct val="100000"/>
-              </a:lnSpc>
-              <a:buFont typeface="+mj-lt"/>
-              <a:buAutoNum type="arabicPeriod"/>
-            </a:pPr>
-            <a:r>
-              <a:rPr lang="en-US" dirty="0"/>
-              <a:t>Course Work Overview</a:t>
-            </a:r>
-          </a:p>
-          <a:p>
-            <a:pPr marL="457200" indent="-457200">
-              <a:lnSpc>
-                <a:spcPct val="100000"/>
-              </a:lnSpc>
-              <a:buFont typeface="+mj-lt"/>
-              <a:buAutoNum type="arabicPeriod"/>
-            </a:pPr>
-            <a:r>
-              <a:rPr lang="en-US" dirty="0"/>
-              <a:t>Cloud Environment Setup</a:t>
-            </a:r>
-          </a:p>
-          <a:p>
-            <a:pPr marL="457200" indent="-457200">
-              <a:lnSpc>
-                <a:spcPct val="100000"/>
-              </a:lnSpc>
-              <a:buFont typeface="+mj-lt"/>
-              <a:buAutoNum type="arabicPeriod"/>
-            </a:pPr>
-            <a:r>
-              <a:rPr lang="en-US" dirty="0"/>
-              <a:t>Dataset Ingestion</a:t>
-            </a:r>
-          </a:p>
-          <a:p>
-            <a:pPr marL="457200" indent="-457200">
-              <a:lnSpc>
-                <a:spcPct val="100000"/>
-              </a:lnSpc>
-              <a:buFont typeface="+mj-lt"/>
-              <a:buAutoNum type="arabicPeriod"/>
-            </a:pPr>
-            <a:r>
-              <a:rPr lang="en-US" dirty="0"/>
-              <a:t>Structured Data Manipulation and Query</a:t>
-            </a:r>
-          </a:p>
-          <a:p>
-            <a:pPr marL="457200" indent="-457200">
-              <a:lnSpc>
-                <a:spcPct val="100000"/>
-              </a:lnSpc>
-              <a:buFont typeface="+mj-lt"/>
-              <a:buAutoNum type="arabicPeriod"/>
-            </a:pPr>
-            <a:r>
-              <a:rPr lang="en-US" dirty="0"/>
-              <a:t>Data Analytics using Databricks</a:t>
-            </a:r>
-          </a:p>
-          <a:p>
-            <a:pPr marL="457200" indent="-457200">
-              <a:lnSpc>
-                <a:spcPct val="100000"/>
-              </a:lnSpc>
-              <a:buFont typeface="+mj-lt"/>
-              <a:buAutoNum type="arabicPeriod"/>
-            </a:pPr>
-            <a:r>
-              <a:rPr lang="en-US" dirty="0"/>
-              <a:t>Data Enrichment using Machine Learning</a:t>
-            </a:r>
-          </a:p>
-          <a:p>
-            <a:pPr marL="457200" indent="-457200">
-              <a:lnSpc>
-                <a:spcPct val="100000"/>
-              </a:lnSpc>
-              <a:buFont typeface="+mj-lt"/>
-              <a:buAutoNum type="arabicPeriod"/>
-            </a:pPr>
-            <a:r>
-              <a:rPr lang="en-US" dirty="0"/>
-              <a:t>Data Visualization</a:t>
-            </a:r>
-          </a:p>
-          <a:p>
-            <a:pPr marL="457200" indent="-457200">
-              <a:lnSpc>
-                <a:spcPct val="100000"/>
-              </a:lnSpc>
-              <a:buFont typeface="+mj-lt"/>
-              <a:buAutoNum type="arabicPeriod"/>
-            </a:pPr>
-            <a:r>
-              <a:rPr lang="en-US" dirty="0"/>
-              <a:t>Conclusion</a:t>
-            </a:r>
-          </a:p>
-        </p:txBody>
-      </p:sp>
-      <p:sp>
-        <p:nvSpPr>
-          <p:cNvPr id="6" name="Slide Number Placeholder 5">
-            <a:extLst>
-              <a:ext uri="{FF2B5EF4-FFF2-40B4-BE49-F238E27FC236}">
-                <a16:creationId xmlns:a16="http://schemas.microsoft.com/office/drawing/2014/main" id="{67927DCA-F11F-1716-00DA-9EF49F131ABD}"/>
-              </a:ext>
-            </a:extLst>
-          </p:cNvPr>
-          <p:cNvSpPr>
-            <a:spLocks noGrp="1"/>
-          </p:cNvSpPr>
-          <p:nvPr>
-            <p:ph type="sldNum" sz="quarter" idx="12"/>
-          </p:nvPr>
-        </p:nvSpPr>
-        <p:spPr/>
-        <p:txBody>
-          <a:bodyPr/>
-          <a:lstStyle/>
-          <a:p>
-            <a:fld id="{B5CEABB6-07DC-46E8-9B57-56EC44A396E5}" type="slidenum">
-              <a:rPr lang="en-US" smtClean="0"/>
-              <a:pPr/>
-              <a:t>2</a:t>
-            </a:fld>
-            <a:endParaRPr lang="en-US" dirty="0"/>
-          </a:p>
-        </p:txBody>
-      </p:sp>
-    </p:spTree>
-    <p:extLst>
-      <p:ext uri="{BB962C8B-B14F-4D97-AF65-F5344CB8AC3E}">
-        <p14:creationId xmlns:p14="http://schemas.microsoft.com/office/powerpoint/2010/main" val="2243494996"/>
-      </p:ext>
-    </p:extLst>
-  </p:cSld>
-  <p:clrMapOvr>
-    <a:masterClrMapping/>
-  </p:clrMapOvr>
-</p:sld>
-</file>
-
-<file path=ppt/slides/slide20.xml><?xml version="1.0" encoding="utf-8"?>
-<p:sld xmlns:a="http://schemas.openxmlformats.org/drawingml/2006/main" xmlns:r="http://schemas.openxmlformats.org/officeDocument/2006/relationships" xmlns:p="http://schemas.openxmlformats.org/presentationml/2006/main">
-  <p:cSld>
-    <p:spTree>
-      <p:nvGrpSpPr>
         <p:cNvPr id="1" name="">
           <a:extLst>
             <a:ext uri="{FF2B5EF4-FFF2-40B4-BE49-F238E27FC236}">
@@ -22617,6 +22411,1562 @@
     <p:extLst>
       <p:ext uri="{BB962C8B-B14F-4D97-AF65-F5344CB8AC3E}">
         <p14:creationId xmlns:p14="http://schemas.microsoft.com/office/powerpoint/2010/main" val="3723270126"/>
+      </p:ext>
+    </p:extLst>
+  </p:cSld>
+  <p:clrMapOvr>
+    <a:masterClrMapping/>
+  </p:clrMapOvr>
+</p:sld>
+</file>
+
+<file path=ppt/slides/slide2.xml><?xml version="1.0" encoding="utf-8"?>
+<p:sld xmlns:a="http://schemas.openxmlformats.org/drawingml/2006/main" xmlns:r="http://schemas.openxmlformats.org/officeDocument/2006/relationships" xmlns:p="http://schemas.openxmlformats.org/presentationml/2006/main">
+  <p:cSld>
+    <p:spTree>
+      <p:nvGrpSpPr>
+        <p:cNvPr id="1" name=""/>
+        <p:cNvGrpSpPr/>
+        <p:nvPr/>
+      </p:nvGrpSpPr>
+      <p:grpSpPr>
+        <a:xfrm>
+          <a:off x="0" y="0"/>
+          <a:ext cx="0" cy="0"/>
+          <a:chOff x="0" y="0"/>
+          <a:chExt cx="0" cy="0"/>
+        </a:xfrm>
+      </p:grpSpPr>
+      <p:sp>
+        <p:nvSpPr>
+          <p:cNvPr id="2" name="Title 1">
+            <a:extLst>
+              <a:ext uri="{FF2B5EF4-FFF2-40B4-BE49-F238E27FC236}">
+                <a16:creationId xmlns:a16="http://schemas.microsoft.com/office/drawing/2014/main" id="{6719F29B-F233-48AF-8261-F33A4E079E3E}"/>
+              </a:ext>
+            </a:extLst>
+          </p:cNvPr>
+          <p:cNvSpPr>
+            <a:spLocks noGrp="1"/>
+          </p:cNvSpPr>
+          <p:nvPr>
+            <p:ph type="title"/>
+          </p:nvPr>
+        </p:nvSpPr>
+        <p:spPr>
+          <a:xfrm>
+            <a:off x="4467419" y="1452141"/>
+            <a:ext cx="6343650" cy="671551"/>
+          </a:xfrm>
+        </p:spPr>
+        <p:txBody>
+          <a:bodyPr anchor="t">
+            <a:normAutofit fontScale="90000"/>
+          </a:bodyPr>
+          <a:lstStyle/>
+          <a:p>
+            <a:r>
+              <a:rPr lang="en-US" dirty="0"/>
+              <a:t>overview</a:t>
+            </a:r>
+            <a:endParaRPr lang="en-ZA" dirty="0"/>
+          </a:p>
+        </p:txBody>
+      </p:sp>
+      <p:sp>
+        <p:nvSpPr>
+          <p:cNvPr id="3" name="Subtitle 2">
+            <a:extLst>
+              <a:ext uri="{FF2B5EF4-FFF2-40B4-BE49-F238E27FC236}">
+                <a16:creationId xmlns:a16="http://schemas.microsoft.com/office/drawing/2014/main" id="{35E3EA69-4E0E-41BD-8095-A124225A2647}"/>
+              </a:ext>
+            </a:extLst>
+          </p:cNvPr>
+          <p:cNvSpPr>
+            <a:spLocks noGrp="1"/>
+          </p:cNvSpPr>
+          <p:nvPr>
+            <p:ph sz="half" idx="14"/>
+          </p:nvPr>
+        </p:nvSpPr>
+        <p:spPr>
+          <a:xfrm>
+            <a:off x="4467419" y="2261442"/>
+            <a:ext cx="6575263" cy="3144417"/>
+          </a:xfrm>
+        </p:spPr>
+        <p:txBody>
+          <a:bodyPr>
+            <a:normAutofit/>
+          </a:bodyPr>
+          <a:lstStyle/>
+          <a:p>
+            <a:pPr marL="457200" indent="-457200">
+              <a:lnSpc>
+                <a:spcPct val="100000"/>
+              </a:lnSpc>
+              <a:buFont typeface="+mj-lt"/>
+              <a:buAutoNum type="arabicPeriod"/>
+            </a:pPr>
+            <a:r>
+              <a:rPr lang="en-US" dirty="0"/>
+              <a:t>Course Work Overview</a:t>
+            </a:r>
+          </a:p>
+          <a:p>
+            <a:pPr marL="457200" indent="-457200">
+              <a:lnSpc>
+                <a:spcPct val="100000"/>
+              </a:lnSpc>
+              <a:buFont typeface="+mj-lt"/>
+              <a:buAutoNum type="arabicPeriod"/>
+            </a:pPr>
+            <a:r>
+              <a:rPr lang="en-US" dirty="0"/>
+              <a:t>Cloud Environment Setup</a:t>
+            </a:r>
+          </a:p>
+          <a:p>
+            <a:pPr marL="457200" indent="-457200">
+              <a:lnSpc>
+                <a:spcPct val="100000"/>
+              </a:lnSpc>
+              <a:buFont typeface="+mj-lt"/>
+              <a:buAutoNum type="arabicPeriod"/>
+            </a:pPr>
+            <a:r>
+              <a:rPr lang="en-US" dirty="0"/>
+              <a:t>Dataset Ingestion</a:t>
+            </a:r>
+          </a:p>
+          <a:p>
+            <a:pPr marL="457200" indent="-457200">
+              <a:lnSpc>
+                <a:spcPct val="100000"/>
+              </a:lnSpc>
+              <a:buFont typeface="+mj-lt"/>
+              <a:buAutoNum type="arabicPeriod"/>
+            </a:pPr>
+            <a:r>
+              <a:rPr lang="en-US" dirty="0"/>
+              <a:t>Structured Data Manipulation and Query</a:t>
+            </a:r>
+          </a:p>
+          <a:p>
+            <a:pPr marL="457200" indent="-457200">
+              <a:lnSpc>
+                <a:spcPct val="100000"/>
+              </a:lnSpc>
+              <a:buFont typeface="+mj-lt"/>
+              <a:buAutoNum type="arabicPeriod"/>
+            </a:pPr>
+            <a:r>
+              <a:rPr lang="en-US" dirty="0"/>
+              <a:t>Data Analytics using Databricks</a:t>
+            </a:r>
+          </a:p>
+          <a:p>
+            <a:pPr marL="457200" indent="-457200">
+              <a:lnSpc>
+                <a:spcPct val="100000"/>
+              </a:lnSpc>
+              <a:buFont typeface="+mj-lt"/>
+              <a:buAutoNum type="arabicPeriod"/>
+            </a:pPr>
+            <a:r>
+              <a:rPr lang="en-US" dirty="0"/>
+              <a:t>Data Enrichment using Machine Learning</a:t>
+            </a:r>
+          </a:p>
+          <a:p>
+            <a:pPr marL="457200" indent="-457200">
+              <a:lnSpc>
+                <a:spcPct val="100000"/>
+              </a:lnSpc>
+              <a:buFont typeface="+mj-lt"/>
+              <a:buAutoNum type="arabicPeriod"/>
+            </a:pPr>
+            <a:r>
+              <a:rPr lang="en-US" dirty="0"/>
+              <a:t>Data Visualization</a:t>
+            </a:r>
+          </a:p>
+          <a:p>
+            <a:pPr marL="457200" indent="-457200">
+              <a:lnSpc>
+                <a:spcPct val="100000"/>
+              </a:lnSpc>
+              <a:buFont typeface="+mj-lt"/>
+              <a:buAutoNum type="arabicPeriod"/>
+            </a:pPr>
+            <a:r>
+              <a:rPr lang="en-US" dirty="0"/>
+              <a:t>Conclusion</a:t>
+            </a:r>
+          </a:p>
+        </p:txBody>
+      </p:sp>
+      <p:sp>
+        <p:nvSpPr>
+          <p:cNvPr id="6" name="Slide Number Placeholder 5">
+            <a:extLst>
+              <a:ext uri="{FF2B5EF4-FFF2-40B4-BE49-F238E27FC236}">
+                <a16:creationId xmlns:a16="http://schemas.microsoft.com/office/drawing/2014/main" id="{67927DCA-F11F-1716-00DA-9EF49F131ABD}"/>
+              </a:ext>
+            </a:extLst>
+          </p:cNvPr>
+          <p:cNvSpPr>
+            <a:spLocks noGrp="1"/>
+          </p:cNvSpPr>
+          <p:nvPr>
+            <p:ph type="sldNum" sz="quarter" idx="12"/>
+          </p:nvPr>
+        </p:nvSpPr>
+        <p:spPr/>
+        <p:txBody>
+          <a:bodyPr/>
+          <a:lstStyle/>
+          <a:p>
+            <a:fld id="{B5CEABB6-07DC-46E8-9B57-56EC44A396E5}" type="slidenum">
+              <a:rPr lang="en-US" smtClean="0"/>
+              <a:pPr/>
+              <a:t>2</a:t>
+            </a:fld>
+            <a:endParaRPr lang="en-US" dirty="0"/>
+          </a:p>
+        </p:txBody>
+      </p:sp>
+    </p:spTree>
+    <p:extLst>
+      <p:ext uri="{BB962C8B-B14F-4D97-AF65-F5344CB8AC3E}">
+        <p14:creationId xmlns:p14="http://schemas.microsoft.com/office/powerpoint/2010/main" val="2243494996"/>
+      </p:ext>
+    </p:extLst>
+  </p:cSld>
+  <p:clrMapOvr>
+    <a:masterClrMapping/>
+  </p:clrMapOvr>
+</p:sld>
+</file>
+
+<file path=ppt/slides/slide20.xml><?xml version="1.0" encoding="utf-8"?>
+<p:sld xmlns:a="http://schemas.openxmlformats.org/drawingml/2006/main" xmlns:r="http://schemas.openxmlformats.org/officeDocument/2006/relationships" xmlns:p="http://schemas.openxmlformats.org/presentationml/2006/main">
+  <p:cSld>
+    <p:spTree>
+      <p:nvGrpSpPr>
+        <p:cNvPr id="1" name=""/>
+        <p:cNvGrpSpPr/>
+        <p:nvPr/>
+      </p:nvGrpSpPr>
+      <p:grpSpPr>
+        <a:xfrm>
+          <a:off x="0" y="0"/>
+          <a:ext cx="0" cy="0"/>
+          <a:chOff x="0" y="0"/>
+          <a:chExt cx="0" cy="0"/>
+        </a:xfrm>
+      </p:grpSpPr>
+      <p:sp>
+        <p:nvSpPr>
+          <p:cNvPr id="4" name="Slide Number Placeholder 3">
+            <a:extLst>
+              <a:ext uri="{FF2B5EF4-FFF2-40B4-BE49-F238E27FC236}">
+                <a16:creationId xmlns:a16="http://schemas.microsoft.com/office/drawing/2014/main" id="{74D16971-206D-45E9-8B42-9BC1AFC5D48A}"/>
+              </a:ext>
+            </a:extLst>
+          </p:cNvPr>
+          <p:cNvSpPr>
+            <a:spLocks noGrp="1"/>
+          </p:cNvSpPr>
+          <p:nvPr>
+            <p:ph type="sldNum" sz="quarter" idx="12"/>
+          </p:nvPr>
+        </p:nvSpPr>
+        <p:spPr/>
+        <p:txBody>
+          <a:bodyPr/>
+          <a:lstStyle/>
+          <a:p>
+            <a:fld id="{B5CEABB6-07DC-46E8-9B57-56EC44A396E5}" type="slidenum">
+              <a:rPr lang="en-US" smtClean="0"/>
+              <a:pPr/>
+              <a:t>20</a:t>
+            </a:fld>
+            <a:endParaRPr lang="en-US" dirty="0"/>
+          </a:p>
+        </p:txBody>
+      </p:sp>
+      <p:pic>
+        <p:nvPicPr>
+          <p:cNvPr id="5" name="Picture 4" descr="A screenshot of a computer&#10;&#10;AI-generated content may be incorrect.">
+            <a:extLst>
+              <a:ext uri="{FF2B5EF4-FFF2-40B4-BE49-F238E27FC236}">
+                <a16:creationId xmlns:a16="http://schemas.microsoft.com/office/drawing/2014/main" id="{AA44FB0C-07A9-3087-2784-90A168E2D8BB}"/>
+              </a:ext>
+            </a:extLst>
+          </p:cNvPr>
+          <p:cNvPicPr>
+            <a:picLocks noChangeAspect="1"/>
+          </p:cNvPicPr>
+          <p:nvPr/>
+        </p:nvPicPr>
+        <p:blipFill>
+          <a:blip r:embed="rId2"/>
+          <a:stretch>
+            <a:fillRect/>
+          </a:stretch>
+        </p:blipFill>
+        <p:spPr>
+          <a:xfrm>
+            <a:off x="345233" y="1018982"/>
+            <a:ext cx="10813401" cy="5171873"/>
+          </a:xfrm>
+          <a:prstGeom prst="rect">
+            <a:avLst/>
+          </a:prstGeom>
+        </p:spPr>
+      </p:pic>
+      <p:sp>
+        <p:nvSpPr>
+          <p:cNvPr id="6" name="TextBox 5">
+            <a:extLst>
+              <a:ext uri="{FF2B5EF4-FFF2-40B4-BE49-F238E27FC236}">
+                <a16:creationId xmlns:a16="http://schemas.microsoft.com/office/drawing/2014/main" id="{82D669F2-8460-72A4-8740-39232352B213}"/>
+              </a:ext>
+            </a:extLst>
+          </p:cNvPr>
+          <p:cNvSpPr txBox="1"/>
+          <p:nvPr/>
+        </p:nvSpPr>
+        <p:spPr>
+          <a:xfrm>
+            <a:off x="345233" y="372651"/>
+            <a:ext cx="10464322" cy="646331"/>
+          </a:xfrm>
+          <a:prstGeom prst="rect">
+            <a:avLst/>
+          </a:prstGeom>
+          <a:noFill/>
+        </p:spPr>
+        <p:txBody>
+          <a:bodyPr wrap="square" rtlCol="0">
+            <a:spAutoFit/>
+          </a:bodyPr>
+          <a:lstStyle/>
+          <a:p>
+            <a:r>
+              <a:rPr lang="en-US" dirty="0"/>
+              <a:t>First, I created a table in Databricks, then I configured the permissions and finally I performed the queries</a:t>
+            </a:r>
+          </a:p>
+        </p:txBody>
+      </p:sp>
+    </p:spTree>
+    <p:extLst>
+      <p:ext uri="{BB962C8B-B14F-4D97-AF65-F5344CB8AC3E}">
+        <p14:creationId xmlns:p14="http://schemas.microsoft.com/office/powerpoint/2010/main" val="1211781274"/>
+      </p:ext>
+    </p:extLst>
+  </p:cSld>
+  <p:clrMapOvr>
+    <a:masterClrMapping/>
+  </p:clrMapOvr>
+</p:sld>
+</file>
+
+<file path=ppt/slides/slide21.xml><?xml version="1.0" encoding="utf-8"?>
+<p:sld xmlns:a="http://schemas.openxmlformats.org/drawingml/2006/main" xmlns:r="http://schemas.openxmlformats.org/officeDocument/2006/relationships" xmlns:p="http://schemas.openxmlformats.org/presentationml/2006/main">
+  <p:cSld>
+    <p:spTree>
+      <p:nvGrpSpPr>
+        <p:cNvPr id="1" name="">
+          <a:extLst>
+            <a:ext uri="{FF2B5EF4-FFF2-40B4-BE49-F238E27FC236}">
+              <a16:creationId xmlns:a16="http://schemas.microsoft.com/office/drawing/2014/main" id="{E6BED345-CAB6-B1C9-B1A4-C5E91512E4C8}"/>
+            </a:ext>
+          </a:extLst>
+        </p:cNvPr>
+        <p:cNvGrpSpPr/>
+        <p:nvPr/>
+      </p:nvGrpSpPr>
+      <p:grpSpPr>
+        <a:xfrm>
+          <a:off x="0" y="0"/>
+          <a:ext cx="0" cy="0"/>
+          <a:chOff x="0" y="0"/>
+          <a:chExt cx="0" cy="0"/>
+        </a:xfrm>
+      </p:grpSpPr>
+      <p:sp>
+        <p:nvSpPr>
+          <p:cNvPr id="2" name="Title 1">
+            <a:extLst>
+              <a:ext uri="{FF2B5EF4-FFF2-40B4-BE49-F238E27FC236}">
+                <a16:creationId xmlns:a16="http://schemas.microsoft.com/office/drawing/2014/main" id="{8A1C9820-F590-D475-07B9-DCB5FF367BDB}"/>
+              </a:ext>
+            </a:extLst>
+          </p:cNvPr>
+          <p:cNvSpPr>
+            <a:spLocks noGrp="1"/>
+          </p:cNvSpPr>
+          <p:nvPr>
+            <p:ph type="ctrTitle"/>
+          </p:nvPr>
+        </p:nvSpPr>
+        <p:spPr>
+          <a:xfrm>
+            <a:off x="3828362" y="236262"/>
+            <a:ext cx="8152143" cy="2472612"/>
+          </a:xfrm>
+        </p:spPr>
+        <p:txBody>
+          <a:bodyPr>
+            <a:normAutofit/>
+          </a:bodyPr>
+          <a:lstStyle/>
+          <a:p>
+            <a:r>
+              <a:rPr lang="en-US" dirty="0"/>
+              <a:t>What does the data say?</a:t>
+            </a:r>
+          </a:p>
+        </p:txBody>
+      </p:sp>
+      <p:sp>
+        <p:nvSpPr>
+          <p:cNvPr id="31" name="Oval 30">
+            <a:extLst>
+              <a:ext uri="{FF2B5EF4-FFF2-40B4-BE49-F238E27FC236}">
+                <a16:creationId xmlns:a16="http://schemas.microsoft.com/office/drawing/2014/main" id="{6579F123-C372-6C89-E4CC-68FC6E5403A9}"/>
+              </a:ext>
+              <a:ext uri="{C183D7F6-B498-43B3-948B-1728B52AA6E4}">
+                <adec:decorative xmlns:adec="http://schemas.microsoft.com/office/drawing/2017/decorative" val="1"/>
+              </a:ext>
+            </a:extLst>
+          </p:cNvPr>
+          <p:cNvSpPr/>
+          <p:nvPr/>
+        </p:nvSpPr>
+        <p:spPr>
+          <a:xfrm>
+            <a:off x="3903349" y="4646277"/>
+            <a:ext cx="274320" cy="274320"/>
+          </a:xfrm>
+          <a:prstGeom prst="ellipse">
+            <a:avLst/>
+          </a:prstGeom>
+          <a:solidFill>
+            <a:schemeClr val="bg1"/>
+          </a:solidFill>
+          <a:ln>
+            <a:noFill/>
+          </a:ln>
+        </p:spPr>
+        <p:style>
+          <a:lnRef idx="2">
+            <a:schemeClr val="accent1">
+              <a:shade val="50000"/>
+            </a:schemeClr>
+          </a:lnRef>
+          <a:fillRef idx="1">
+            <a:schemeClr val="accent1"/>
+          </a:fillRef>
+          <a:effectRef idx="0">
+            <a:schemeClr val="accent1"/>
+          </a:effectRef>
+          <a:fontRef idx="minor">
+            <a:schemeClr val="lt1"/>
+          </a:fontRef>
+        </p:style>
+        <p:txBody>
+          <a:bodyPr rtlCol="0" anchor="ctr"/>
+          <a:lstStyle/>
+          <a:p>
+            <a:pPr algn="ctr"/>
+            <a:endParaRPr lang="en-US" dirty="0"/>
+          </a:p>
+        </p:txBody>
+      </p:sp>
+      <p:cxnSp>
+        <p:nvCxnSpPr>
+          <p:cNvPr id="32" name="Straight Connector 31">
+            <a:extLst>
+              <a:ext uri="{FF2B5EF4-FFF2-40B4-BE49-F238E27FC236}">
+                <a16:creationId xmlns:a16="http://schemas.microsoft.com/office/drawing/2014/main" id="{F5367797-5D89-F5A1-A0A6-B2F31A13EC07}"/>
+              </a:ext>
+              <a:ext uri="{C183D7F6-B498-43B3-948B-1728B52AA6E4}">
+                <adec:decorative xmlns:adec="http://schemas.microsoft.com/office/drawing/2017/decorative" val="1"/>
+              </a:ext>
+            </a:extLst>
+          </p:cNvPr>
+          <p:cNvCxnSpPr>
+            <a:cxnSpLocks/>
+          </p:cNvCxnSpPr>
+          <p:nvPr/>
+        </p:nvCxnSpPr>
+        <p:spPr>
+          <a:xfrm>
+            <a:off x="4062984" y="4809555"/>
+            <a:ext cx="0" cy="0"/>
+          </a:xfrm>
+          <a:prstGeom prst="line">
+            <a:avLst/>
+          </a:prstGeom>
+          <a:ln w="50800">
+            <a:solidFill>
+              <a:schemeClr val="bg1"/>
+            </a:solidFill>
+          </a:ln>
+        </p:spPr>
+        <p:style>
+          <a:lnRef idx="1">
+            <a:schemeClr val="accent1"/>
+          </a:lnRef>
+          <a:fillRef idx="0">
+            <a:schemeClr val="accent1"/>
+          </a:fillRef>
+          <a:effectRef idx="0">
+            <a:schemeClr val="accent1"/>
+          </a:effectRef>
+          <a:fontRef idx="minor">
+            <a:schemeClr val="tx1"/>
+          </a:fontRef>
+        </p:style>
+      </p:cxnSp>
+      <p:pic>
+        <p:nvPicPr>
+          <p:cNvPr id="4" name="Picture 3" descr="A screenshot of a computer screen&#10;&#10;AI-generated content may be incorrect.">
+            <a:extLst>
+              <a:ext uri="{FF2B5EF4-FFF2-40B4-BE49-F238E27FC236}">
+                <a16:creationId xmlns:a16="http://schemas.microsoft.com/office/drawing/2014/main" id="{A6904DB4-7DA8-B1E5-227B-477BA47B3187}"/>
+              </a:ext>
+            </a:extLst>
+          </p:cNvPr>
+          <p:cNvPicPr>
+            <a:picLocks noChangeAspect="1"/>
+          </p:cNvPicPr>
+          <p:nvPr/>
+        </p:nvPicPr>
+        <p:blipFill>
+          <a:blip r:embed="rId3"/>
+          <a:srcRect r="24"/>
+          <a:stretch/>
+        </p:blipFill>
+        <p:spPr>
+          <a:xfrm>
+            <a:off x="0" y="0"/>
+            <a:ext cx="8266922" cy="6858000"/>
+          </a:xfrm>
+          <a:prstGeom prst="rtTriangle">
+            <a:avLst/>
+          </a:prstGeom>
+        </p:spPr>
+      </p:pic>
+    </p:spTree>
+    <p:extLst>
+      <p:ext uri="{BB962C8B-B14F-4D97-AF65-F5344CB8AC3E}">
+        <p14:creationId xmlns:p14="http://schemas.microsoft.com/office/powerpoint/2010/main" val="2159006552"/>
+      </p:ext>
+    </p:extLst>
+  </p:cSld>
+  <p:clrMapOvr>
+    <a:masterClrMapping/>
+  </p:clrMapOvr>
+</p:sld>
+</file>
+
+<file path=ppt/slides/slide22.xml><?xml version="1.0" encoding="utf-8"?>
+<p:sld xmlns:a="http://schemas.openxmlformats.org/drawingml/2006/main" xmlns:r="http://schemas.openxmlformats.org/officeDocument/2006/relationships" xmlns:p="http://schemas.openxmlformats.org/presentationml/2006/main">
+  <p:cSld>
+    <p:spTree>
+      <p:nvGrpSpPr>
+        <p:cNvPr id="1" name=""/>
+        <p:cNvGrpSpPr/>
+        <p:nvPr/>
+      </p:nvGrpSpPr>
+      <p:grpSpPr>
+        <a:xfrm>
+          <a:off x="0" y="0"/>
+          <a:ext cx="0" cy="0"/>
+          <a:chOff x="0" y="0"/>
+          <a:chExt cx="0" cy="0"/>
+        </a:xfrm>
+      </p:grpSpPr>
+      <p:sp>
+        <p:nvSpPr>
+          <p:cNvPr id="4" name="Slide Number Placeholder 3">
+            <a:extLst>
+              <a:ext uri="{FF2B5EF4-FFF2-40B4-BE49-F238E27FC236}">
+                <a16:creationId xmlns:a16="http://schemas.microsoft.com/office/drawing/2014/main" id="{1E2A2B49-9A11-FB3D-8CEE-F760BC80913E}"/>
+              </a:ext>
+            </a:extLst>
+          </p:cNvPr>
+          <p:cNvSpPr>
+            <a:spLocks noGrp="1"/>
+          </p:cNvSpPr>
+          <p:nvPr>
+            <p:ph type="sldNum" sz="quarter" idx="12"/>
+          </p:nvPr>
+        </p:nvSpPr>
+        <p:spPr/>
+        <p:txBody>
+          <a:bodyPr/>
+          <a:lstStyle/>
+          <a:p>
+            <a:fld id="{B5CEABB6-07DC-46E8-9B57-56EC44A396E5}" type="slidenum">
+              <a:rPr lang="en-US" smtClean="0"/>
+              <a:pPr/>
+              <a:t>22</a:t>
+            </a:fld>
+            <a:endParaRPr lang="en-US" dirty="0"/>
+          </a:p>
+        </p:txBody>
+      </p:sp>
+      <p:pic>
+        <p:nvPicPr>
+          <p:cNvPr id="6" name="Picture 5" descr="A two images of a person and a brain&#10;&#10;AI-generated content may be incorrect.">
+            <a:extLst>
+              <a:ext uri="{FF2B5EF4-FFF2-40B4-BE49-F238E27FC236}">
+                <a16:creationId xmlns:a16="http://schemas.microsoft.com/office/drawing/2014/main" id="{ABD29A6A-1DF2-7361-CFBC-6D8815EF3646}"/>
+              </a:ext>
+            </a:extLst>
+          </p:cNvPr>
+          <p:cNvPicPr>
+            <a:picLocks noChangeAspect="1"/>
+          </p:cNvPicPr>
+          <p:nvPr/>
+        </p:nvPicPr>
+        <p:blipFill>
+          <a:blip r:embed="rId2"/>
+          <a:stretch>
+            <a:fillRect/>
+          </a:stretch>
+        </p:blipFill>
+        <p:spPr>
+          <a:xfrm>
+            <a:off x="1259634" y="1562956"/>
+            <a:ext cx="9201052" cy="4629460"/>
+          </a:xfrm>
+          <a:prstGeom prst="rect">
+            <a:avLst/>
+          </a:prstGeom>
+        </p:spPr>
+      </p:pic>
+      <p:sp>
+        <p:nvSpPr>
+          <p:cNvPr id="7" name="TextBox 6">
+            <a:extLst>
+              <a:ext uri="{FF2B5EF4-FFF2-40B4-BE49-F238E27FC236}">
+                <a16:creationId xmlns:a16="http://schemas.microsoft.com/office/drawing/2014/main" id="{06295132-64D7-E754-9965-88A9C7511FE1}"/>
+              </a:ext>
+            </a:extLst>
+          </p:cNvPr>
+          <p:cNvSpPr txBox="1"/>
+          <p:nvPr/>
+        </p:nvSpPr>
+        <p:spPr>
+          <a:xfrm>
+            <a:off x="2923592" y="665584"/>
+            <a:ext cx="6344816" cy="584775"/>
+          </a:xfrm>
+          <a:prstGeom prst="rect">
+            <a:avLst/>
+          </a:prstGeom>
+          <a:noFill/>
+        </p:spPr>
+        <p:txBody>
+          <a:bodyPr wrap="square" rtlCol="0">
+            <a:spAutoFit/>
+          </a:bodyPr>
+          <a:lstStyle/>
+          <a:p>
+            <a:r>
+              <a:rPr lang="en-US" sz="3200" dirty="0"/>
+              <a:t>The Personality Behavior Dataset</a:t>
+            </a:r>
+          </a:p>
+        </p:txBody>
+      </p:sp>
+    </p:spTree>
+    <p:extLst>
+      <p:ext uri="{BB962C8B-B14F-4D97-AF65-F5344CB8AC3E}">
+        <p14:creationId xmlns:p14="http://schemas.microsoft.com/office/powerpoint/2010/main" val="2940347457"/>
+      </p:ext>
+    </p:extLst>
+  </p:cSld>
+  <p:clrMapOvr>
+    <a:masterClrMapping/>
+  </p:clrMapOvr>
+</p:sld>
+</file>
+
+<file path=ppt/slides/slide23.xml><?xml version="1.0" encoding="utf-8"?>
+<p:sld xmlns:a="http://schemas.openxmlformats.org/drawingml/2006/main" xmlns:r="http://schemas.openxmlformats.org/officeDocument/2006/relationships" xmlns:p="http://schemas.openxmlformats.org/presentationml/2006/main">
+  <p:cSld>
+    <p:spTree>
+      <p:nvGrpSpPr>
+        <p:cNvPr id="1" name=""/>
+        <p:cNvGrpSpPr/>
+        <p:nvPr/>
+      </p:nvGrpSpPr>
+      <p:grpSpPr>
+        <a:xfrm>
+          <a:off x="0" y="0"/>
+          <a:ext cx="0" cy="0"/>
+          <a:chOff x="0" y="0"/>
+          <a:chExt cx="0" cy="0"/>
+        </a:xfrm>
+      </p:grpSpPr>
+      <p:sp>
+        <p:nvSpPr>
+          <p:cNvPr id="4" name="Slide Number Placeholder 3">
+            <a:extLst>
+              <a:ext uri="{FF2B5EF4-FFF2-40B4-BE49-F238E27FC236}">
+                <a16:creationId xmlns:a16="http://schemas.microsoft.com/office/drawing/2014/main" id="{6B079FD9-C35A-0E60-7892-7C8505A659A4}"/>
+              </a:ext>
+            </a:extLst>
+          </p:cNvPr>
+          <p:cNvSpPr>
+            <a:spLocks noGrp="1"/>
+          </p:cNvSpPr>
+          <p:nvPr>
+            <p:ph type="sldNum" sz="quarter" idx="12"/>
+          </p:nvPr>
+        </p:nvSpPr>
+        <p:spPr/>
+        <p:txBody>
+          <a:bodyPr/>
+          <a:lstStyle/>
+          <a:p>
+            <a:fld id="{B5CEABB6-07DC-46E8-9B57-56EC44A396E5}" type="slidenum">
+              <a:rPr lang="en-US" smtClean="0"/>
+              <a:pPr/>
+              <a:t>23</a:t>
+            </a:fld>
+            <a:endParaRPr lang="en-US" dirty="0"/>
+          </a:p>
+        </p:txBody>
+      </p:sp>
+      <p:sp>
+        <p:nvSpPr>
+          <p:cNvPr id="7" name="TextBox 6">
+            <a:extLst>
+              <a:ext uri="{FF2B5EF4-FFF2-40B4-BE49-F238E27FC236}">
+                <a16:creationId xmlns:a16="http://schemas.microsoft.com/office/drawing/2014/main" id="{20B37A5E-EBBA-495C-C8F4-6E3497CAC131}"/>
+              </a:ext>
+            </a:extLst>
+          </p:cNvPr>
+          <p:cNvSpPr txBox="1"/>
+          <p:nvPr/>
+        </p:nvSpPr>
+        <p:spPr>
+          <a:xfrm>
+            <a:off x="3887264" y="214577"/>
+            <a:ext cx="3683572" cy="646331"/>
+          </a:xfrm>
+          <a:prstGeom prst="rect">
+            <a:avLst/>
+          </a:prstGeom>
+          <a:noFill/>
+        </p:spPr>
+        <p:txBody>
+          <a:bodyPr wrap="none" rtlCol="0">
+            <a:spAutoFit/>
+          </a:bodyPr>
+          <a:lstStyle/>
+          <a:p>
+            <a:r>
+              <a:rPr lang="en-US" sz="3600" dirty="0"/>
+              <a:t>Dataset Features</a:t>
+            </a:r>
+          </a:p>
+        </p:txBody>
+      </p:sp>
+      <p:pic>
+        <p:nvPicPr>
+          <p:cNvPr id="9" name="Picture 8" descr="A black background with a black square&#10;&#10;AI-generated content may be incorrect.">
+            <a:extLst>
+              <a:ext uri="{FF2B5EF4-FFF2-40B4-BE49-F238E27FC236}">
+                <a16:creationId xmlns:a16="http://schemas.microsoft.com/office/drawing/2014/main" id="{DCF9FC30-C60D-1B42-ED1A-D7E31789BB7F}"/>
+              </a:ext>
+            </a:extLst>
+          </p:cNvPr>
+          <p:cNvPicPr>
+            <a:picLocks noChangeAspect="1"/>
+          </p:cNvPicPr>
+          <p:nvPr/>
+        </p:nvPicPr>
+        <p:blipFill>
+          <a:blip r:embed="rId2"/>
+          <a:stretch>
+            <a:fillRect/>
+          </a:stretch>
+        </p:blipFill>
+        <p:spPr>
+          <a:xfrm>
+            <a:off x="2605471" y="2395049"/>
+            <a:ext cx="882621" cy="882621"/>
+          </a:xfrm>
+          <a:prstGeom prst="rect">
+            <a:avLst/>
+          </a:prstGeom>
+        </p:spPr>
+      </p:pic>
+      <p:sp>
+        <p:nvSpPr>
+          <p:cNvPr id="10" name="TextBox 9">
+            <a:extLst>
+              <a:ext uri="{FF2B5EF4-FFF2-40B4-BE49-F238E27FC236}">
+                <a16:creationId xmlns:a16="http://schemas.microsoft.com/office/drawing/2014/main" id="{B8862D22-F666-D76C-A911-C4C984CB966F}"/>
+              </a:ext>
+            </a:extLst>
+          </p:cNvPr>
+          <p:cNvSpPr txBox="1"/>
+          <p:nvPr/>
+        </p:nvSpPr>
+        <p:spPr>
+          <a:xfrm>
+            <a:off x="2358210" y="1522160"/>
+            <a:ext cx="1377145" cy="646331"/>
+          </a:xfrm>
+          <a:prstGeom prst="rect">
+            <a:avLst/>
+          </a:prstGeom>
+          <a:noFill/>
+        </p:spPr>
+        <p:txBody>
+          <a:bodyPr wrap="square" rtlCol="0">
+            <a:spAutoFit/>
+          </a:bodyPr>
+          <a:lstStyle/>
+          <a:p>
+            <a:pPr algn="ctr"/>
+            <a:r>
+              <a:rPr lang="en-US" dirty="0"/>
+              <a:t>Personality Type</a:t>
+            </a:r>
+          </a:p>
+        </p:txBody>
+      </p:sp>
+      <p:pic>
+        <p:nvPicPr>
+          <p:cNvPr id="12" name="Picture 11" descr="A group of chat bubbles with a heart and a thumb up&#10;&#10;AI-generated content may be incorrect.">
+            <a:extLst>
+              <a:ext uri="{FF2B5EF4-FFF2-40B4-BE49-F238E27FC236}">
+                <a16:creationId xmlns:a16="http://schemas.microsoft.com/office/drawing/2014/main" id="{E63297D7-1F8D-64EE-763C-278D1189BE2A}"/>
+              </a:ext>
+            </a:extLst>
+          </p:cNvPr>
+          <p:cNvPicPr>
+            <a:picLocks noChangeAspect="1"/>
+          </p:cNvPicPr>
+          <p:nvPr/>
+        </p:nvPicPr>
+        <p:blipFill>
+          <a:blip r:embed="rId3"/>
+          <a:stretch>
+            <a:fillRect/>
+          </a:stretch>
+        </p:blipFill>
+        <p:spPr>
+          <a:xfrm>
+            <a:off x="4867807" y="2395049"/>
+            <a:ext cx="882621" cy="882621"/>
+          </a:xfrm>
+          <a:prstGeom prst="rect">
+            <a:avLst/>
+          </a:prstGeom>
+        </p:spPr>
+      </p:pic>
+      <p:sp>
+        <p:nvSpPr>
+          <p:cNvPr id="13" name="TextBox 12">
+            <a:extLst>
+              <a:ext uri="{FF2B5EF4-FFF2-40B4-BE49-F238E27FC236}">
+                <a16:creationId xmlns:a16="http://schemas.microsoft.com/office/drawing/2014/main" id="{616C107A-CC7C-C604-33A3-22617C78AC5B}"/>
+              </a:ext>
+            </a:extLst>
+          </p:cNvPr>
+          <p:cNvSpPr txBox="1"/>
+          <p:nvPr/>
+        </p:nvSpPr>
+        <p:spPr>
+          <a:xfrm>
+            <a:off x="4544008" y="1315617"/>
+            <a:ext cx="1530221" cy="923330"/>
+          </a:xfrm>
+          <a:prstGeom prst="rect">
+            <a:avLst/>
+          </a:prstGeom>
+          <a:noFill/>
+        </p:spPr>
+        <p:txBody>
+          <a:bodyPr wrap="square" rtlCol="0">
+            <a:spAutoFit/>
+          </a:bodyPr>
+          <a:lstStyle/>
+          <a:p>
+            <a:pPr algn="ctr"/>
+            <a:r>
+              <a:rPr lang="en-US" dirty="0"/>
+              <a:t>Social Media Post Frequency</a:t>
+            </a:r>
+          </a:p>
+        </p:txBody>
+      </p:sp>
+      <p:pic>
+        <p:nvPicPr>
+          <p:cNvPr id="17" name="Picture 16" descr="A black background with a black square&#10;&#10;AI-generated content may be incorrect.">
+            <a:extLst>
+              <a:ext uri="{FF2B5EF4-FFF2-40B4-BE49-F238E27FC236}">
+                <a16:creationId xmlns:a16="http://schemas.microsoft.com/office/drawing/2014/main" id="{678A08BC-376B-DF5C-E27B-56AF995D850B}"/>
+              </a:ext>
+            </a:extLst>
+          </p:cNvPr>
+          <p:cNvPicPr>
+            <a:picLocks noChangeAspect="1"/>
+          </p:cNvPicPr>
+          <p:nvPr/>
+        </p:nvPicPr>
+        <p:blipFill>
+          <a:blip r:embed="rId4"/>
+          <a:stretch>
+            <a:fillRect/>
+          </a:stretch>
+        </p:blipFill>
+        <p:spPr>
+          <a:xfrm>
+            <a:off x="8662553" y="2168491"/>
+            <a:ext cx="1005774" cy="1005774"/>
+          </a:xfrm>
+          <a:prstGeom prst="rect">
+            <a:avLst/>
+          </a:prstGeom>
+        </p:spPr>
+      </p:pic>
+      <p:pic>
+        <p:nvPicPr>
+          <p:cNvPr id="25" name="Picture 24" descr="A black background with a black square&#10;&#10;AI-generated content may be incorrect.">
+            <a:extLst>
+              <a:ext uri="{FF2B5EF4-FFF2-40B4-BE49-F238E27FC236}">
+                <a16:creationId xmlns:a16="http://schemas.microsoft.com/office/drawing/2014/main" id="{191C09AA-FC5B-6C5B-8E65-A5EB60840E71}"/>
+              </a:ext>
+            </a:extLst>
+          </p:cNvPr>
+          <p:cNvPicPr>
+            <a:picLocks noChangeAspect="1"/>
+          </p:cNvPicPr>
+          <p:nvPr/>
+        </p:nvPicPr>
+        <p:blipFill>
+          <a:blip r:embed="rId5"/>
+          <a:stretch>
+            <a:fillRect/>
+          </a:stretch>
+        </p:blipFill>
+        <p:spPr>
+          <a:xfrm>
+            <a:off x="6938043" y="4546779"/>
+            <a:ext cx="882621" cy="882621"/>
+          </a:xfrm>
+          <a:prstGeom prst="rect">
+            <a:avLst/>
+          </a:prstGeom>
+        </p:spPr>
+      </p:pic>
+      <p:pic>
+        <p:nvPicPr>
+          <p:cNvPr id="27" name="Picture 26" descr="A black background with a black square&#10;&#10;AI-generated content may be incorrect.">
+            <a:extLst>
+              <a:ext uri="{FF2B5EF4-FFF2-40B4-BE49-F238E27FC236}">
+                <a16:creationId xmlns:a16="http://schemas.microsoft.com/office/drawing/2014/main" id="{A5EC36AD-DA5E-4275-CF11-43B952627DEB}"/>
+              </a:ext>
+            </a:extLst>
+          </p:cNvPr>
+          <p:cNvPicPr>
+            <a:picLocks noChangeAspect="1"/>
+          </p:cNvPicPr>
+          <p:nvPr/>
+        </p:nvPicPr>
+        <p:blipFill>
+          <a:blip r:embed="rId6"/>
+          <a:stretch>
+            <a:fillRect/>
+          </a:stretch>
+        </p:blipFill>
+        <p:spPr>
+          <a:xfrm>
+            <a:off x="4867807" y="4538958"/>
+            <a:ext cx="882621" cy="882621"/>
+          </a:xfrm>
+          <a:prstGeom prst="rect">
+            <a:avLst/>
+          </a:prstGeom>
+        </p:spPr>
+      </p:pic>
+      <p:pic>
+        <p:nvPicPr>
+          <p:cNvPr id="29" name="Picture 28" descr="A group of people in a line&#10;&#10;AI-generated content may be incorrect.">
+            <a:extLst>
+              <a:ext uri="{FF2B5EF4-FFF2-40B4-BE49-F238E27FC236}">
+                <a16:creationId xmlns:a16="http://schemas.microsoft.com/office/drawing/2014/main" id="{92B9393D-EFE8-6F39-1A02-FEC07728787A}"/>
+              </a:ext>
+            </a:extLst>
+          </p:cNvPr>
+          <p:cNvPicPr>
+            <a:picLocks noChangeAspect="1"/>
+          </p:cNvPicPr>
+          <p:nvPr/>
+        </p:nvPicPr>
+        <p:blipFill>
+          <a:blip r:embed="rId7"/>
+          <a:stretch>
+            <a:fillRect/>
+          </a:stretch>
+        </p:blipFill>
+        <p:spPr>
+          <a:xfrm>
+            <a:off x="6903104" y="2281243"/>
+            <a:ext cx="952500" cy="952500"/>
+          </a:xfrm>
+          <a:prstGeom prst="rect">
+            <a:avLst/>
+          </a:prstGeom>
+        </p:spPr>
+      </p:pic>
+      <p:pic>
+        <p:nvPicPr>
+          <p:cNvPr id="31" name="Picture 30" descr="A black background with a black square&#10;&#10;AI-generated content may be incorrect.">
+            <a:extLst>
+              <a:ext uri="{FF2B5EF4-FFF2-40B4-BE49-F238E27FC236}">
+                <a16:creationId xmlns:a16="http://schemas.microsoft.com/office/drawing/2014/main" id="{24B5E628-3B1C-80A0-9CAB-A21E0F9876DD}"/>
+              </a:ext>
+            </a:extLst>
+          </p:cNvPr>
+          <p:cNvPicPr>
+            <a:picLocks noChangeAspect="1"/>
+          </p:cNvPicPr>
+          <p:nvPr/>
+        </p:nvPicPr>
+        <p:blipFill>
+          <a:blip r:embed="rId8"/>
+          <a:stretch>
+            <a:fillRect/>
+          </a:stretch>
+        </p:blipFill>
+        <p:spPr>
+          <a:xfrm>
+            <a:off x="2605471" y="4546779"/>
+            <a:ext cx="882621" cy="882621"/>
+          </a:xfrm>
+          <a:prstGeom prst="rect">
+            <a:avLst/>
+          </a:prstGeom>
+        </p:spPr>
+      </p:pic>
+      <p:sp>
+        <p:nvSpPr>
+          <p:cNvPr id="32" name="TextBox 31">
+            <a:extLst>
+              <a:ext uri="{FF2B5EF4-FFF2-40B4-BE49-F238E27FC236}">
+                <a16:creationId xmlns:a16="http://schemas.microsoft.com/office/drawing/2014/main" id="{97038FEE-F6F7-D773-4478-935586C77872}"/>
+              </a:ext>
+            </a:extLst>
+          </p:cNvPr>
+          <p:cNvSpPr txBox="1"/>
+          <p:nvPr/>
+        </p:nvSpPr>
+        <p:spPr>
+          <a:xfrm>
+            <a:off x="6614243" y="1544995"/>
+            <a:ext cx="1530222" cy="646331"/>
+          </a:xfrm>
+          <a:prstGeom prst="rect">
+            <a:avLst/>
+          </a:prstGeom>
+          <a:noFill/>
+        </p:spPr>
+        <p:txBody>
+          <a:bodyPr wrap="square" rtlCol="0">
+            <a:spAutoFit/>
+          </a:bodyPr>
+          <a:lstStyle/>
+          <a:p>
+            <a:pPr algn="ctr"/>
+            <a:r>
+              <a:rPr lang="en-US" dirty="0"/>
+              <a:t>Friend Group Size</a:t>
+            </a:r>
+          </a:p>
+        </p:txBody>
+      </p:sp>
+      <p:sp>
+        <p:nvSpPr>
+          <p:cNvPr id="33" name="TextBox 32">
+            <a:extLst>
+              <a:ext uri="{FF2B5EF4-FFF2-40B4-BE49-F238E27FC236}">
+                <a16:creationId xmlns:a16="http://schemas.microsoft.com/office/drawing/2014/main" id="{15CFA866-2DD8-62AC-BE19-1198224F0355}"/>
+              </a:ext>
+            </a:extLst>
+          </p:cNvPr>
+          <p:cNvSpPr txBox="1"/>
+          <p:nvPr/>
+        </p:nvSpPr>
+        <p:spPr>
+          <a:xfrm>
+            <a:off x="8304533" y="1507609"/>
+            <a:ext cx="1614196" cy="646331"/>
+          </a:xfrm>
+          <a:prstGeom prst="rect">
+            <a:avLst/>
+          </a:prstGeom>
+          <a:noFill/>
+        </p:spPr>
+        <p:txBody>
+          <a:bodyPr wrap="square" rtlCol="0">
+            <a:spAutoFit/>
+          </a:bodyPr>
+          <a:lstStyle/>
+          <a:p>
+            <a:pPr algn="ctr"/>
+            <a:r>
+              <a:rPr lang="en-US" dirty="0"/>
+              <a:t>Social Battery Drainage</a:t>
+            </a:r>
+          </a:p>
+        </p:txBody>
+      </p:sp>
+      <p:sp>
+        <p:nvSpPr>
+          <p:cNvPr id="34" name="TextBox 33">
+            <a:extLst>
+              <a:ext uri="{FF2B5EF4-FFF2-40B4-BE49-F238E27FC236}">
+                <a16:creationId xmlns:a16="http://schemas.microsoft.com/office/drawing/2014/main" id="{FE998E77-6D65-A336-E09E-4832BD679916}"/>
+              </a:ext>
+            </a:extLst>
+          </p:cNvPr>
+          <p:cNvSpPr txBox="1"/>
+          <p:nvPr/>
+        </p:nvSpPr>
+        <p:spPr>
+          <a:xfrm>
+            <a:off x="2358210" y="3794697"/>
+            <a:ext cx="1256026" cy="646331"/>
+          </a:xfrm>
+          <a:prstGeom prst="rect">
+            <a:avLst/>
+          </a:prstGeom>
+          <a:noFill/>
+        </p:spPr>
+        <p:txBody>
+          <a:bodyPr wrap="square" rtlCol="0">
+            <a:spAutoFit/>
+          </a:bodyPr>
+          <a:lstStyle/>
+          <a:p>
+            <a:pPr algn="ctr"/>
+            <a:r>
+              <a:rPr lang="en-US" dirty="0"/>
+              <a:t>Time Outdoors</a:t>
+            </a:r>
+          </a:p>
+        </p:txBody>
+      </p:sp>
+      <p:sp>
+        <p:nvSpPr>
+          <p:cNvPr id="35" name="TextBox 34">
+            <a:extLst>
+              <a:ext uri="{FF2B5EF4-FFF2-40B4-BE49-F238E27FC236}">
+                <a16:creationId xmlns:a16="http://schemas.microsoft.com/office/drawing/2014/main" id="{9D073882-7B97-688E-52ED-AED0418900DF}"/>
+              </a:ext>
+            </a:extLst>
+          </p:cNvPr>
+          <p:cNvSpPr txBox="1"/>
+          <p:nvPr/>
+        </p:nvSpPr>
+        <p:spPr>
+          <a:xfrm>
+            <a:off x="4828590" y="3794697"/>
+            <a:ext cx="961054" cy="646331"/>
+          </a:xfrm>
+          <a:prstGeom prst="rect">
+            <a:avLst/>
+          </a:prstGeom>
+          <a:noFill/>
+        </p:spPr>
+        <p:txBody>
+          <a:bodyPr wrap="square" rtlCol="0">
+            <a:spAutoFit/>
+          </a:bodyPr>
+          <a:lstStyle/>
+          <a:p>
+            <a:pPr algn="ctr"/>
+            <a:r>
+              <a:rPr lang="en-US" dirty="0"/>
+              <a:t>Stage Fear</a:t>
+            </a:r>
+          </a:p>
+        </p:txBody>
+      </p:sp>
+      <p:sp>
+        <p:nvSpPr>
+          <p:cNvPr id="36" name="TextBox 35">
+            <a:extLst>
+              <a:ext uri="{FF2B5EF4-FFF2-40B4-BE49-F238E27FC236}">
+                <a16:creationId xmlns:a16="http://schemas.microsoft.com/office/drawing/2014/main" id="{D6050C56-5E9B-99EF-03E9-B88861055F2D}"/>
+              </a:ext>
+            </a:extLst>
+          </p:cNvPr>
+          <p:cNvSpPr txBox="1"/>
+          <p:nvPr/>
+        </p:nvSpPr>
+        <p:spPr>
+          <a:xfrm>
+            <a:off x="6945085" y="3794696"/>
+            <a:ext cx="1082351" cy="646331"/>
+          </a:xfrm>
+          <a:prstGeom prst="rect">
+            <a:avLst/>
+          </a:prstGeom>
+          <a:noFill/>
+        </p:spPr>
+        <p:txBody>
+          <a:bodyPr wrap="square" rtlCol="0">
+            <a:spAutoFit/>
+          </a:bodyPr>
+          <a:lstStyle/>
+          <a:p>
+            <a:pPr algn="ctr"/>
+            <a:r>
+              <a:rPr lang="en-US" dirty="0"/>
+              <a:t>Alone Time</a:t>
+            </a:r>
+          </a:p>
+        </p:txBody>
+      </p:sp>
+      <p:pic>
+        <p:nvPicPr>
+          <p:cNvPr id="38" name="Picture 37" descr="A black background with a black square&#10;&#10;AI-generated content may be incorrect.">
+            <a:extLst>
+              <a:ext uri="{FF2B5EF4-FFF2-40B4-BE49-F238E27FC236}">
+                <a16:creationId xmlns:a16="http://schemas.microsoft.com/office/drawing/2014/main" id="{F329835C-CEE2-3834-7BEF-A8CE1DDCFFF3}"/>
+              </a:ext>
+            </a:extLst>
+          </p:cNvPr>
+          <p:cNvPicPr>
+            <a:picLocks noChangeAspect="1"/>
+          </p:cNvPicPr>
+          <p:nvPr/>
+        </p:nvPicPr>
+        <p:blipFill>
+          <a:blip r:embed="rId9"/>
+          <a:stretch>
+            <a:fillRect/>
+          </a:stretch>
+        </p:blipFill>
+        <p:spPr>
+          <a:xfrm>
+            <a:off x="8724129" y="4546779"/>
+            <a:ext cx="882621" cy="882621"/>
+          </a:xfrm>
+          <a:prstGeom prst="rect">
+            <a:avLst/>
+          </a:prstGeom>
+        </p:spPr>
+      </p:pic>
+      <p:sp>
+        <p:nvSpPr>
+          <p:cNvPr id="39" name="TextBox 38">
+            <a:extLst>
+              <a:ext uri="{FF2B5EF4-FFF2-40B4-BE49-F238E27FC236}">
+                <a16:creationId xmlns:a16="http://schemas.microsoft.com/office/drawing/2014/main" id="{A86372C6-41A1-BA96-F221-55AC8C65B254}"/>
+              </a:ext>
+            </a:extLst>
+          </p:cNvPr>
+          <p:cNvSpPr txBox="1"/>
+          <p:nvPr/>
+        </p:nvSpPr>
+        <p:spPr>
+          <a:xfrm>
+            <a:off x="8462851" y="3615628"/>
+            <a:ext cx="1405176" cy="923330"/>
+          </a:xfrm>
+          <a:prstGeom prst="rect">
+            <a:avLst/>
+          </a:prstGeom>
+          <a:noFill/>
+        </p:spPr>
+        <p:txBody>
+          <a:bodyPr wrap="square" rtlCol="0">
+            <a:spAutoFit/>
+          </a:bodyPr>
+          <a:lstStyle/>
+          <a:p>
+            <a:pPr algn="ctr"/>
+            <a:r>
+              <a:rPr lang="en-US" dirty="0"/>
+              <a:t>Social Event Attendance</a:t>
+            </a:r>
+          </a:p>
+        </p:txBody>
+      </p:sp>
+    </p:spTree>
+    <p:extLst>
+      <p:ext uri="{BB962C8B-B14F-4D97-AF65-F5344CB8AC3E}">
+        <p14:creationId xmlns:p14="http://schemas.microsoft.com/office/powerpoint/2010/main" val="3490761414"/>
+      </p:ext>
+    </p:extLst>
+  </p:cSld>
+  <p:clrMapOvr>
+    <a:masterClrMapping/>
+  </p:clrMapOvr>
+</p:sld>
+</file>
+
+<file path=ppt/slides/slide24.xml><?xml version="1.0" encoding="utf-8"?>
+<p:sld xmlns:a="http://schemas.openxmlformats.org/drawingml/2006/main" xmlns:r="http://schemas.openxmlformats.org/officeDocument/2006/relationships" xmlns:p="http://schemas.openxmlformats.org/presentationml/2006/main">
+  <p:cSld>
+    <p:spTree>
+      <p:nvGrpSpPr>
+        <p:cNvPr id="1" name=""/>
+        <p:cNvGrpSpPr/>
+        <p:nvPr/>
+      </p:nvGrpSpPr>
+      <p:grpSpPr>
+        <a:xfrm>
+          <a:off x="0" y="0"/>
+          <a:ext cx="0" cy="0"/>
+          <a:chOff x="0" y="0"/>
+          <a:chExt cx="0" cy="0"/>
+        </a:xfrm>
+      </p:grpSpPr>
+      <p:sp>
+        <p:nvSpPr>
+          <p:cNvPr id="4" name="Slide Number Placeholder 3">
+            <a:extLst>
+              <a:ext uri="{FF2B5EF4-FFF2-40B4-BE49-F238E27FC236}">
+                <a16:creationId xmlns:a16="http://schemas.microsoft.com/office/drawing/2014/main" id="{00D09A00-7749-B29A-A097-15E198908E26}"/>
+              </a:ext>
+            </a:extLst>
+          </p:cNvPr>
+          <p:cNvSpPr>
+            <a:spLocks noGrp="1"/>
+          </p:cNvSpPr>
+          <p:nvPr>
+            <p:ph type="sldNum" sz="quarter" idx="12"/>
+          </p:nvPr>
+        </p:nvSpPr>
+        <p:spPr/>
+        <p:txBody>
+          <a:bodyPr/>
+          <a:lstStyle/>
+          <a:p>
+            <a:fld id="{B5CEABB6-07DC-46E8-9B57-56EC44A396E5}" type="slidenum">
+              <a:rPr lang="en-US" smtClean="0"/>
+              <a:pPr/>
+              <a:t>24</a:t>
+            </a:fld>
+            <a:endParaRPr lang="en-US" dirty="0"/>
+          </a:p>
+        </p:txBody>
+      </p:sp>
+      <p:pic>
+        <p:nvPicPr>
+          <p:cNvPr id="6" name="Picture 5" descr="A black background with a black square&#10;&#10;AI-generated content may be incorrect.">
+            <a:extLst>
+              <a:ext uri="{FF2B5EF4-FFF2-40B4-BE49-F238E27FC236}">
+                <a16:creationId xmlns:a16="http://schemas.microsoft.com/office/drawing/2014/main" id="{2C0CBD86-AF76-B71D-8683-804BDF704388}"/>
+              </a:ext>
+            </a:extLst>
+          </p:cNvPr>
+          <p:cNvPicPr>
+            <a:picLocks noChangeAspect="1"/>
+          </p:cNvPicPr>
+          <p:nvPr/>
+        </p:nvPicPr>
+        <p:blipFill>
+          <a:blip r:embed="rId2"/>
+          <a:stretch>
+            <a:fillRect/>
+          </a:stretch>
+        </p:blipFill>
+        <p:spPr>
+          <a:xfrm>
+            <a:off x="3068857" y="2209952"/>
+            <a:ext cx="2438095" cy="2438095"/>
+          </a:xfrm>
+          <a:prstGeom prst="rect">
+            <a:avLst/>
+          </a:prstGeom>
+        </p:spPr>
+      </p:pic>
+      <p:sp>
+        <p:nvSpPr>
+          <p:cNvPr id="7" name="TextBox 6">
+            <a:extLst>
+              <a:ext uri="{FF2B5EF4-FFF2-40B4-BE49-F238E27FC236}">
+                <a16:creationId xmlns:a16="http://schemas.microsoft.com/office/drawing/2014/main" id="{11415E79-7347-4159-E726-20CCD2A303C8}"/>
+              </a:ext>
+            </a:extLst>
+          </p:cNvPr>
+          <p:cNvSpPr txBox="1"/>
+          <p:nvPr/>
+        </p:nvSpPr>
+        <p:spPr>
+          <a:xfrm>
+            <a:off x="3068857" y="522514"/>
+            <a:ext cx="6054286" cy="769441"/>
+          </a:xfrm>
+          <a:prstGeom prst="rect">
+            <a:avLst/>
+          </a:prstGeom>
+          <a:noFill/>
+        </p:spPr>
+        <p:txBody>
+          <a:bodyPr wrap="none" rtlCol="0">
+            <a:spAutoFit/>
+          </a:bodyPr>
+          <a:lstStyle/>
+          <a:p>
+            <a:r>
+              <a:rPr lang="en-US" sz="4400" dirty="0"/>
+              <a:t>The Size of the Dataset</a:t>
+            </a:r>
+          </a:p>
+        </p:txBody>
+      </p:sp>
+      <p:sp>
+        <p:nvSpPr>
+          <p:cNvPr id="8" name="TextBox 7">
+            <a:extLst>
+              <a:ext uri="{FF2B5EF4-FFF2-40B4-BE49-F238E27FC236}">
+                <a16:creationId xmlns:a16="http://schemas.microsoft.com/office/drawing/2014/main" id="{21E5E028-F3AF-85A9-7583-48F97895F5C5}"/>
+              </a:ext>
+            </a:extLst>
+          </p:cNvPr>
+          <p:cNvSpPr txBox="1"/>
+          <p:nvPr/>
+        </p:nvSpPr>
+        <p:spPr>
+          <a:xfrm>
+            <a:off x="6096000" y="2696547"/>
+            <a:ext cx="2436886" cy="1015663"/>
+          </a:xfrm>
+          <a:prstGeom prst="rect">
+            <a:avLst/>
+          </a:prstGeom>
+          <a:noFill/>
+        </p:spPr>
+        <p:txBody>
+          <a:bodyPr wrap="none" rtlCol="0">
+            <a:spAutoFit/>
+          </a:bodyPr>
+          <a:lstStyle/>
+          <a:p>
+            <a:r>
+              <a:rPr lang="en-US" sz="6000" dirty="0">
+                <a:latin typeface="Cascadia Code" panose="020B0609020000020004" pitchFamily="49" charset="0"/>
+                <a:cs typeface="Cascadia Code" panose="020B0609020000020004" pitchFamily="49" charset="0"/>
+              </a:rPr>
+              <a:t>2900 </a:t>
+            </a:r>
+          </a:p>
+        </p:txBody>
+      </p:sp>
+    </p:spTree>
+    <p:extLst>
+      <p:ext uri="{BB962C8B-B14F-4D97-AF65-F5344CB8AC3E}">
+        <p14:creationId xmlns:p14="http://schemas.microsoft.com/office/powerpoint/2010/main" val="3312750737"/>
+      </p:ext>
+    </p:extLst>
+  </p:cSld>
+  <p:clrMapOvr>
+    <a:masterClrMapping/>
+  </p:clrMapOvr>
+</p:sld>
+</file>
+
+<file path=ppt/slides/slide25.xml><?xml version="1.0" encoding="utf-8"?>
+<p:sld xmlns:a="http://schemas.openxmlformats.org/drawingml/2006/main" xmlns:r="http://schemas.openxmlformats.org/officeDocument/2006/relationships" xmlns:p="http://schemas.openxmlformats.org/presentationml/2006/main">
+  <p:cSld>
+    <p:spTree>
+      <p:nvGrpSpPr>
+        <p:cNvPr id="1" name=""/>
+        <p:cNvGrpSpPr/>
+        <p:nvPr/>
+      </p:nvGrpSpPr>
+      <p:grpSpPr>
+        <a:xfrm>
+          <a:off x="0" y="0"/>
+          <a:ext cx="0" cy="0"/>
+          <a:chOff x="0" y="0"/>
+          <a:chExt cx="0" cy="0"/>
+        </a:xfrm>
+      </p:grpSpPr>
+      <p:sp>
+        <p:nvSpPr>
+          <p:cNvPr id="3" name="Table Placeholder 2">
+            <a:extLst>
+              <a:ext uri="{FF2B5EF4-FFF2-40B4-BE49-F238E27FC236}">
+                <a16:creationId xmlns:a16="http://schemas.microsoft.com/office/drawing/2014/main" id="{B4C0A647-AB7A-A58B-DCEB-DA5A8687EFE0}"/>
+              </a:ext>
+            </a:extLst>
+          </p:cNvPr>
+          <p:cNvSpPr>
+            <a:spLocks noGrp="1"/>
+          </p:cNvSpPr>
+          <p:nvPr>
+            <p:ph type="tbl" sz="quarter" idx="13"/>
+          </p:nvPr>
+        </p:nvSpPr>
+        <p:spPr>
+          <a:xfrm>
+            <a:off x="762000" y="709127"/>
+            <a:ext cx="10665845" cy="5368210"/>
+          </a:xfrm>
+        </p:spPr>
+        <p:txBody>
+          <a:bodyPr/>
+          <a:lstStyle/>
+          <a:p>
+            <a:endParaRPr lang="en-US"/>
+          </a:p>
+        </p:txBody>
+      </p:sp>
+      <p:sp>
+        <p:nvSpPr>
+          <p:cNvPr id="4" name="Slide Number Placeholder 3">
+            <a:extLst>
+              <a:ext uri="{FF2B5EF4-FFF2-40B4-BE49-F238E27FC236}">
+                <a16:creationId xmlns:a16="http://schemas.microsoft.com/office/drawing/2014/main" id="{D59EBEE7-B1C8-A1D9-2AE6-A9E991235572}"/>
+              </a:ext>
+            </a:extLst>
+          </p:cNvPr>
+          <p:cNvSpPr>
+            <a:spLocks noGrp="1"/>
+          </p:cNvSpPr>
+          <p:nvPr>
+            <p:ph type="sldNum" sz="quarter" idx="12"/>
+          </p:nvPr>
+        </p:nvSpPr>
+        <p:spPr/>
+        <p:txBody>
+          <a:bodyPr/>
+          <a:lstStyle/>
+          <a:p>
+            <a:fld id="{B5CEABB6-07DC-46E8-9B57-56EC44A396E5}" type="slidenum">
+              <a:rPr lang="en-US" smtClean="0"/>
+              <a:pPr/>
+              <a:t>25</a:t>
+            </a:fld>
+            <a:endParaRPr lang="en-US" dirty="0"/>
+          </a:p>
+        </p:txBody>
+      </p:sp>
+    </p:spTree>
+    <p:extLst>
+      <p:ext uri="{BB962C8B-B14F-4D97-AF65-F5344CB8AC3E}">
+        <p14:creationId xmlns:p14="http://schemas.microsoft.com/office/powerpoint/2010/main" val="1459105596"/>
       </p:ext>
     </p:extLst>
   </p:cSld>
@@ -24839,15 +26189,6 @@
 </file>
 
 <file path=customXml/item1.xml><?xml version="1.0" encoding="utf-8"?>
-<?mso-contentType ?>
-<FormTemplates xmlns="http://schemas.microsoft.com/sharepoint/v3/contenttype/forms">
-  <Display>DocumentLibraryForm</Display>
-  <Edit>DocumentLibraryForm</Edit>
-  <New>DocumentLibraryForm</New>
-</FormTemplates>
-</file>
-
-<file path=customXml/item2.xml><?xml version="1.0" encoding="utf-8"?>
 <p:properties xmlns:p="http://schemas.microsoft.com/office/2006/metadata/properties" xmlns:xsi="http://www.w3.org/2001/XMLSchema-instance" xmlns:pc="http://schemas.microsoft.com/office/infopath/2007/PartnerControls">
   <documentManagement>
     <Background xmlns="71af3243-3dd4-4a8d-8c0d-dd76da1f02a5">false</Background>
@@ -24865,6 +26206,15 @@
     <MediaServiceKeyPoints xmlns="71af3243-3dd4-4a8d-8c0d-dd76da1f02a5" xsi:nil="true"/>
   </documentManagement>
 </p:properties>
+</file>
+
+<file path=customXml/item2.xml><?xml version="1.0" encoding="utf-8"?>
+<?mso-contentType ?>
+<FormTemplates xmlns="http://schemas.microsoft.com/sharepoint/v3/contenttype/forms">
+  <Display>DocumentLibraryForm</Display>
+  <Edit>DocumentLibraryForm</Edit>
+  <New>DocumentLibraryForm</New>
+</FormTemplates>
 </file>
 
 <file path=customXml/item3.xml><?xml version="1.0" encoding="utf-8"?>
@@ -25180,14 +26530,6 @@
 </file>
 
 <file path=customXml/itemProps1.xml><?xml version="1.0" encoding="utf-8"?>
-<ds:datastoreItem xmlns:ds="http://schemas.openxmlformats.org/officeDocument/2006/customXml" ds:itemID="{8451406B-581B-4C29-A833-E33D8A6AB075}">
-  <ds:schemaRefs>
-    <ds:schemaRef ds:uri="http://schemas.microsoft.com/sharepoint/v3/contenttype/forms"/>
-  </ds:schemaRefs>
-</ds:datastoreItem>
-</file>
-
-<file path=customXml/itemProps2.xml><?xml version="1.0" encoding="utf-8"?>
 <ds:datastoreItem xmlns:ds="http://schemas.openxmlformats.org/officeDocument/2006/customXml" ds:itemID="{0F65614A-92F9-4391-AC3D-F3F5B0704F99}">
   <ds:schemaRefs>
     <ds:schemaRef ds:uri="http://schemas.microsoft.com/office/2006/metadata/properties"/>
@@ -25195,6 +26537,14 @@
     <ds:schemaRef ds:uri="71af3243-3dd4-4a8d-8c0d-dd76da1f02a5"/>
     <ds:schemaRef ds:uri="http://schemas.microsoft.com/sharepoint/v3"/>
     <ds:schemaRef ds:uri="230e9df3-be65-4c73-a93b-d1236ebd677e"/>
+  </ds:schemaRefs>
+</ds:datastoreItem>
+</file>
+
+<file path=customXml/itemProps2.xml><?xml version="1.0" encoding="utf-8"?>
+<ds:datastoreItem xmlns:ds="http://schemas.openxmlformats.org/officeDocument/2006/customXml" ds:itemID="{8451406B-581B-4C29-A833-E33D8A6AB075}">
+  <ds:schemaRefs>
+    <ds:schemaRef ds:uri="http://schemas.microsoft.com/sharepoint/v3/contenttype/forms"/>
   </ds:schemaRefs>
 </ds:datastoreItem>
 </file>

--- a/docs/ccbd_project_presentation.pptx
+++ b/docs/ccbd_project_presentation.pptx
@@ -267,7 +267,7 @@
           <a:p>
             <a:fld id="{058ABBF3-49A8-4B3F-9773-22E67695BB12}" type="datetimeFigureOut">
               <a:rPr lang="en-US" smtClean="0"/>
-              <a:t>6/4/2025</a:t>
+              <a:t>6/12/2025</a:t>
             </a:fld>
             <a:endParaRPr lang="en-US" dirty="0"/>
           </a:p>
@@ -444,7 +444,7 @@
           <a:p>
             <a:fld id="{F44AAC2B-A50D-4386-849A-6B59FB991B4C}" type="datetimeFigureOut">
               <a:rPr lang="en-US" smtClean="0"/>
-              <a:t>6/4/2025</a:t>
+              <a:t>6/11/2025</a:t>
             </a:fld>
             <a:endParaRPr lang="en-US" dirty="0"/>
           </a:p>
@@ -23905,36 +23905,6 @@
       </p:grpSpPr>
       <p:sp>
         <p:nvSpPr>
-          <p:cNvPr id="3" name="Table Placeholder 2">
-            <a:extLst>
-              <a:ext uri="{FF2B5EF4-FFF2-40B4-BE49-F238E27FC236}">
-                <a16:creationId xmlns:a16="http://schemas.microsoft.com/office/drawing/2014/main" id="{B4C0A647-AB7A-A58B-DCEB-DA5A8687EFE0}"/>
-              </a:ext>
-            </a:extLst>
-          </p:cNvPr>
-          <p:cNvSpPr>
-            <a:spLocks noGrp="1"/>
-          </p:cNvSpPr>
-          <p:nvPr>
-            <p:ph type="tbl" sz="quarter" idx="13"/>
-          </p:nvPr>
-        </p:nvSpPr>
-        <p:spPr>
-          <a:xfrm>
-            <a:off x="762000" y="709127"/>
-            <a:ext cx="10665845" cy="5368210"/>
-          </a:xfrm>
-        </p:spPr>
-        <p:txBody>
-          <a:bodyPr/>
-          <a:lstStyle/>
-          <a:p>
-            <a:endParaRPr lang="en-US"/>
-          </a:p>
-        </p:txBody>
-      </p:sp>
-      <p:sp>
-        <p:nvSpPr>
           <p:cNvPr id="4" name="Slide Number Placeholder 3">
             <a:extLst>
               <a:ext uri="{FF2B5EF4-FFF2-40B4-BE49-F238E27FC236}">
@@ -23960,6 +23930,41 @@
               <a:t>25</a:t>
             </a:fld>
             <a:endParaRPr lang="en-US" dirty="0"/>
+          </a:p>
+        </p:txBody>
+      </p:sp>
+      <p:sp>
+        <p:nvSpPr>
+          <p:cNvPr id="2" name="TextBox 1">
+            <a:extLst>
+              <a:ext uri="{FF2B5EF4-FFF2-40B4-BE49-F238E27FC236}">
+                <a16:creationId xmlns:a16="http://schemas.microsoft.com/office/drawing/2014/main" id="{3A14CF77-1C0F-688A-728F-4922A1103E39}"/>
+              </a:ext>
+            </a:extLst>
+          </p:cNvPr>
+          <p:cNvSpPr txBox="1"/>
+          <p:nvPr/>
+        </p:nvSpPr>
+        <p:spPr>
+          <a:xfrm>
+            <a:off x="4462091" y="335902"/>
+            <a:ext cx="3267818" cy="584775"/>
+          </a:xfrm>
+          <a:prstGeom prst="rect">
+            <a:avLst/>
+          </a:prstGeom>
+          <a:noFill/>
+        </p:spPr>
+        <p:txBody>
+          <a:bodyPr wrap="none" rtlCol="0">
+            <a:spAutoFit/>
+          </a:bodyPr>
+          <a:lstStyle/>
+          <a:p>
+            <a:r>
+              <a:rPr lang="en-US" sz="3200" dirty="0"/>
+              <a:t>Before we begin</a:t>
+            </a:r>
           </a:p>
         </p:txBody>
       </p:sp>
@@ -26189,6 +26194,15 @@
 </file>
 
 <file path=customXml/item1.xml><?xml version="1.0" encoding="utf-8"?>
+<?mso-contentType ?>
+<FormTemplates xmlns="http://schemas.microsoft.com/sharepoint/v3/contenttype/forms">
+  <Display>DocumentLibraryForm</Display>
+  <Edit>DocumentLibraryForm</Edit>
+  <New>DocumentLibraryForm</New>
+</FormTemplates>
+</file>
+
+<file path=customXml/item2.xml><?xml version="1.0" encoding="utf-8"?>
 <p:properties xmlns:p="http://schemas.microsoft.com/office/2006/metadata/properties" xmlns:xsi="http://www.w3.org/2001/XMLSchema-instance" xmlns:pc="http://schemas.microsoft.com/office/infopath/2007/PartnerControls">
   <documentManagement>
     <Background xmlns="71af3243-3dd4-4a8d-8c0d-dd76da1f02a5">false</Background>
@@ -26206,15 +26220,6 @@
     <MediaServiceKeyPoints xmlns="71af3243-3dd4-4a8d-8c0d-dd76da1f02a5" xsi:nil="true"/>
   </documentManagement>
 </p:properties>
-</file>
-
-<file path=customXml/item2.xml><?xml version="1.0" encoding="utf-8"?>
-<?mso-contentType ?>
-<FormTemplates xmlns="http://schemas.microsoft.com/sharepoint/v3/contenttype/forms">
-  <Display>DocumentLibraryForm</Display>
-  <Edit>DocumentLibraryForm</Edit>
-  <New>DocumentLibraryForm</New>
-</FormTemplates>
 </file>
 
 <file path=customXml/item3.xml><?xml version="1.0" encoding="utf-8"?>
@@ -26530,6 +26535,14 @@
 </file>
 
 <file path=customXml/itemProps1.xml><?xml version="1.0" encoding="utf-8"?>
+<ds:datastoreItem xmlns:ds="http://schemas.openxmlformats.org/officeDocument/2006/customXml" ds:itemID="{8451406B-581B-4C29-A833-E33D8A6AB075}">
+  <ds:schemaRefs>
+    <ds:schemaRef ds:uri="http://schemas.microsoft.com/sharepoint/v3/contenttype/forms"/>
+  </ds:schemaRefs>
+</ds:datastoreItem>
+</file>
+
+<file path=customXml/itemProps2.xml><?xml version="1.0" encoding="utf-8"?>
 <ds:datastoreItem xmlns:ds="http://schemas.openxmlformats.org/officeDocument/2006/customXml" ds:itemID="{0F65614A-92F9-4391-AC3D-F3F5B0704F99}">
   <ds:schemaRefs>
     <ds:schemaRef ds:uri="http://schemas.microsoft.com/office/2006/metadata/properties"/>
@@ -26537,14 +26550,6 @@
     <ds:schemaRef ds:uri="71af3243-3dd4-4a8d-8c0d-dd76da1f02a5"/>
     <ds:schemaRef ds:uri="http://schemas.microsoft.com/sharepoint/v3"/>
     <ds:schemaRef ds:uri="230e9df3-be65-4c73-a93b-d1236ebd677e"/>
-  </ds:schemaRefs>
-</ds:datastoreItem>
-</file>
-
-<file path=customXml/itemProps2.xml><?xml version="1.0" encoding="utf-8"?>
-<ds:datastoreItem xmlns:ds="http://schemas.openxmlformats.org/officeDocument/2006/customXml" ds:itemID="{8451406B-581B-4C29-A833-E33D8A6AB075}">
-  <ds:schemaRefs>
-    <ds:schemaRef ds:uri="http://schemas.microsoft.com/sharepoint/v3/contenttype/forms"/>
   </ds:schemaRefs>
 </ds:datastoreItem>
 </file>

--- a/docs/ccbd_project_presentation.pptx
+++ b/docs/ccbd_project_presentation.pptx
@@ -5,10 +5,10 @@
     <p:sldMasterId id="2147483648" r:id="rId4"/>
   </p:sldMasterIdLst>
   <p:notesMasterIdLst>
-    <p:notesMasterId r:id="rId30"/>
+    <p:notesMasterId r:id="rId43"/>
   </p:notesMasterIdLst>
   <p:handoutMasterIdLst>
-    <p:handoutMasterId r:id="rId31"/>
+    <p:handoutMasterId r:id="rId44"/>
   </p:handoutMasterIdLst>
   <p:sldIdLst>
     <p:sldId id="256" r:id="rId5"/>
@@ -36,6 +36,19 @@
     <p:sldId id="297" r:id="rId27"/>
     <p:sldId id="298" r:id="rId28"/>
     <p:sldId id="299" r:id="rId29"/>
+    <p:sldId id="300" r:id="rId30"/>
+    <p:sldId id="301" r:id="rId31"/>
+    <p:sldId id="302" r:id="rId32"/>
+    <p:sldId id="303" r:id="rId33"/>
+    <p:sldId id="304" r:id="rId34"/>
+    <p:sldId id="305" r:id="rId35"/>
+    <p:sldId id="306" r:id="rId36"/>
+    <p:sldId id="307" r:id="rId37"/>
+    <p:sldId id="308" r:id="rId38"/>
+    <p:sldId id="309" r:id="rId39"/>
+    <p:sldId id="310" r:id="rId40"/>
+    <p:sldId id="311" r:id="rId41"/>
+    <p:sldId id="313" r:id="rId42"/>
   </p:sldIdLst>
   <p:sldSz cx="12192000" cy="6858000"/>
   <p:notesSz cx="6858000" cy="9144000"/>
@@ -1494,6 +1507,114 @@
     <p:extLst>
       <p:ext uri="{BB962C8B-B14F-4D97-AF65-F5344CB8AC3E}">
         <p14:creationId xmlns:p14="http://schemas.microsoft.com/office/powerpoint/2010/main" val="1091198844"/>
+      </p:ext>
+    </p:extLst>
+  </p:cSld>
+  <p:clrMapOvr>
+    <a:masterClrMapping/>
+  </p:clrMapOvr>
+</p:notes>
+</file>
+
+<file path=ppt/notesSlides/notesSlide9.xml><?xml version="1.0" encoding="utf-8"?>
+<p:notes xmlns:a="http://schemas.openxmlformats.org/drawingml/2006/main" xmlns:r="http://schemas.openxmlformats.org/officeDocument/2006/relationships" xmlns:p="http://schemas.openxmlformats.org/presentationml/2006/main">
+  <p:cSld>
+    <p:spTree>
+      <p:nvGrpSpPr>
+        <p:cNvPr id="1" name="">
+          <a:extLst>
+            <a:ext uri="{FF2B5EF4-FFF2-40B4-BE49-F238E27FC236}">
+              <a16:creationId xmlns:a16="http://schemas.microsoft.com/office/drawing/2014/main" id="{045A1562-4BCE-7B26-8328-F955D59409BC}"/>
+            </a:ext>
+          </a:extLst>
+        </p:cNvPr>
+        <p:cNvGrpSpPr/>
+        <p:nvPr/>
+      </p:nvGrpSpPr>
+      <p:grpSpPr>
+        <a:xfrm>
+          <a:off x="0" y="0"/>
+          <a:ext cx="0" cy="0"/>
+          <a:chOff x="0" y="0"/>
+          <a:chExt cx="0" cy="0"/>
+        </a:xfrm>
+      </p:grpSpPr>
+      <p:sp>
+        <p:nvSpPr>
+          <p:cNvPr id="2" name="Slide Image Placeholder 1">
+            <a:extLst>
+              <a:ext uri="{FF2B5EF4-FFF2-40B4-BE49-F238E27FC236}">
+                <a16:creationId xmlns:a16="http://schemas.microsoft.com/office/drawing/2014/main" id="{8D5C9F69-2D75-E368-42F4-4748E6857025}"/>
+              </a:ext>
+            </a:extLst>
+          </p:cNvPr>
+          <p:cNvSpPr>
+            <a:spLocks noGrp="1" noRot="1" noChangeAspect="1"/>
+          </p:cNvSpPr>
+          <p:nvPr>
+            <p:ph type="sldImg"/>
+          </p:nvPr>
+        </p:nvSpPr>
+        <p:spPr/>
+      </p:sp>
+      <p:sp>
+        <p:nvSpPr>
+          <p:cNvPr id="3" name="Notes Placeholder 2">
+            <a:extLst>
+              <a:ext uri="{FF2B5EF4-FFF2-40B4-BE49-F238E27FC236}">
+                <a16:creationId xmlns:a16="http://schemas.microsoft.com/office/drawing/2014/main" id="{32FF24B2-0C41-B4EF-7748-78058E5A7F65}"/>
+              </a:ext>
+            </a:extLst>
+          </p:cNvPr>
+          <p:cNvSpPr>
+            <a:spLocks noGrp="1"/>
+          </p:cNvSpPr>
+          <p:nvPr>
+            <p:ph type="body" idx="1"/>
+          </p:nvPr>
+        </p:nvSpPr>
+        <p:spPr/>
+        <p:txBody>
+          <a:bodyPr/>
+          <a:lstStyle/>
+          <a:p>
+            <a:endParaRPr lang="en-US"/>
+          </a:p>
+        </p:txBody>
+      </p:sp>
+      <p:sp>
+        <p:nvSpPr>
+          <p:cNvPr id="4" name="Slide Number Placeholder 3">
+            <a:extLst>
+              <a:ext uri="{FF2B5EF4-FFF2-40B4-BE49-F238E27FC236}">
+                <a16:creationId xmlns:a16="http://schemas.microsoft.com/office/drawing/2014/main" id="{3DC20718-F737-1550-94A5-1B435EAE9D2C}"/>
+              </a:ext>
+            </a:extLst>
+          </p:cNvPr>
+          <p:cNvSpPr>
+            <a:spLocks noGrp="1"/>
+          </p:cNvSpPr>
+          <p:nvPr>
+            <p:ph type="sldNum" sz="quarter" idx="5"/>
+          </p:nvPr>
+        </p:nvSpPr>
+        <p:spPr/>
+        <p:txBody>
+          <a:bodyPr/>
+          <a:lstStyle/>
+          <a:p>
+            <a:fld id="{10895658-EA1F-4910-80AB-4DA76E167475}" type="slidenum">
+              <a:rPr lang="en-US" smtClean="0"/>
+              <a:t>38</a:t>
+            </a:fld>
+            <a:endParaRPr lang="en-US" dirty="0"/>
+          </a:p>
+        </p:txBody>
+      </p:sp>
+    </p:spTree>
+    <p:extLst>
+      <p:ext uri="{BB962C8B-B14F-4D97-AF65-F5344CB8AC3E}">
+        <p14:creationId xmlns:p14="http://schemas.microsoft.com/office/powerpoint/2010/main" val="4287934773"/>
       </p:ext>
     </p:extLst>
   </p:cSld>
@@ -23947,8 +24068,8 @@
         </p:nvSpPr>
         <p:spPr>
           <a:xfrm>
-            <a:off x="4462091" y="335902"/>
-            <a:ext cx="3267818" cy="584775"/>
+            <a:off x="3238486" y="289249"/>
+            <a:ext cx="5715026" cy="584775"/>
           </a:xfrm>
           <a:prstGeom prst="rect">
             <a:avLst/>
@@ -23962,8 +24083,556 @@
           <a:lstStyle/>
           <a:p>
             <a:r>
-              <a:rPr lang="en-US" sz="3200" dirty="0"/>
-              <a:t>Before we begin</a:t>
+              <a:rPr lang="en-US" sz="3200" dirty="0">
+                <a:latin typeface="Cascadia Code" panose="020B0609020000020004" pitchFamily="49" charset="0"/>
+                <a:cs typeface="Cascadia Code" panose="020B0609020000020004" pitchFamily="49" charset="0"/>
+              </a:rPr>
+              <a:t>Is the dataset balanced</a:t>
+            </a:r>
+          </a:p>
+        </p:txBody>
+      </p:sp>
+      <p:sp>
+        <p:nvSpPr>
+          <p:cNvPr id="5" name="TextBox 4">
+            <a:extLst>
+              <a:ext uri="{FF2B5EF4-FFF2-40B4-BE49-F238E27FC236}">
+                <a16:creationId xmlns:a16="http://schemas.microsoft.com/office/drawing/2014/main" id="{A35248D7-62C4-94ED-B853-25341DEE67D7}"/>
+              </a:ext>
+            </a:extLst>
+          </p:cNvPr>
+          <p:cNvSpPr txBox="1"/>
+          <p:nvPr/>
+        </p:nvSpPr>
+        <p:spPr>
+          <a:xfrm>
+            <a:off x="589384" y="4109581"/>
+            <a:ext cx="5197151" cy="2246769"/>
+          </a:xfrm>
+          <a:prstGeom prst="rect">
+            <a:avLst/>
+          </a:prstGeom>
+          <a:noFill/>
+        </p:spPr>
+        <p:txBody>
+          <a:bodyPr wrap="square" rtlCol="0">
+            <a:spAutoFit/>
+          </a:bodyPr>
+          <a:lstStyle/>
+          <a:p>
+            <a:r>
+              <a:rPr lang="en-US" sz="1000" dirty="0">
+                <a:latin typeface="Cascadia Code" panose="020B0609020000020004" pitchFamily="49" charset="0"/>
+                <a:cs typeface="Cascadia Code" panose="020B0609020000020004" pitchFamily="49" charset="0"/>
+              </a:rPr>
+              <a:t>SELECT Personality AS Personality, COUNT(*) AS Samples</a:t>
+            </a:r>
+          </a:p>
+          <a:p>
+            <a:r>
+              <a:rPr lang="en-US" sz="1000" dirty="0">
+                <a:latin typeface="Cascadia Code" panose="020B0609020000020004" pitchFamily="49" charset="0"/>
+                <a:cs typeface="Cascadia Code" panose="020B0609020000020004" pitchFamily="49" charset="0"/>
+              </a:rPr>
+              <a:t>FROM `ccbd-exam-2025-darnall.intro_extro_behavior.intro_extro_data`</a:t>
+            </a:r>
+          </a:p>
+          <a:p>
+            <a:r>
+              <a:rPr lang="en-US" sz="1000" dirty="0">
+                <a:latin typeface="Cascadia Code" panose="020B0609020000020004" pitchFamily="49" charset="0"/>
+                <a:cs typeface="Cascadia Code" panose="020B0609020000020004" pitchFamily="49" charset="0"/>
+              </a:rPr>
+              <a:t>GROUP BY Personality</a:t>
+            </a:r>
+          </a:p>
+          <a:p>
+            <a:endParaRPr lang="en-US" sz="1000" dirty="0">
+              <a:latin typeface="Cascadia Code" panose="020B0609020000020004" pitchFamily="49" charset="0"/>
+              <a:cs typeface="Cascadia Code" panose="020B0609020000020004" pitchFamily="49" charset="0"/>
+            </a:endParaRPr>
+          </a:p>
+          <a:p>
+            <a:r>
+              <a:rPr lang="en-US" sz="1000" dirty="0">
+                <a:latin typeface="Cascadia Code" panose="020B0609020000020004" pitchFamily="49" charset="0"/>
+                <a:cs typeface="Cascadia Code" panose="020B0609020000020004" pitchFamily="49" charset="0"/>
+              </a:rPr>
+              <a:t>%</a:t>
+            </a:r>
+            <a:r>
+              <a:rPr lang="en-US" sz="1000" dirty="0" err="1">
+                <a:latin typeface="Cascadia Code" panose="020B0609020000020004" pitchFamily="49" charset="0"/>
+                <a:cs typeface="Cascadia Code" panose="020B0609020000020004" pitchFamily="49" charset="0"/>
+              </a:rPr>
+              <a:t>sql</a:t>
+            </a:r>
+            <a:endParaRPr lang="en-US" sz="1000" dirty="0">
+              <a:latin typeface="Cascadia Code" panose="020B0609020000020004" pitchFamily="49" charset="0"/>
+              <a:cs typeface="Cascadia Code" panose="020B0609020000020004" pitchFamily="49" charset="0"/>
+            </a:endParaRPr>
+          </a:p>
+          <a:p>
+            <a:r>
+              <a:rPr lang="en-US" sz="1000" dirty="0">
+                <a:latin typeface="Cascadia Code" panose="020B0609020000020004" pitchFamily="49" charset="0"/>
+                <a:cs typeface="Cascadia Code" panose="020B0609020000020004" pitchFamily="49" charset="0"/>
+              </a:rPr>
+              <a:t>SELECT Personality AS Personality, COUNT(*) AS Samples</a:t>
+            </a:r>
+          </a:p>
+          <a:p>
+            <a:r>
+              <a:rPr lang="en-US" sz="1000" dirty="0">
+                <a:latin typeface="Cascadia Code" panose="020B0609020000020004" pitchFamily="49" charset="0"/>
+                <a:cs typeface="Cascadia Code" panose="020B0609020000020004" pitchFamily="49" charset="0"/>
+              </a:rPr>
+              <a:t>FROM </a:t>
+            </a:r>
+            <a:r>
+              <a:rPr lang="en-US" sz="1000" dirty="0" err="1">
+                <a:latin typeface="Cascadia Code" panose="020B0609020000020004" pitchFamily="49" charset="0"/>
+                <a:cs typeface="Cascadia Code" panose="020B0609020000020004" pitchFamily="49" charset="0"/>
+              </a:rPr>
+              <a:t>haky_workspace.default.personality_dataset</a:t>
+            </a:r>
+            <a:endParaRPr lang="en-US" sz="1000" dirty="0">
+              <a:latin typeface="Cascadia Code" panose="020B0609020000020004" pitchFamily="49" charset="0"/>
+              <a:cs typeface="Cascadia Code" panose="020B0609020000020004" pitchFamily="49" charset="0"/>
+            </a:endParaRPr>
+          </a:p>
+          <a:p>
+            <a:r>
+              <a:rPr lang="en-US" sz="1000" dirty="0">
+                <a:latin typeface="Cascadia Code" panose="020B0609020000020004" pitchFamily="49" charset="0"/>
+                <a:cs typeface="Cascadia Code" panose="020B0609020000020004" pitchFamily="49" charset="0"/>
+              </a:rPr>
+              <a:t>GROUP BY Personality</a:t>
+            </a:r>
+          </a:p>
+          <a:p>
+            <a:endParaRPr lang="en-US" sz="1000" dirty="0">
+              <a:latin typeface="Cascadia Code" panose="020B0609020000020004" pitchFamily="49" charset="0"/>
+              <a:cs typeface="Cascadia Code" panose="020B0609020000020004" pitchFamily="49" charset="0"/>
+            </a:endParaRPr>
+          </a:p>
+          <a:p>
+            <a:endParaRPr lang="en-US" sz="1000" dirty="0">
+              <a:latin typeface="Cascadia Code" panose="020B0609020000020004" pitchFamily="49" charset="0"/>
+              <a:cs typeface="Cascadia Code" panose="020B0609020000020004" pitchFamily="49" charset="0"/>
+            </a:endParaRPr>
+          </a:p>
+          <a:p>
+            <a:r>
+              <a:rPr lang="en-US" sz="1000" dirty="0" err="1">
+                <a:latin typeface="Cascadia Code" panose="020B0609020000020004" pitchFamily="49" charset="0"/>
+                <a:cs typeface="Cascadia Code" panose="020B0609020000020004" pitchFamily="49" charset="0"/>
+              </a:rPr>
+              <a:t>df.groupBy</a:t>
+            </a:r>
+            <a:r>
+              <a:rPr lang="en-US" sz="1000" dirty="0">
+                <a:latin typeface="Cascadia Code" panose="020B0609020000020004" pitchFamily="49" charset="0"/>
+                <a:cs typeface="Cascadia Code" panose="020B0609020000020004" pitchFamily="49" charset="0"/>
+              </a:rPr>
+              <a:t>(col("Personality")) \</a:t>
+            </a:r>
+          </a:p>
+          <a:p>
+            <a:r>
+              <a:rPr lang="en-US" sz="1000" dirty="0">
+                <a:latin typeface="Cascadia Code" panose="020B0609020000020004" pitchFamily="49" charset="0"/>
+                <a:cs typeface="Cascadia Code" panose="020B0609020000020004" pitchFamily="49" charset="0"/>
+              </a:rPr>
+              <a:t>  .</a:t>
+            </a:r>
+            <a:r>
+              <a:rPr lang="en-US" sz="1000" dirty="0" err="1">
+                <a:latin typeface="Cascadia Code" panose="020B0609020000020004" pitchFamily="49" charset="0"/>
+                <a:cs typeface="Cascadia Code" panose="020B0609020000020004" pitchFamily="49" charset="0"/>
+              </a:rPr>
+              <a:t>agg</a:t>
+            </a:r>
+            <a:r>
+              <a:rPr lang="en-US" sz="1000" dirty="0">
+                <a:latin typeface="Cascadia Code" panose="020B0609020000020004" pitchFamily="49" charset="0"/>
+                <a:cs typeface="Cascadia Code" panose="020B0609020000020004" pitchFamily="49" charset="0"/>
+              </a:rPr>
+              <a:t>(count("*").alias("Samples")) \</a:t>
+            </a:r>
+          </a:p>
+          <a:p>
+            <a:r>
+              <a:rPr lang="en-US" sz="1000" dirty="0">
+                <a:latin typeface="Cascadia Code" panose="020B0609020000020004" pitchFamily="49" charset="0"/>
+                <a:cs typeface="Cascadia Code" panose="020B0609020000020004" pitchFamily="49" charset="0"/>
+              </a:rPr>
+              <a:t>  .select(col("Personality"), col("Samples")) \</a:t>
+            </a:r>
+          </a:p>
+          <a:p>
+            <a:r>
+              <a:rPr lang="en-US" sz="1000" dirty="0">
+                <a:latin typeface="Cascadia Code" panose="020B0609020000020004" pitchFamily="49" charset="0"/>
+                <a:cs typeface="Cascadia Code" panose="020B0609020000020004" pitchFamily="49" charset="0"/>
+              </a:rPr>
+              <a:t>  .show()</a:t>
+            </a:r>
+          </a:p>
+        </p:txBody>
+      </p:sp>
+      <p:pic>
+        <p:nvPicPr>
+          <p:cNvPr id="7" name="Picture 6" descr="A pie chart with a blue circle&#10;&#10;AI-generated content may be incorrect.">
+            <a:extLst>
+              <a:ext uri="{FF2B5EF4-FFF2-40B4-BE49-F238E27FC236}">
+                <a16:creationId xmlns:a16="http://schemas.microsoft.com/office/drawing/2014/main" id="{73AB48F0-C32D-4EEA-673C-DF6733DBB116}"/>
+              </a:ext>
+            </a:extLst>
+          </p:cNvPr>
+          <p:cNvPicPr>
+            <a:picLocks noChangeAspect="1"/>
+          </p:cNvPicPr>
+          <p:nvPr/>
+        </p:nvPicPr>
+        <p:blipFill>
+          <a:blip r:embed="rId2"/>
+          <a:stretch>
+            <a:fillRect/>
+          </a:stretch>
+        </p:blipFill>
+        <p:spPr>
+          <a:xfrm>
+            <a:off x="589384" y="1317525"/>
+            <a:ext cx="7536130" cy="2444433"/>
+          </a:xfrm>
+          <a:prstGeom prst="rect">
+            <a:avLst/>
+          </a:prstGeom>
+        </p:spPr>
+      </p:pic>
+    </p:spTree>
+    <p:extLst>
+      <p:ext uri="{BB962C8B-B14F-4D97-AF65-F5344CB8AC3E}">
+        <p14:creationId xmlns:p14="http://schemas.microsoft.com/office/powerpoint/2010/main" val="1459105596"/>
+      </p:ext>
+    </p:extLst>
+  </p:cSld>
+  <p:clrMapOvr>
+    <a:masterClrMapping/>
+  </p:clrMapOvr>
+</p:sld>
+</file>
+
+<file path=ppt/slides/slide26.xml><?xml version="1.0" encoding="utf-8"?>
+<p:sld xmlns:a="http://schemas.openxmlformats.org/drawingml/2006/main" xmlns:r="http://schemas.openxmlformats.org/officeDocument/2006/relationships" xmlns:p="http://schemas.openxmlformats.org/presentationml/2006/main">
+  <p:cSld>
+    <p:spTree>
+      <p:nvGrpSpPr>
+        <p:cNvPr id="1" name=""/>
+        <p:cNvGrpSpPr/>
+        <p:nvPr/>
+      </p:nvGrpSpPr>
+      <p:grpSpPr>
+        <a:xfrm>
+          <a:off x="0" y="0"/>
+          <a:ext cx="0" cy="0"/>
+          <a:chOff x="0" y="0"/>
+          <a:chExt cx="0" cy="0"/>
+        </a:xfrm>
+      </p:grpSpPr>
+      <p:sp>
+        <p:nvSpPr>
+          <p:cNvPr id="4" name="Slide Number Placeholder 3">
+            <a:extLst>
+              <a:ext uri="{FF2B5EF4-FFF2-40B4-BE49-F238E27FC236}">
+                <a16:creationId xmlns:a16="http://schemas.microsoft.com/office/drawing/2014/main" id="{0D309084-AE5C-74B9-2E3B-2624896C6C9D}"/>
+              </a:ext>
+            </a:extLst>
+          </p:cNvPr>
+          <p:cNvSpPr>
+            <a:spLocks noGrp="1"/>
+          </p:cNvSpPr>
+          <p:nvPr>
+            <p:ph type="sldNum" sz="quarter" idx="12"/>
+          </p:nvPr>
+        </p:nvSpPr>
+        <p:spPr/>
+        <p:txBody>
+          <a:bodyPr/>
+          <a:lstStyle/>
+          <a:p>
+            <a:fld id="{B5CEABB6-07DC-46E8-9B57-56EC44A396E5}" type="slidenum">
+              <a:rPr lang="en-US" smtClean="0"/>
+              <a:pPr/>
+              <a:t>26</a:t>
+            </a:fld>
+            <a:endParaRPr lang="en-US" dirty="0"/>
+          </a:p>
+        </p:txBody>
+      </p:sp>
+      <p:sp>
+        <p:nvSpPr>
+          <p:cNvPr id="5" name="TextBox 4">
+            <a:extLst>
+              <a:ext uri="{FF2B5EF4-FFF2-40B4-BE49-F238E27FC236}">
+                <a16:creationId xmlns:a16="http://schemas.microsoft.com/office/drawing/2014/main" id="{CDDAE5C0-AAAD-3B13-D0AA-2453891C0F79}"/>
+              </a:ext>
+            </a:extLst>
+          </p:cNvPr>
+          <p:cNvSpPr txBox="1"/>
+          <p:nvPr/>
+        </p:nvSpPr>
+        <p:spPr>
+          <a:xfrm>
+            <a:off x="517168" y="3760237"/>
+            <a:ext cx="5122506" cy="2092881"/>
+          </a:xfrm>
+          <a:prstGeom prst="rect">
+            <a:avLst/>
+          </a:prstGeom>
+          <a:noFill/>
+        </p:spPr>
+        <p:txBody>
+          <a:bodyPr wrap="square" rtlCol="0">
+            <a:spAutoFit/>
+          </a:bodyPr>
+          <a:lstStyle/>
+          <a:p>
+            <a:r>
+              <a:rPr lang="en-US" sz="1000" dirty="0">
+                <a:latin typeface="Cascadia Code" panose="020B0609020000020004" pitchFamily="49" charset="0"/>
+                <a:cs typeface="Cascadia Code" panose="020B0609020000020004" pitchFamily="49" charset="0"/>
+              </a:rPr>
+              <a:t>SELECT Personality, COUNT(*) AS </a:t>
+            </a:r>
+            <a:r>
+              <a:rPr lang="en-US" sz="1000" dirty="0" err="1">
+                <a:latin typeface="Cascadia Code" panose="020B0609020000020004" pitchFamily="49" charset="0"/>
+                <a:cs typeface="Cascadia Code" panose="020B0609020000020004" pitchFamily="49" charset="0"/>
+              </a:rPr>
+              <a:t>Total_Friend_Count</a:t>
+            </a:r>
+            <a:endParaRPr lang="en-US" sz="1000" dirty="0">
+              <a:latin typeface="Cascadia Code" panose="020B0609020000020004" pitchFamily="49" charset="0"/>
+              <a:cs typeface="Cascadia Code" panose="020B0609020000020004" pitchFamily="49" charset="0"/>
+            </a:endParaRPr>
+          </a:p>
+          <a:p>
+            <a:r>
+              <a:rPr lang="en-US" sz="1000" dirty="0">
+                <a:latin typeface="Cascadia Code" panose="020B0609020000020004" pitchFamily="49" charset="0"/>
+                <a:cs typeface="Cascadia Code" panose="020B0609020000020004" pitchFamily="49" charset="0"/>
+              </a:rPr>
+              <a:t>FROM `ccbd-exam-2025-darnall.intro_extro_behavior.intro_extro_data`</a:t>
+            </a:r>
+          </a:p>
+          <a:p>
+            <a:r>
+              <a:rPr lang="en-US" sz="1000" dirty="0">
+                <a:latin typeface="Cascadia Code" panose="020B0609020000020004" pitchFamily="49" charset="0"/>
+                <a:cs typeface="Cascadia Code" panose="020B0609020000020004" pitchFamily="49" charset="0"/>
+              </a:rPr>
+              <a:t>GROUP BY Personality</a:t>
+            </a:r>
+          </a:p>
+          <a:p>
+            <a:endParaRPr lang="en-US" sz="1000" dirty="0">
+              <a:latin typeface="Cascadia Code" panose="020B0609020000020004" pitchFamily="49" charset="0"/>
+              <a:cs typeface="Cascadia Code" panose="020B0609020000020004" pitchFamily="49" charset="0"/>
+            </a:endParaRPr>
+          </a:p>
+          <a:p>
+            <a:r>
+              <a:rPr lang="en-US" sz="1000" dirty="0">
+                <a:latin typeface="Cascadia Code" panose="020B0609020000020004" pitchFamily="49" charset="0"/>
+                <a:cs typeface="Cascadia Code" panose="020B0609020000020004" pitchFamily="49" charset="0"/>
+              </a:rPr>
+              <a:t>%</a:t>
+            </a:r>
+            <a:r>
+              <a:rPr lang="en-US" sz="1000" dirty="0" err="1">
+                <a:latin typeface="Cascadia Code" panose="020B0609020000020004" pitchFamily="49" charset="0"/>
+                <a:cs typeface="Cascadia Code" panose="020B0609020000020004" pitchFamily="49" charset="0"/>
+              </a:rPr>
+              <a:t>sql</a:t>
+            </a:r>
+            <a:endParaRPr lang="en-US" sz="1000" dirty="0">
+              <a:latin typeface="Cascadia Code" panose="020B0609020000020004" pitchFamily="49" charset="0"/>
+              <a:cs typeface="Cascadia Code" panose="020B0609020000020004" pitchFamily="49" charset="0"/>
+            </a:endParaRPr>
+          </a:p>
+          <a:p>
+            <a:r>
+              <a:rPr lang="en-US" sz="1000" dirty="0">
+                <a:latin typeface="Cascadia Code" panose="020B0609020000020004" pitchFamily="49" charset="0"/>
+                <a:cs typeface="Cascadia Code" panose="020B0609020000020004" pitchFamily="49" charset="0"/>
+              </a:rPr>
+              <a:t>SELECT Personality, COUNT(*) AS </a:t>
+            </a:r>
+            <a:r>
+              <a:rPr lang="en-US" sz="1000" dirty="0" err="1">
+                <a:latin typeface="Cascadia Code" panose="020B0609020000020004" pitchFamily="49" charset="0"/>
+                <a:cs typeface="Cascadia Code" panose="020B0609020000020004" pitchFamily="49" charset="0"/>
+              </a:rPr>
+              <a:t>Total_Friend_Count</a:t>
+            </a:r>
+            <a:endParaRPr lang="en-US" sz="1000" dirty="0">
+              <a:latin typeface="Cascadia Code" panose="020B0609020000020004" pitchFamily="49" charset="0"/>
+              <a:cs typeface="Cascadia Code" panose="020B0609020000020004" pitchFamily="49" charset="0"/>
+            </a:endParaRPr>
+          </a:p>
+          <a:p>
+            <a:r>
+              <a:rPr lang="en-US" sz="1000" dirty="0">
+                <a:latin typeface="Cascadia Code" panose="020B0609020000020004" pitchFamily="49" charset="0"/>
+                <a:cs typeface="Cascadia Code" panose="020B0609020000020004" pitchFamily="49" charset="0"/>
+              </a:rPr>
+              <a:t>FROM </a:t>
+            </a:r>
+            <a:r>
+              <a:rPr lang="en-US" sz="1000" dirty="0" err="1">
+                <a:latin typeface="Cascadia Code" panose="020B0609020000020004" pitchFamily="49" charset="0"/>
+                <a:cs typeface="Cascadia Code" panose="020B0609020000020004" pitchFamily="49" charset="0"/>
+              </a:rPr>
+              <a:t>haky_workspace.default.personality_dataset</a:t>
+            </a:r>
+            <a:endParaRPr lang="en-US" sz="1000" dirty="0">
+              <a:latin typeface="Cascadia Code" panose="020B0609020000020004" pitchFamily="49" charset="0"/>
+              <a:cs typeface="Cascadia Code" panose="020B0609020000020004" pitchFamily="49" charset="0"/>
+            </a:endParaRPr>
+          </a:p>
+          <a:p>
+            <a:r>
+              <a:rPr lang="en-US" sz="1000" dirty="0">
+                <a:latin typeface="Cascadia Code" panose="020B0609020000020004" pitchFamily="49" charset="0"/>
+                <a:cs typeface="Cascadia Code" panose="020B0609020000020004" pitchFamily="49" charset="0"/>
+              </a:rPr>
+              <a:t>GROUP BY Personality</a:t>
+            </a:r>
+          </a:p>
+          <a:p>
+            <a:endParaRPr lang="en-US" sz="1000" dirty="0">
+              <a:latin typeface="Cascadia Code" panose="020B0609020000020004" pitchFamily="49" charset="0"/>
+              <a:cs typeface="Cascadia Code" panose="020B0609020000020004" pitchFamily="49" charset="0"/>
+            </a:endParaRPr>
+          </a:p>
+          <a:p>
+            <a:r>
+              <a:rPr lang="en-US" sz="1000" dirty="0" err="1">
+                <a:latin typeface="Cascadia Code" panose="020B0609020000020004" pitchFamily="49" charset="0"/>
+                <a:cs typeface="Cascadia Code" panose="020B0609020000020004" pitchFamily="49" charset="0"/>
+              </a:rPr>
+              <a:t>df.groupBy</a:t>
+            </a:r>
+            <a:r>
+              <a:rPr lang="en-US" sz="1000" dirty="0">
+                <a:latin typeface="Cascadia Code" panose="020B0609020000020004" pitchFamily="49" charset="0"/>
+                <a:cs typeface="Cascadia Code" panose="020B0609020000020004" pitchFamily="49" charset="0"/>
+              </a:rPr>
+              <a:t>("Personality").</a:t>
+            </a:r>
+            <a:r>
+              <a:rPr lang="en-US" sz="1000" dirty="0" err="1">
+                <a:latin typeface="Cascadia Code" panose="020B0609020000020004" pitchFamily="49" charset="0"/>
+                <a:cs typeface="Cascadia Code" panose="020B0609020000020004" pitchFamily="49" charset="0"/>
+              </a:rPr>
+              <a:t>agg</a:t>
+            </a:r>
+            <a:r>
+              <a:rPr lang="en-US" sz="1000" dirty="0">
+                <a:latin typeface="Cascadia Code" panose="020B0609020000020004" pitchFamily="49" charset="0"/>
+                <a:cs typeface="Cascadia Code" panose="020B0609020000020004" pitchFamily="49" charset="0"/>
+              </a:rPr>
+              <a:t>(count("*").alias("</a:t>
+            </a:r>
+            <a:r>
+              <a:rPr lang="en-US" sz="1000" dirty="0" err="1">
+                <a:latin typeface="Cascadia Code" panose="020B0609020000020004" pitchFamily="49" charset="0"/>
+                <a:cs typeface="Cascadia Code" panose="020B0609020000020004" pitchFamily="49" charset="0"/>
+              </a:rPr>
+              <a:t>Total_Friend_Count</a:t>
+            </a:r>
+            <a:r>
+              <a:rPr lang="en-US" sz="1000" dirty="0">
+                <a:latin typeface="Cascadia Code" panose="020B0609020000020004" pitchFamily="49" charset="0"/>
+                <a:cs typeface="Cascadia Code" panose="020B0609020000020004" pitchFamily="49" charset="0"/>
+              </a:rPr>
+              <a:t>")).show()</a:t>
+            </a:r>
+          </a:p>
+          <a:p>
+            <a:endParaRPr lang="en-US" sz="1000" dirty="0">
+              <a:latin typeface="Cascadia Code" panose="020B0609020000020004" pitchFamily="49" charset="0"/>
+              <a:cs typeface="Cascadia Code" panose="020B0609020000020004" pitchFamily="49" charset="0"/>
+            </a:endParaRPr>
+          </a:p>
+        </p:txBody>
+      </p:sp>
+      <p:pic>
+        <p:nvPicPr>
+          <p:cNvPr id="7" name="Picture 6" descr="A screen shot of a pie chart&#10;&#10;AI-generated content may be incorrect.">
+            <a:extLst>
+              <a:ext uri="{FF2B5EF4-FFF2-40B4-BE49-F238E27FC236}">
+                <a16:creationId xmlns:a16="http://schemas.microsoft.com/office/drawing/2014/main" id="{302BD08E-0DEC-222A-30A3-5BBE9DD0BC2D}"/>
+              </a:ext>
+            </a:extLst>
+          </p:cNvPr>
+          <p:cNvPicPr>
+            <a:picLocks noChangeAspect="1"/>
+          </p:cNvPicPr>
+          <p:nvPr/>
+        </p:nvPicPr>
+        <p:blipFill>
+          <a:blip r:embed="rId2"/>
+          <a:stretch>
+            <a:fillRect/>
+          </a:stretch>
+        </p:blipFill>
+        <p:spPr>
+          <a:xfrm>
+            <a:off x="517168" y="1173958"/>
+            <a:ext cx="7033879" cy="2362344"/>
+          </a:xfrm>
+          <a:prstGeom prst="rect">
+            <a:avLst/>
+          </a:prstGeom>
+        </p:spPr>
+      </p:pic>
+      <p:sp>
+        <p:nvSpPr>
+          <p:cNvPr id="8" name="TextBox 7">
+            <a:extLst>
+              <a:ext uri="{FF2B5EF4-FFF2-40B4-BE49-F238E27FC236}">
+                <a16:creationId xmlns:a16="http://schemas.microsoft.com/office/drawing/2014/main" id="{B93FBCDC-CB23-1A39-506A-73023609C9FF}"/>
+              </a:ext>
+            </a:extLst>
+          </p:cNvPr>
+          <p:cNvSpPr txBox="1"/>
+          <p:nvPr/>
+        </p:nvSpPr>
+        <p:spPr>
+          <a:xfrm>
+            <a:off x="1761809" y="507993"/>
+            <a:ext cx="9206366" cy="369332"/>
+          </a:xfrm>
+          <a:prstGeom prst="rect">
+            <a:avLst/>
+          </a:prstGeom>
+          <a:noFill/>
+        </p:spPr>
+        <p:txBody>
+          <a:bodyPr wrap="none" rtlCol="0">
+            <a:spAutoFit/>
+          </a:bodyPr>
+          <a:lstStyle/>
+          <a:p>
+            <a:r>
+              <a:rPr lang="en-US" dirty="0">
+                <a:latin typeface="Cascadia Code" panose="020B0609020000020004" pitchFamily="49" charset="0"/>
+                <a:cs typeface="Cascadia Code" panose="020B0609020000020004" pitchFamily="49" charset="0"/>
+              </a:rPr>
+              <a:t>What is the total (absolute) number of friends per personality type</a:t>
             </a:r>
           </a:p>
         </p:txBody>
@@ -23971,7 +24640,1441 @@
     </p:spTree>
     <p:extLst>
       <p:ext uri="{BB962C8B-B14F-4D97-AF65-F5344CB8AC3E}">
-        <p14:creationId xmlns:p14="http://schemas.microsoft.com/office/powerpoint/2010/main" val="1459105596"/>
+        <p14:creationId xmlns:p14="http://schemas.microsoft.com/office/powerpoint/2010/main" val="3554700363"/>
+      </p:ext>
+    </p:extLst>
+  </p:cSld>
+  <p:clrMapOvr>
+    <a:masterClrMapping/>
+  </p:clrMapOvr>
+</p:sld>
+</file>
+
+<file path=ppt/slides/slide27.xml><?xml version="1.0" encoding="utf-8"?>
+<p:sld xmlns:a="http://schemas.openxmlformats.org/drawingml/2006/main" xmlns:r="http://schemas.openxmlformats.org/officeDocument/2006/relationships" xmlns:p="http://schemas.openxmlformats.org/presentationml/2006/main">
+  <p:cSld>
+    <p:spTree>
+      <p:nvGrpSpPr>
+        <p:cNvPr id="1" name=""/>
+        <p:cNvGrpSpPr/>
+        <p:nvPr/>
+      </p:nvGrpSpPr>
+      <p:grpSpPr>
+        <a:xfrm>
+          <a:off x="0" y="0"/>
+          <a:ext cx="0" cy="0"/>
+          <a:chOff x="0" y="0"/>
+          <a:chExt cx="0" cy="0"/>
+        </a:xfrm>
+      </p:grpSpPr>
+      <p:sp>
+        <p:nvSpPr>
+          <p:cNvPr id="4" name="Slide Number Placeholder 3">
+            <a:extLst>
+              <a:ext uri="{FF2B5EF4-FFF2-40B4-BE49-F238E27FC236}">
+                <a16:creationId xmlns:a16="http://schemas.microsoft.com/office/drawing/2014/main" id="{958FE79E-7685-AD3A-ECD8-C08E4A76F20D}"/>
+              </a:ext>
+            </a:extLst>
+          </p:cNvPr>
+          <p:cNvSpPr>
+            <a:spLocks noGrp="1"/>
+          </p:cNvSpPr>
+          <p:nvPr>
+            <p:ph type="sldNum" sz="quarter" idx="12"/>
+          </p:nvPr>
+        </p:nvSpPr>
+        <p:spPr/>
+        <p:txBody>
+          <a:bodyPr/>
+          <a:lstStyle/>
+          <a:p>
+            <a:fld id="{B5CEABB6-07DC-46E8-9B57-56EC44A396E5}" type="slidenum">
+              <a:rPr lang="en-US" smtClean="0"/>
+              <a:pPr/>
+              <a:t>27</a:t>
+            </a:fld>
+            <a:endParaRPr lang="en-US" dirty="0"/>
+          </a:p>
+        </p:txBody>
+      </p:sp>
+      <p:sp>
+        <p:nvSpPr>
+          <p:cNvPr id="5" name="TextBox 4">
+            <a:extLst>
+              <a:ext uri="{FF2B5EF4-FFF2-40B4-BE49-F238E27FC236}">
+                <a16:creationId xmlns:a16="http://schemas.microsoft.com/office/drawing/2014/main" id="{5C0F269E-8CD7-E47F-36A7-74754990D240}"/>
+              </a:ext>
+            </a:extLst>
+          </p:cNvPr>
+          <p:cNvSpPr txBox="1"/>
+          <p:nvPr/>
+        </p:nvSpPr>
+        <p:spPr>
+          <a:xfrm>
+            <a:off x="317240" y="4263469"/>
+            <a:ext cx="6074230" cy="2092881"/>
+          </a:xfrm>
+          <a:prstGeom prst="rect">
+            <a:avLst/>
+          </a:prstGeom>
+          <a:noFill/>
+        </p:spPr>
+        <p:txBody>
+          <a:bodyPr wrap="square" rtlCol="0">
+            <a:spAutoFit/>
+          </a:bodyPr>
+          <a:lstStyle/>
+          <a:p>
+            <a:r>
+              <a:rPr lang="en-US" sz="1000">
+                <a:latin typeface="Cascadia Code" panose="020B0609020000020004" pitchFamily="49" charset="0"/>
+                <a:cs typeface="Cascadia Code" panose="020B0609020000020004" pitchFamily="49" charset="0"/>
+              </a:rPr>
+              <a:t>SELECT Personality, AVG(Friends_circle_size) AS Average_Friend_Group_Size</a:t>
+            </a:r>
+          </a:p>
+          <a:p>
+            <a:r>
+              <a:rPr lang="en-US" sz="1000">
+                <a:latin typeface="Cascadia Code" panose="020B0609020000020004" pitchFamily="49" charset="0"/>
+                <a:cs typeface="Cascadia Code" panose="020B0609020000020004" pitchFamily="49" charset="0"/>
+              </a:rPr>
+              <a:t>FROM `ccbd-exam-2025-darnall.intro_extro_behavior.intro_extro_data`</a:t>
+            </a:r>
+          </a:p>
+          <a:p>
+            <a:r>
+              <a:rPr lang="en-US" sz="1000">
+                <a:latin typeface="Cascadia Code" panose="020B0609020000020004" pitchFamily="49" charset="0"/>
+                <a:cs typeface="Cascadia Code" panose="020B0609020000020004" pitchFamily="49" charset="0"/>
+              </a:rPr>
+              <a:t>GROUP BY Personality</a:t>
+            </a:r>
+          </a:p>
+          <a:p>
+            <a:endParaRPr lang="en-US" sz="1000">
+              <a:latin typeface="Cascadia Code" panose="020B0609020000020004" pitchFamily="49" charset="0"/>
+              <a:cs typeface="Cascadia Code" panose="020B0609020000020004" pitchFamily="49" charset="0"/>
+            </a:endParaRPr>
+          </a:p>
+          <a:p>
+            <a:r>
+              <a:rPr lang="en-US" sz="1000">
+                <a:latin typeface="Cascadia Code" panose="020B0609020000020004" pitchFamily="49" charset="0"/>
+                <a:cs typeface="Cascadia Code" panose="020B0609020000020004" pitchFamily="49" charset="0"/>
+              </a:rPr>
+              <a:t>%sql</a:t>
+            </a:r>
+          </a:p>
+          <a:p>
+            <a:r>
+              <a:rPr lang="en-US" sz="1000">
+                <a:latin typeface="Cascadia Code" panose="020B0609020000020004" pitchFamily="49" charset="0"/>
+                <a:cs typeface="Cascadia Code" panose="020B0609020000020004" pitchFamily="49" charset="0"/>
+              </a:rPr>
+              <a:t>SELECT Personality, AVG(Friends_circle_size) AS Average_Friend_Group_Size</a:t>
+            </a:r>
+          </a:p>
+          <a:p>
+            <a:r>
+              <a:rPr lang="en-US" sz="1000">
+                <a:latin typeface="Cascadia Code" panose="020B0609020000020004" pitchFamily="49" charset="0"/>
+                <a:cs typeface="Cascadia Code" panose="020B0609020000020004" pitchFamily="49" charset="0"/>
+              </a:rPr>
+              <a:t>FROM haky_workspace.default.personality_dataset</a:t>
+            </a:r>
+          </a:p>
+          <a:p>
+            <a:r>
+              <a:rPr lang="en-US" sz="1000">
+                <a:latin typeface="Cascadia Code" panose="020B0609020000020004" pitchFamily="49" charset="0"/>
+                <a:cs typeface="Cascadia Code" panose="020B0609020000020004" pitchFamily="49" charset="0"/>
+              </a:rPr>
+              <a:t>GROUP BY Personality</a:t>
+            </a:r>
+          </a:p>
+          <a:p>
+            <a:endParaRPr lang="en-US" sz="1000">
+              <a:latin typeface="Cascadia Code" panose="020B0609020000020004" pitchFamily="49" charset="0"/>
+              <a:cs typeface="Cascadia Code" panose="020B0609020000020004" pitchFamily="49" charset="0"/>
+            </a:endParaRPr>
+          </a:p>
+          <a:p>
+            <a:r>
+              <a:rPr lang="en-US" sz="1000">
+                <a:latin typeface="Cascadia Code" panose="020B0609020000020004" pitchFamily="49" charset="0"/>
+                <a:cs typeface="Cascadia Code" panose="020B0609020000020004" pitchFamily="49" charset="0"/>
+              </a:rPr>
+              <a:t>df.groupBy("Personality").agg(</a:t>
+            </a:r>
+          </a:p>
+          <a:p>
+            <a:r>
+              <a:rPr lang="en-US" sz="1000">
+                <a:latin typeface="Cascadia Code" panose="020B0609020000020004" pitchFamily="49" charset="0"/>
+                <a:cs typeface="Cascadia Code" panose="020B0609020000020004" pitchFamily="49" charset="0"/>
+              </a:rPr>
+              <a:t>    avg("Friends_circle_size").alias("Average_Friend_Group_Size")</a:t>
+            </a:r>
+          </a:p>
+          <a:p>
+            <a:r>
+              <a:rPr lang="en-US" sz="1000">
+                <a:latin typeface="Cascadia Code" panose="020B0609020000020004" pitchFamily="49" charset="0"/>
+                <a:cs typeface="Cascadia Code" panose="020B0609020000020004" pitchFamily="49" charset="0"/>
+              </a:rPr>
+              <a:t>).show()</a:t>
+            </a:r>
+          </a:p>
+          <a:p>
+            <a:endParaRPr lang="en-US" sz="1000" dirty="0">
+              <a:latin typeface="Cascadia Code" panose="020B0609020000020004" pitchFamily="49" charset="0"/>
+              <a:cs typeface="Cascadia Code" panose="020B0609020000020004" pitchFamily="49" charset="0"/>
+            </a:endParaRPr>
+          </a:p>
+        </p:txBody>
+      </p:sp>
+      <p:pic>
+        <p:nvPicPr>
+          <p:cNvPr id="7" name="Picture 6" descr="A screenshot of a graph&#10;&#10;AI-generated content may be incorrect.">
+            <a:extLst>
+              <a:ext uri="{FF2B5EF4-FFF2-40B4-BE49-F238E27FC236}">
+                <a16:creationId xmlns:a16="http://schemas.microsoft.com/office/drawing/2014/main" id="{4F4A7A15-2493-C9EB-9F65-5A05719CE10C}"/>
+              </a:ext>
+            </a:extLst>
+          </p:cNvPr>
+          <p:cNvPicPr>
+            <a:picLocks noChangeAspect="1"/>
+          </p:cNvPicPr>
+          <p:nvPr/>
+        </p:nvPicPr>
+        <p:blipFill>
+          <a:blip r:embed="rId2"/>
+          <a:stretch>
+            <a:fillRect/>
+          </a:stretch>
+        </p:blipFill>
+        <p:spPr>
+          <a:xfrm>
+            <a:off x="423863" y="1524000"/>
+            <a:ext cx="7741890" cy="2600131"/>
+          </a:xfrm>
+          <a:prstGeom prst="rect">
+            <a:avLst/>
+          </a:prstGeom>
+        </p:spPr>
+      </p:pic>
+      <p:sp>
+        <p:nvSpPr>
+          <p:cNvPr id="8" name="TextBox 7">
+            <a:extLst>
+              <a:ext uri="{FF2B5EF4-FFF2-40B4-BE49-F238E27FC236}">
+                <a16:creationId xmlns:a16="http://schemas.microsoft.com/office/drawing/2014/main" id="{2A0B78CA-AE48-5386-7EB9-A3030C8DB84E}"/>
+              </a:ext>
+            </a:extLst>
+          </p:cNvPr>
+          <p:cNvSpPr txBox="1"/>
+          <p:nvPr/>
+        </p:nvSpPr>
+        <p:spPr>
+          <a:xfrm>
+            <a:off x="2098752" y="709127"/>
+            <a:ext cx="7994496" cy="369332"/>
+          </a:xfrm>
+          <a:prstGeom prst="rect">
+            <a:avLst/>
+          </a:prstGeom>
+          <a:noFill/>
+        </p:spPr>
+        <p:txBody>
+          <a:bodyPr wrap="none" rtlCol="0">
+            <a:spAutoFit/>
+          </a:bodyPr>
+          <a:lstStyle/>
+          <a:p>
+            <a:r>
+              <a:rPr lang="en-US" dirty="0">
+                <a:latin typeface="Cascadia Code" panose="020B0609020000020004" pitchFamily="49" charset="0"/>
+                <a:cs typeface="Cascadia Code" panose="020B0609020000020004" pitchFamily="49" charset="0"/>
+              </a:rPr>
+              <a:t>What is the average friend group size per personality type</a:t>
+            </a:r>
+          </a:p>
+        </p:txBody>
+      </p:sp>
+    </p:spTree>
+    <p:extLst>
+      <p:ext uri="{BB962C8B-B14F-4D97-AF65-F5344CB8AC3E}">
+        <p14:creationId xmlns:p14="http://schemas.microsoft.com/office/powerpoint/2010/main" val="2365182060"/>
+      </p:ext>
+    </p:extLst>
+  </p:cSld>
+  <p:clrMapOvr>
+    <a:masterClrMapping/>
+  </p:clrMapOvr>
+</p:sld>
+</file>
+
+<file path=ppt/slides/slide28.xml><?xml version="1.0" encoding="utf-8"?>
+<p:sld xmlns:a="http://schemas.openxmlformats.org/drawingml/2006/main" xmlns:r="http://schemas.openxmlformats.org/officeDocument/2006/relationships" xmlns:p="http://schemas.openxmlformats.org/presentationml/2006/main">
+  <p:cSld>
+    <p:spTree>
+      <p:nvGrpSpPr>
+        <p:cNvPr id="1" name=""/>
+        <p:cNvGrpSpPr/>
+        <p:nvPr/>
+      </p:nvGrpSpPr>
+      <p:grpSpPr>
+        <a:xfrm>
+          <a:off x="0" y="0"/>
+          <a:ext cx="0" cy="0"/>
+          <a:chOff x="0" y="0"/>
+          <a:chExt cx="0" cy="0"/>
+        </a:xfrm>
+      </p:grpSpPr>
+      <p:sp>
+        <p:nvSpPr>
+          <p:cNvPr id="4" name="Slide Number Placeholder 3">
+            <a:extLst>
+              <a:ext uri="{FF2B5EF4-FFF2-40B4-BE49-F238E27FC236}">
+                <a16:creationId xmlns:a16="http://schemas.microsoft.com/office/drawing/2014/main" id="{23EE25B3-5D4B-2749-444A-748AD33DD8D7}"/>
+              </a:ext>
+            </a:extLst>
+          </p:cNvPr>
+          <p:cNvSpPr>
+            <a:spLocks noGrp="1"/>
+          </p:cNvSpPr>
+          <p:nvPr>
+            <p:ph type="sldNum" sz="quarter" idx="12"/>
+          </p:nvPr>
+        </p:nvSpPr>
+        <p:spPr/>
+        <p:txBody>
+          <a:bodyPr/>
+          <a:lstStyle/>
+          <a:p>
+            <a:fld id="{B5CEABB6-07DC-46E8-9B57-56EC44A396E5}" type="slidenum">
+              <a:rPr lang="en-US" smtClean="0"/>
+              <a:pPr/>
+              <a:t>28</a:t>
+            </a:fld>
+            <a:endParaRPr lang="en-US" dirty="0"/>
+          </a:p>
+        </p:txBody>
+      </p:sp>
+      <p:sp>
+        <p:nvSpPr>
+          <p:cNvPr id="5" name="TextBox 4">
+            <a:extLst>
+              <a:ext uri="{FF2B5EF4-FFF2-40B4-BE49-F238E27FC236}">
+                <a16:creationId xmlns:a16="http://schemas.microsoft.com/office/drawing/2014/main" id="{0B2C5704-0092-6A5D-5BA6-C8FB34E57F55}"/>
+              </a:ext>
+            </a:extLst>
+          </p:cNvPr>
+          <p:cNvSpPr txBox="1"/>
+          <p:nvPr/>
+        </p:nvSpPr>
+        <p:spPr>
+          <a:xfrm>
+            <a:off x="264367" y="2628047"/>
+            <a:ext cx="5831633" cy="4093428"/>
+          </a:xfrm>
+          <a:prstGeom prst="rect">
+            <a:avLst/>
+          </a:prstGeom>
+          <a:noFill/>
+        </p:spPr>
+        <p:txBody>
+          <a:bodyPr wrap="square" rtlCol="0">
+            <a:spAutoFit/>
+          </a:bodyPr>
+          <a:lstStyle/>
+          <a:p>
+            <a:r>
+              <a:rPr lang="en-US" sz="1000" dirty="0">
+                <a:latin typeface="Cascadia Code" panose="020B0609020000020004" pitchFamily="49" charset="0"/>
+                <a:cs typeface="Cascadia Code" panose="020B0609020000020004" pitchFamily="49" charset="0"/>
+              </a:rPr>
+              <a:t>%</a:t>
+            </a:r>
+            <a:r>
+              <a:rPr lang="en-US" sz="1000" dirty="0" err="1">
+                <a:latin typeface="Cascadia Code" panose="020B0609020000020004" pitchFamily="49" charset="0"/>
+                <a:cs typeface="Cascadia Code" panose="020B0609020000020004" pitchFamily="49" charset="0"/>
+              </a:rPr>
+              <a:t>sql</a:t>
+            </a:r>
+            <a:endParaRPr lang="en-US" sz="1000" dirty="0">
+              <a:latin typeface="Cascadia Code" panose="020B0609020000020004" pitchFamily="49" charset="0"/>
+              <a:cs typeface="Cascadia Code" panose="020B0609020000020004" pitchFamily="49" charset="0"/>
+            </a:endParaRPr>
+          </a:p>
+          <a:p>
+            <a:r>
+              <a:rPr lang="en-US" sz="1000" dirty="0">
+                <a:latin typeface="Cascadia Code" panose="020B0609020000020004" pitchFamily="49" charset="0"/>
+                <a:cs typeface="Cascadia Code" panose="020B0609020000020004" pitchFamily="49" charset="0"/>
+              </a:rPr>
+              <a:t>SELECT </a:t>
+            </a:r>
+          </a:p>
+          <a:p>
+            <a:r>
+              <a:rPr lang="en-US" sz="1000" dirty="0">
+                <a:latin typeface="Cascadia Code" panose="020B0609020000020004" pitchFamily="49" charset="0"/>
+                <a:cs typeface="Cascadia Code" panose="020B0609020000020004" pitchFamily="49" charset="0"/>
+              </a:rPr>
+              <a:t>    CASE </a:t>
+            </a:r>
+          </a:p>
+          <a:p>
+            <a:r>
+              <a:rPr lang="en-US" sz="1000" dirty="0">
+                <a:latin typeface="Cascadia Code" panose="020B0609020000020004" pitchFamily="49" charset="0"/>
+                <a:cs typeface="Cascadia Code" panose="020B0609020000020004" pitchFamily="49" charset="0"/>
+              </a:rPr>
+              <a:t>        WHEN </a:t>
+            </a:r>
+            <a:r>
+              <a:rPr lang="en-US" sz="1000" dirty="0" err="1">
+                <a:latin typeface="Cascadia Code" panose="020B0609020000020004" pitchFamily="49" charset="0"/>
+                <a:cs typeface="Cascadia Code" panose="020B0609020000020004" pitchFamily="49" charset="0"/>
+              </a:rPr>
+              <a:t>Friends_circle_size</a:t>
+            </a:r>
+            <a:r>
+              <a:rPr lang="en-US" sz="1000" dirty="0">
+                <a:latin typeface="Cascadia Code" panose="020B0609020000020004" pitchFamily="49" charset="0"/>
+                <a:cs typeface="Cascadia Code" panose="020B0609020000020004" pitchFamily="49" charset="0"/>
+              </a:rPr>
+              <a:t> BETWEEN 0 AND 5 THEN '0-5'</a:t>
+            </a:r>
+          </a:p>
+          <a:p>
+            <a:r>
+              <a:rPr lang="en-US" sz="1000" dirty="0">
+                <a:latin typeface="Cascadia Code" panose="020B0609020000020004" pitchFamily="49" charset="0"/>
+                <a:cs typeface="Cascadia Code" panose="020B0609020000020004" pitchFamily="49" charset="0"/>
+              </a:rPr>
+              <a:t>        WHEN </a:t>
+            </a:r>
+            <a:r>
+              <a:rPr lang="en-US" sz="1000" dirty="0" err="1">
+                <a:latin typeface="Cascadia Code" panose="020B0609020000020004" pitchFamily="49" charset="0"/>
+                <a:cs typeface="Cascadia Code" panose="020B0609020000020004" pitchFamily="49" charset="0"/>
+              </a:rPr>
+              <a:t>Friends_circle_size</a:t>
+            </a:r>
+            <a:r>
+              <a:rPr lang="en-US" sz="1000" dirty="0">
+                <a:latin typeface="Cascadia Code" panose="020B0609020000020004" pitchFamily="49" charset="0"/>
+                <a:cs typeface="Cascadia Code" panose="020B0609020000020004" pitchFamily="49" charset="0"/>
+              </a:rPr>
+              <a:t> BETWEEN 6 AND 10 THEN '6-10'</a:t>
+            </a:r>
+          </a:p>
+          <a:p>
+            <a:r>
+              <a:rPr lang="en-US" sz="1000" dirty="0">
+                <a:latin typeface="Cascadia Code" panose="020B0609020000020004" pitchFamily="49" charset="0"/>
+                <a:cs typeface="Cascadia Code" panose="020B0609020000020004" pitchFamily="49" charset="0"/>
+              </a:rPr>
+              <a:t>        WHEN </a:t>
+            </a:r>
+            <a:r>
+              <a:rPr lang="en-US" sz="1000" dirty="0" err="1">
+                <a:latin typeface="Cascadia Code" panose="020B0609020000020004" pitchFamily="49" charset="0"/>
+                <a:cs typeface="Cascadia Code" panose="020B0609020000020004" pitchFamily="49" charset="0"/>
+              </a:rPr>
+              <a:t>Friends_circle_size</a:t>
+            </a:r>
+            <a:r>
+              <a:rPr lang="en-US" sz="1000" dirty="0">
+                <a:latin typeface="Cascadia Code" panose="020B0609020000020004" pitchFamily="49" charset="0"/>
+                <a:cs typeface="Cascadia Code" panose="020B0609020000020004" pitchFamily="49" charset="0"/>
+              </a:rPr>
+              <a:t> BETWEEN 11 AND 15 THEN '11-15'</a:t>
+            </a:r>
+          </a:p>
+          <a:p>
+            <a:r>
+              <a:rPr lang="en-US" sz="1000" dirty="0">
+                <a:latin typeface="Cascadia Code" panose="020B0609020000020004" pitchFamily="49" charset="0"/>
+                <a:cs typeface="Cascadia Code" panose="020B0609020000020004" pitchFamily="49" charset="0"/>
+              </a:rPr>
+              <a:t>        WHEN </a:t>
+            </a:r>
+            <a:r>
+              <a:rPr lang="en-US" sz="1000" dirty="0" err="1">
+                <a:latin typeface="Cascadia Code" panose="020B0609020000020004" pitchFamily="49" charset="0"/>
+                <a:cs typeface="Cascadia Code" panose="020B0609020000020004" pitchFamily="49" charset="0"/>
+              </a:rPr>
+              <a:t>Friends_circle_size</a:t>
+            </a:r>
+            <a:r>
+              <a:rPr lang="en-US" sz="1000" dirty="0">
+                <a:latin typeface="Cascadia Code" panose="020B0609020000020004" pitchFamily="49" charset="0"/>
+                <a:cs typeface="Cascadia Code" panose="020B0609020000020004" pitchFamily="49" charset="0"/>
+              </a:rPr>
+              <a:t> BETWEEN 16 AND 20 THEN '16-20'</a:t>
+            </a:r>
+          </a:p>
+          <a:p>
+            <a:r>
+              <a:rPr lang="en-US" sz="1000" dirty="0">
+                <a:latin typeface="Cascadia Code" panose="020B0609020000020004" pitchFamily="49" charset="0"/>
+                <a:cs typeface="Cascadia Code" panose="020B0609020000020004" pitchFamily="49" charset="0"/>
+              </a:rPr>
+              <a:t>        ELSE 'Unknown'</a:t>
+            </a:r>
+          </a:p>
+          <a:p>
+            <a:r>
+              <a:rPr lang="en-US" sz="1000" dirty="0">
+                <a:latin typeface="Cascadia Code" panose="020B0609020000020004" pitchFamily="49" charset="0"/>
+                <a:cs typeface="Cascadia Code" panose="020B0609020000020004" pitchFamily="49" charset="0"/>
+              </a:rPr>
+              <a:t>    END AS </a:t>
+            </a:r>
+            <a:r>
+              <a:rPr lang="en-US" sz="1000" dirty="0" err="1">
+                <a:latin typeface="Cascadia Code" panose="020B0609020000020004" pitchFamily="49" charset="0"/>
+                <a:cs typeface="Cascadia Code" panose="020B0609020000020004" pitchFamily="49" charset="0"/>
+              </a:rPr>
+              <a:t>size_bin</a:t>
+            </a:r>
+            <a:r>
+              <a:rPr lang="en-US" sz="1000" dirty="0">
+                <a:latin typeface="Cascadia Code" panose="020B0609020000020004" pitchFamily="49" charset="0"/>
+                <a:cs typeface="Cascadia Code" panose="020B0609020000020004" pitchFamily="49" charset="0"/>
+              </a:rPr>
+              <a:t>,</a:t>
+            </a:r>
+          </a:p>
+          <a:p>
+            <a:r>
+              <a:rPr lang="en-US" sz="1000" dirty="0">
+                <a:latin typeface="Cascadia Code" panose="020B0609020000020004" pitchFamily="49" charset="0"/>
+                <a:cs typeface="Cascadia Code" panose="020B0609020000020004" pitchFamily="49" charset="0"/>
+              </a:rPr>
+              <a:t>    COUNT(*) AS </a:t>
+            </a:r>
+            <a:r>
+              <a:rPr lang="en-US" sz="1000" dirty="0" err="1">
+                <a:latin typeface="Cascadia Code" panose="020B0609020000020004" pitchFamily="49" charset="0"/>
+                <a:cs typeface="Cascadia Code" panose="020B0609020000020004" pitchFamily="49" charset="0"/>
+              </a:rPr>
+              <a:t>group_count</a:t>
+            </a:r>
+            <a:r>
+              <a:rPr lang="en-US" sz="1000" dirty="0">
+                <a:latin typeface="Cascadia Code" panose="020B0609020000020004" pitchFamily="49" charset="0"/>
+                <a:cs typeface="Cascadia Code" panose="020B0609020000020004" pitchFamily="49" charset="0"/>
+              </a:rPr>
+              <a:t>,</a:t>
+            </a:r>
+          </a:p>
+          <a:p>
+            <a:r>
+              <a:rPr lang="en-US" sz="1000" dirty="0">
+                <a:latin typeface="Cascadia Code" panose="020B0609020000020004" pitchFamily="49" charset="0"/>
+                <a:cs typeface="Cascadia Code" panose="020B0609020000020004" pitchFamily="49" charset="0"/>
+              </a:rPr>
+              <a:t>    AVG(</a:t>
+            </a:r>
+            <a:r>
+              <a:rPr lang="en-US" sz="1000" dirty="0" err="1">
+                <a:latin typeface="Cascadia Code" panose="020B0609020000020004" pitchFamily="49" charset="0"/>
+                <a:cs typeface="Cascadia Code" panose="020B0609020000020004" pitchFamily="49" charset="0"/>
+              </a:rPr>
+              <a:t>Friends_circle_size</a:t>
+            </a:r>
+            <a:r>
+              <a:rPr lang="en-US" sz="1000" dirty="0">
+                <a:latin typeface="Cascadia Code" panose="020B0609020000020004" pitchFamily="49" charset="0"/>
+                <a:cs typeface="Cascadia Code" panose="020B0609020000020004" pitchFamily="49" charset="0"/>
+              </a:rPr>
+              <a:t>) AS </a:t>
+            </a:r>
+            <a:r>
+              <a:rPr lang="en-US" sz="1000" dirty="0" err="1">
+                <a:latin typeface="Cascadia Code" panose="020B0609020000020004" pitchFamily="49" charset="0"/>
+                <a:cs typeface="Cascadia Code" panose="020B0609020000020004" pitchFamily="49" charset="0"/>
+              </a:rPr>
+              <a:t>Average_Group_Size</a:t>
+            </a:r>
+            <a:endParaRPr lang="en-US" sz="1000" dirty="0">
+              <a:latin typeface="Cascadia Code" panose="020B0609020000020004" pitchFamily="49" charset="0"/>
+              <a:cs typeface="Cascadia Code" panose="020B0609020000020004" pitchFamily="49" charset="0"/>
+            </a:endParaRPr>
+          </a:p>
+          <a:p>
+            <a:r>
+              <a:rPr lang="en-US" sz="1000" dirty="0">
+                <a:latin typeface="Cascadia Code" panose="020B0609020000020004" pitchFamily="49" charset="0"/>
+                <a:cs typeface="Cascadia Code" panose="020B0609020000020004" pitchFamily="49" charset="0"/>
+              </a:rPr>
+              <a:t>FROM </a:t>
+            </a:r>
+          </a:p>
+          <a:p>
+            <a:r>
+              <a:rPr lang="en-US" sz="1000" dirty="0">
+                <a:latin typeface="Cascadia Code" panose="020B0609020000020004" pitchFamily="49" charset="0"/>
+                <a:cs typeface="Cascadia Code" panose="020B0609020000020004" pitchFamily="49" charset="0"/>
+              </a:rPr>
+              <a:t>    </a:t>
+            </a:r>
+            <a:r>
+              <a:rPr lang="en-US" sz="1000" dirty="0" err="1">
+                <a:latin typeface="Cascadia Code" panose="020B0609020000020004" pitchFamily="49" charset="0"/>
+                <a:cs typeface="Cascadia Code" panose="020B0609020000020004" pitchFamily="49" charset="0"/>
+              </a:rPr>
+              <a:t>haky_workspace.default.personality_dataset</a:t>
+            </a:r>
+            <a:endParaRPr lang="en-US" sz="1000" dirty="0">
+              <a:latin typeface="Cascadia Code" panose="020B0609020000020004" pitchFamily="49" charset="0"/>
+              <a:cs typeface="Cascadia Code" panose="020B0609020000020004" pitchFamily="49" charset="0"/>
+            </a:endParaRPr>
+          </a:p>
+          <a:p>
+            <a:r>
+              <a:rPr lang="en-US" sz="1000" dirty="0">
+                <a:latin typeface="Cascadia Code" panose="020B0609020000020004" pitchFamily="49" charset="0"/>
+                <a:cs typeface="Cascadia Code" panose="020B0609020000020004" pitchFamily="49" charset="0"/>
+              </a:rPr>
+              <a:t>WHERE</a:t>
+            </a:r>
+          </a:p>
+          <a:p>
+            <a:r>
+              <a:rPr lang="en-US" sz="1000" dirty="0">
+                <a:latin typeface="Cascadia Code" panose="020B0609020000020004" pitchFamily="49" charset="0"/>
+                <a:cs typeface="Cascadia Code" panose="020B0609020000020004" pitchFamily="49" charset="0"/>
+              </a:rPr>
+              <a:t>    Personality = 'Extrovert'</a:t>
+            </a:r>
+          </a:p>
+          <a:p>
+            <a:r>
+              <a:rPr lang="en-US" sz="1000" dirty="0">
+                <a:latin typeface="Cascadia Code" panose="020B0609020000020004" pitchFamily="49" charset="0"/>
+                <a:cs typeface="Cascadia Code" panose="020B0609020000020004" pitchFamily="49" charset="0"/>
+              </a:rPr>
+              <a:t>GROUP BY </a:t>
+            </a:r>
+          </a:p>
+          <a:p>
+            <a:r>
+              <a:rPr lang="en-US" sz="1000" dirty="0">
+                <a:latin typeface="Cascadia Code" panose="020B0609020000020004" pitchFamily="49" charset="0"/>
+                <a:cs typeface="Cascadia Code" panose="020B0609020000020004" pitchFamily="49" charset="0"/>
+              </a:rPr>
+              <a:t>    </a:t>
+            </a:r>
+            <a:r>
+              <a:rPr lang="en-US" sz="1000" dirty="0" err="1">
+                <a:latin typeface="Cascadia Code" panose="020B0609020000020004" pitchFamily="49" charset="0"/>
+                <a:cs typeface="Cascadia Code" panose="020B0609020000020004" pitchFamily="49" charset="0"/>
+              </a:rPr>
+              <a:t>size_bin</a:t>
+            </a:r>
+            <a:endParaRPr lang="en-US" sz="1000" dirty="0">
+              <a:latin typeface="Cascadia Code" panose="020B0609020000020004" pitchFamily="49" charset="0"/>
+              <a:cs typeface="Cascadia Code" panose="020B0609020000020004" pitchFamily="49" charset="0"/>
+            </a:endParaRPr>
+          </a:p>
+          <a:p>
+            <a:r>
+              <a:rPr lang="en-US" sz="1000" dirty="0">
+                <a:latin typeface="Cascadia Code" panose="020B0609020000020004" pitchFamily="49" charset="0"/>
+                <a:cs typeface="Cascadia Code" panose="020B0609020000020004" pitchFamily="49" charset="0"/>
+              </a:rPr>
+              <a:t>ORDER BY </a:t>
+            </a:r>
+          </a:p>
+          <a:p>
+            <a:r>
+              <a:rPr lang="en-US" sz="1000" dirty="0">
+                <a:latin typeface="Cascadia Code" panose="020B0609020000020004" pitchFamily="49" charset="0"/>
+                <a:cs typeface="Cascadia Code" panose="020B0609020000020004" pitchFamily="49" charset="0"/>
+              </a:rPr>
+              <a:t>    CASE </a:t>
+            </a:r>
+          </a:p>
+          <a:p>
+            <a:r>
+              <a:rPr lang="en-US" sz="1000" dirty="0">
+                <a:latin typeface="Cascadia Code" panose="020B0609020000020004" pitchFamily="49" charset="0"/>
+                <a:cs typeface="Cascadia Code" panose="020B0609020000020004" pitchFamily="49" charset="0"/>
+              </a:rPr>
+              <a:t>        WHEN </a:t>
+            </a:r>
+            <a:r>
+              <a:rPr lang="en-US" sz="1000" dirty="0" err="1">
+                <a:latin typeface="Cascadia Code" panose="020B0609020000020004" pitchFamily="49" charset="0"/>
+                <a:cs typeface="Cascadia Code" panose="020B0609020000020004" pitchFamily="49" charset="0"/>
+              </a:rPr>
+              <a:t>size_bin</a:t>
+            </a:r>
+            <a:r>
+              <a:rPr lang="en-US" sz="1000" dirty="0">
+                <a:latin typeface="Cascadia Code" panose="020B0609020000020004" pitchFamily="49" charset="0"/>
+                <a:cs typeface="Cascadia Code" panose="020B0609020000020004" pitchFamily="49" charset="0"/>
+              </a:rPr>
+              <a:t> = '0-5' THEN 1</a:t>
+            </a:r>
+          </a:p>
+          <a:p>
+            <a:r>
+              <a:rPr lang="en-US" sz="1000" dirty="0">
+                <a:latin typeface="Cascadia Code" panose="020B0609020000020004" pitchFamily="49" charset="0"/>
+                <a:cs typeface="Cascadia Code" panose="020B0609020000020004" pitchFamily="49" charset="0"/>
+              </a:rPr>
+              <a:t>        WHEN </a:t>
+            </a:r>
+            <a:r>
+              <a:rPr lang="en-US" sz="1000" dirty="0" err="1">
+                <a:latin typeface="Cascadia Code" panose="020B0609020000020004" pitchFamily="49" charset="0"/>
+                <a:cs typeface="Cascadia Code" panose="020B0609020000020004" pitchFamily="49" charset="0"/>
+              </a:rPr>
+              <a:t>size_bin</a:t>
+            </a:r>
+            <a:r>
+              <a:rPr lang="en-US" sz="1000" dirty="0">
+                <a:latin typeface="Cascadia Code" panose="020B0609020000020004" pitchFamily="49" charset="0"/>
+                <a:cs typeface="Cascadia Code" panose="020B0609020000020004" pitchFamily="49" charset="0"/>
+              </a:rPr>
+              <a:t> = '6-10' THEN 2</a:t>
+            </a:r>
+          </a:p>
+          <a:p>
+            <a:r>
+              <a:rPr lang="en-US" sz="1000" dirty="0">
+                <a:latin typeface="Cascadia Code" panose="020B0609020000020004" pitchFamily="49" charset="0"/>
+                <a:cs typeface="Cascadia Code" panose="020B0609020000020004" pitchFamily="49" charset="0"/>
+              </a:rPr>
+              <a:t>        WHEN </a:t>
+            </a:r>
+            <a:r>
+              <a:rPr lang="en-US" sz="1000" dirty="0" err="1">
+                <a:latin typeface="Cascadia Code" panose="020B0609020000020004" pitchFamily="49" charset="0"/>
+                <a:cs typeface="Cascadia Code" panose="020B0609020000020004" pitchFamily="49" charset="0"/>
+              </a:rPr>
+              <a:t>size_bin</a:t>
+            </a:r>
+            <a:r>
+              <a:rPr lang="en-US" sz="1000" dirty="0">
+                <a:latin typeface="Cascadia Code" panose="020B0609020000020004" pitchFamily="49" charset="0"/>
+                <a:cs typeface="Cascadia Code" panose="020B0609020000020004" pitchFamily="49" charset="0"/>
+              </a:rPr>
+              <a:t> = '11-15' THEN 3</a:t>
+            </a:r>
+          </a:p>
+          <a:p>
+            <a:r>
+              <a:rPr lang="en-US" sz="1000" dirty="0">
+                <a:latin typeface="Cascadia Code" panose="020B0609020000020004" pitchFamily="49" charset="0"/>
+                <a:cs typeface="Cascadia Code" panose="020B0609020000020004" pitchFamily="49" charset="0"/>
+              </a:rPr>
+              <a:t>        WHEN </a:t>
+            </a:r>
+            <a:r>
+              <a:rPr lang="en-US" sz="1000" dirty="0" err="1">
+                <a:latin typeface="Cascadia Code" panose="020B0609020000020004" pitchFamily="49" charset="0"/>
+                <a:cs typeface="Cascadia Code" panose="020B0609020000020004" pitchFamily="49" charset="0"/>
+              </a:rPr>
+              <a:t>size_bin</a:t>
+            </a:r>
+            <a:r>
+              <a:rPr lang="en-US" sz="1000" dirty="0">
+                <a:latin typeface="Cascadia Code" panose="020B0609020000020004" pitchFamily="49" charset="0"/>
+                <a:cs typeface="Cascadia Code" panose="020B0609020000020004" pitchFamily="49" charset="0"/>
+              </a:rPr>
+              <a:t> = '16-20' THEN 4</a:t>
+            </a:r>
+          </a:p>
+          <a:p>
+            <a:r>
+              <a:rPr lang="en-US" sz="1000" dirty="0">
+                <a:latin typeface="Cascadia Code" panose="020B0609020000020004" pitchFamily="49" charset="0"/>
+                <a:cs typeface="Cascadia Code" panose="020B0609020000020004" pitchFamily="49" charset="0"/>
+              </a:rPr>
+              <a:t>        ELSE 5</a:t>
+            </a:r>
+          </a:p>
+          <a:p>
+            <a:r>
+              <a:rPr lang="en-US" sz="1000" dirty="0">
+                <a:latin typeface="Cascadia Code" panose="020B0609020000020004" pitchFamily="49" charset="0"/>
+                <a:cs typeface="Cascadia Code" panose="020B0609020000020004" pitchFamily="49" charset="0"/>
+              </a:rPr>
+              <a:t>    END</a:t>
+            </a:r>
+          </a:p>
+          <a:p>
+            <a:endParaRPr lang="en-US" sz="1000" dirty="0">
+              <a:latin typeface="Cascadia Code" panose="020B0609020000020004" pitchFamily="49" charset="0"/>
+              <a:cs typeface="Cascadia Code" panose="020B0609020000020004" pitchFamily="49" charset="0"/>
+            </a:endParaRPr>
+          </a:p>
+        </p:txBody>
+      </p:sp>
+      <p:pic>
+        <p:nvPicPr>
+          <p:cNvPr id="7" name="Picture 6" descr="A graph with green and orange lines&#10;&#10;AI-generated content may be incorrect.">
+            <a:extLst>
+              <a:ext uri="{FF2B5EF4-FFF2-40B4-BE49-F238E27FC236}">
+                <a16:creationId xmlns:a16="http://schemas.microsoft.com/office/drawing/2014/main" id="{FDAD9DDD-4C4C-5CCC-20E8-E4E9E68C1F26}"/>
+              </a:ext>
+            </a:extLst>
+          </p:cNvPr>
+          <p:cNvPicPr>
+            <a:picLocks noChangeAspect="1"/>
+          </p:cNvPicPr>
+          <p:nvPr/>
+        </p:nvPicPr>
+        <p:blipFill>
+          <a:blip r:embed="rId2"/>
+          <a:stretch>
+            <a:fillRect/>
+          </a:stretch>
+        </p:blipFill>
+        <p:spPr>
+          <a:xfrm>
+            <a:off x="264368" y="217714"/>
+            <a:ext cx="6668278" cy="2239556"/>
+          </a:xfrm>
+          <a:prstGeom prst="rect">
+            <a:avLst/>
+          </a:prstGeom>
+        </p:spPr>
+      </p:pic>
+      <p:sp>
+        <p:nvSpPr>
+          <p:cNvPr id="8" name="TextBox 7">
+            <a:extLst>
+              <a:ext uri="{FF2B5EF4-FFF2-40B4-BE49-F238E27FC236}">
+                <a16:creationId xmlns:a16="http://schemas.microsoft.com/office/drawing/2014/main" id="{3B5ACBD7-D131-0939-4B57-897E96FF4173}"/>
+              </a:ext>
+            </a:extLst>
+          </p:cNvPr>
+          <p:cNvSpPr txBox="1"/>
+          <p:nvPr/>
+        </p:nvSpPr>
+        <p:spPr>
+          <a:xfrm>
+            <a:off x="6551839" y="5056418"/>
+            <a:ext cx="5498687" cy="646331"/>
+          </a:xfrm>
+          <a:prstGeom prst="rect">
+            <a:avLst/>
+          </a:prstGeom>
+          <a:noFill/>
+        </p:spPr>
+        <p:txBody>
+          <a:bodyPr wrap="square" rtlCol="0">
+            <a:spAutoFit/>
+          </a:bodyPr>
+          <a:lstStyle/>
+          <a:p>
+            <a:r>
+              <a:rPr lang="en-US" dirty="0">
+                <a:latin typeface="Cascadia Code" panose="020B0609020000020004" pitchFamily="49" charset="0"/>
+                <a:cs typeface="Cascadia Code" panose="020B0609020000020004" pitchFamily="49" charset="0"/>
+              </a:rPr>
+              <a:t>What are the most common friend group sizes by for extroverts</a:t>
+            </a:r>
+          </a:p>
+        </p:txBody>
+      </p:sp>
+    </p:spTree>
+    <p:extLst>
+      <p:ext uri="{BB962C8B-B14F-4D97-AF65-F5344CB8AC3E}">
+        <p14:creationId xmlns:p14="http://schemas.microsoft.com/office/powerpoint/2010/main" val="3947282015"/>
+      </p:ext>
+    </p:extLst>
+  </p:cSld>
+  <p:clrMapOvr>
+    <a:masterClrMapping/>
+  </p:clrMapOvr>
+</p:sld>
+</file>
+
+<file path=ppt/slides/slide29.xml><?xml version="1.0" encoding="utf-8"?>
+<p:sld xmlns:a="http://schemas.openxmlformats.org/drawingml/2006/main" xmlns:r="http://schemas.openxmlformats.org/officeDocument/2006/relationships" xmlns:p="http://schemas.openxmlformats.org/presentationml/2006/main">
+  <p:cSld>
+    <p:spTree>
+      <p:nvGrpSpPr>
+        <p:cNvPr id="1" name=""/>
+        <p:cNvGrpSpPr/>
+        <p:nvPr/>
+      </p:nvGrpSpPr>
+      <p:grpSpPr>
+        <a:xfrm>
+          <a:off x="0" y="0"/>
+          <a:ext cx="0" cy="0"/>
+          <a:chOff x="0" y="0"/>
+          <a:chExt cx="0" cy="0"/>
+        </a:xfrm>
+      </p:grpSpPr>
+      <p:sp>
+        <p:nvSpPr>
+          <p:cNvPr id="4" name="Slide Number Placeholder 3">
+            <a:extLst>
+              <a:ext uri="{FF2B5EF4-FFF2-40B4-BE49-F238E27FC236}">
+                <a16:creationId xmlns:a16="http://schemas.microsoft.com/office/drawing/2014/main" id="{864C7983-4374-3B1D-B3F3-0AAA2A42A06A}"/>
+              </a:ext>
+            </a:extLst>
+          </p:cNvPr>
+          <p:cNvSpPr>
+            <a:spLocks noGrp="1"/>
+          </p:cNvSpPr>
+          <p:nvPr>
+            <p:ph type="sldNum" sz="quarter" idx="12"/>
+          </p:nvPr>
+        </p:nvSpPr>
+        <p:spPr/>
+        <p:txBody>
+          <a:bodyPr/>
+          <a:lstStyle/>
+          <a:p>
+            <a:fld id="{B5CEABB6-07DC-46E8-9B57-56EC44A396E5}" type="slidenum">
+              <a:rPr lang="en-US" smtClean="0"/>
+              <a:pPr/>
+              <a:t>29</a:t>
+            </a:fld>
+            <a:endParaRPr lang="en-US" dirty="0"/>
+          </a:p>
+        </p:txBody>
+      </p:sp>
+      <p:sp>
+        <p:nvSpPr>
+          <p:cNvPr id="5" name="TextBox 4">
+            <a:extLst>
+              <a:ext uri="{FF2B5EF4-FFF2-40B4-BE49-F238E27FC236}">
+                <a16:creationId xmlns:a16="http://schemas.microsoft.com/office/drawing/2014/main" id="{039E6042-D376-8B1C-80A2-8DD9BC6EFEA3}"/>
+              </a:ext>
+            </a:extLst>
+          </p:cNvPr>
+          <p:cNvSpPr txBox="1"/>
+          <p:nvPr/>
+        </p:nvSpPr>
+        <p:spPr>
+          <a:xfrm>
+            <a:off x="205274" y="2715208"/>
+            <a:ext cx="5293567" cy="3939540"/>
+          </a:xfrm>
+          <a:prstGeom prst="rect">
+            <a:avLst/>
+          </a:prstGeom>
+          <a:noFill/>
+        </p:spPr>
+        <p:txBody>
+          <a:bodyPr wrap="square" rtlCol="0">
+            <a:spAutoFit/>
+          </a:bodyPr>
+          <a:lstStyle/>
+          <a:p>
+            <a:r>
+              <a:rPr lang="en-US" sz="1000" dirty="0">
+                <a:latin typeface="Cascadia Code" panose="020B0609020000020004" pitchFamily="49" charset="0"/>
+                <a:cs typeface="Cascadia Code" panose="020B0609020000020004" pitchFamily="49" charset="0"/>
+              </a:rPr>
+              <a:t>%</a:t>
+            </a:r>
+            <a:r>
+              <a:rPr lang="en-US" sz="1000" dirty="0" err="1">
+                <a:latin typeface="Cascadia Code" panose="020B0609020000020004" pitchFamily="49" charset="0"/>
+                <a:cs typeface="Cascadia Code" panose="020B0609020000020004" pitchFamily="49" charset="0"/>
+              </a:rPr>
+              <a:t>sql</a:t>
+            </a:r>
+            <a:endParaRPr lang="en-US" sz="1000" dirty="0">
+              <a:latin typeface="Cascadia Code" panose="020B0609020000020004" pitchFamily="49" charset="0"/>
+              <a:cs typeface="Cascadia Code" panose="020B0609020000020004" pitchFamily="49" charset="0"/>
+            </a:endParaRPr>
+          </a:p>
+          <a:p>
+            <a:r>
+              <a:rPr lang="en-US" sz="1000" dirty="0">
+                <a:latin typeface="Cascadia Code" panose="020B0609020000020004" pitchFamily="49" charset="0"/>
+                <a:cs typeface="Cascadia Code" panose="020B0609020000020004" pitchFamily="49" charset="0"/>
+              </a:rPr>
+              <a:t>SELECT </a:t>
+            </a:r>
+          </a:p>
+          <a:p>
+            <a:r>
+              <a:rPr lang="en-US" sz="1000" dirty="0">
+                <a:latin typeface="Cascadia Code" panose="020B0609020000020004" pitchFamily="49" charset="0"/>
+                <a:cs typeface="Cascadia Code" panose="020B0609020000020004" pitchFamily="49" charset="0"/>
+              </a:rPr>
+              <a:t>    CASE </a:t>
+            </a:r>
+          </a:p>
+          <a:p>
+            <a:r>
+              <a:rPr lang="en-US" sz="1000" dirty="0">
+                <a:latin typeface="Cascadia Code" panose="020B0609020000020004" pitchFamily="49" charset="0"/>
+                <a:cs typeface="Cascadia Code" panose="020B0609020000020004" pitchFamily="49" charset="0"/>
+              </a:rPr>
+              <a:t>        WHEN </a:t>
+            </a:r>
+            <a:r>
+              <a:rPr lang="en-US" sz="1000" dirty="0" err="1">
+                <a:latin typeface="Cascadia Code" panose="020B0609020000020004" pitchFamily="49" charset="0"/>
+                <a:cs typeface="Cascadia Code" panose="020B0609020000020004" pitchFamily="49" charset="0"/>
+              </a:rPr>
+              <a:t>Friends_circle_size</a:t>
+            </a:r>
+            <a:r>
+              <a:rPr lang="en-US" sz="1000" dirty="0">
+                <a:latin typeface="Cascadia Code" panose="020B0609020000020004" pitchFamily="49" charset="0"/>
+                <a:cs typeface="Cascadia Code" panose="020B0609020000020004" pitchFamily="49" charset="0"/>
+              </a:rPr>
+              <a:t> BETWEEN 0 AND 5 THEN '0-5'</a:t>
+            </a:r>
+          </a:p>
+          <a:p>
+            <a:r>
+              <a:rPr lang="en-US" sz="1000" dirty="0">
+                <a:latin typeface="Cascadia Code" panose="020B0609020000020004" pitchFamily="49" charset="0"/>
+                <a:cs typeface="Cascadia Code" panose="020B0609020000020004" pitchFamily="49" charset="0"/>
+              </a:rPr>
+              <a:t>        WHEN </a:t>
+            </a:r>
+            <a:r>
+              <a:rPr lang="en-US" sz="1000" dirty="0" err="1">
+                <a:latin typeface="Cascadia Code" panose="020B0609020000020004" pitchFamily="49" charset="0"/>
+                <a:cs typeface="Cascadia Code" panose="020B0609020000020004" pitchFamily="49" charset="0"/>
+              </a:rPr>
+              <a:t>Friends_circle_size</a:t>
+            </a:r>
+            <a:r>
+              <a:rPr lang="en-US" sz="1000" dirty="0">
+                <a:latin typeface="Cascadia Code" panose="020B0609020000020004" pitchFamily="49" charset="0"/>
+                <a:cs typeface="Cascadia Code" panose="020B0609020000020004" pitchFamily="49" charset="0"/>
+              </a:rPr>
+              <a:t> BETWEEN 6 AND 10 THEN '6-10'</a:t>
+            </a:r>
+          </a:p>
+          <a:p>
+            <a:r>
+              <a:rPr lang="en-US" sz="1000" dirty="0">
+                <a:latin typeface="Cascadia Code" panose="020B0609020000020004" pitchFamily="49" charset="0"/>
+                <a:cs typeface="Cascadia Code" panose="020B0609020000020004" pitchFamily="49" charset="0"/>
+              </a:rPr>
+              <a:t>        WHEN </a:t>
+            </a:r>
+            <a:r>
+              <a:rPr lang="en-US" sz="1000" dirty="0" err="1">
+                <a:latin typeface="Cascadia Code" panose="020B0609020000020004" pitchFamily="49" charset="0"/>
+                <a:cs typeface="Cascadia Code" panose="020B0609020000020004" pitchFamily="49" charset="0"/>
+              </a:rPr>
+              <a:t>Friends_circle_size</a:t>
+            </a:r>
+            <a:r>
+              <a:rPr lang="en-US" sz="1000" dirty="0">
+                <a:latin typeface="Cascadia Code" panose="020B0609020000020004" pitchFamily="49" charset="0"/>
+                <a:cs typeface="Cascadia Code" panose="020B0609020000020004" pitchFamily="49" charset="0"/>
+              </a:rPr>
+              <a:t> BETWEEN 11 AND 15 THEN '11-15'</a:t>
+            </a:r>
+          </a:p>
+          <a:p>
+            <a:r>
+              <a:rPr lang="en-US" sz="1000" dirty="0">
+                <a:latin typeface="Cascadia Code" panose="020B0609020000020004" pitchFamily="49" charset="0"/>
+                <a:cs typeface="Cascadia Code" panose="020B0609020000020004" pitchFamily="49" charset="0"/>
+              </a:rPr>
+              <a:t>        WHEN </a:t>
+            </a:r>
+            <a:r>
+              <a:rPr lang="en-US" sz="1000" dirty="0" err="1">
+                <a:latin typeface="Cascadia Code" panose="020B0609020000020004" pitchFamily="49" charset="0"/>
+                <a:cs typeface="Cascadia Code" panose="020B0609020000020004" pitchFamily="49" charset="0"/>
+              </a:rPr>
+              <a:t>Friends_circle_size</a:t>
+            </a:r>
+            <a:r>
+              <a:rPr lang="en-US" sz="1000" dirty="0">
+                <a:latin typeface="Cascadia Code" panose="020B0609020000020004" pitchFamily="49" charset="0"/>
+                <a:cs typeface="Cascadia Code" panose="020B0609020000020004" pitchFamily="49" charset="0"/>
+              </a:rPr>
+              <a:t> BETWEEN 16 AND 20 THEN '16-20'</a:t>
+            </a:r>
+          </a:p>
+          <a:p>
+            <a:r>
+              <a:rPr lang="en-US" sz="1000" dirty="0">
+                <a:latin typeface="Cascadia Code" panose="020B0609020000020004" pitchFamily="49" charset="0"/>
+                <a:cs typeface="Cascadia Code" panose="020B0609020000020004" pitchFamily="49" charset="0"/>
+              </a:rPr>
+              <a:t>        ELSE 'Unknown'</a:t>
+            </a:r>
+          </a:p>
+          <a:p>
+            <a:r>
+              <a:rPr lang="en-US" sz="1000" dirty="0">
+                <a:latin typeface="Cascadia Code" panose="020B0609020000020004" pitchFamily="49" charset="0"/>
+                <a:cs typeface="Cascadia Code" panose="020B0609020000020004" pitchFamily="49" charset="0"/>
+              </a:rPr>
+              <a:t>    END AS </a:t>
+            </a:r>
+            <a:r>
+              <a:rPr lang="en-US" sz="1000" dirty="0" err="1">
+                <a:latin typeface="Cascadia Code" panose="020B0609020000020004" pitchFamily="49" charset="0"/>
+                <a:cs typeface="Cascadia Code" panose="020B0609020000020004" pitchFamily="49" charset="0"/>
+              </a:rPr>
+              <a:t>size_bin</a:t>
+            </a:r>
+            <a:r>
+              <a:rPr lang="en-US" sz="1000" dirty="0">
+                <a:latin typeface="Cascadia Code" panose="020B0609020000020004" pitchFamily="49" charset="0"/>
+                <a:cs typeface="Cascadia Code" panose="020B0609020000020004" pitchFamily="49" charset="0"/>
+              </a:rPr>
+              <a:t>,</a:t>
+            </a:r>
+          </a:p>
+          <a:p>
+            <a:r>
+              <a:rPr lang="en-US" sz="1000" dirty="0">
+                <a:latin typeface="Cascadia Code" panose="020B0609020000020004" pitchFamily="49" charset="0"/>
+                <a:cs typeface="Cascadia Code" panose="020B0609020000020004" pitchFamily="49" charset="0"/>
+              </a:rPr>
+              <a:t>    COUNT(*) AS </a:t>
+            </a:r>
+            <a:r>
+              <a:rPr lang="en-US" sz="1000" dirty="0" err="1">
+                <a:latin typeface="Cascadia Code" panose="020B0609020000020004" pitchFamily="49" charset="0"/>
+                <a:cs typeface="Cascadia Code" panose="020B0609020000020004" pitchFamily="49" charset="0"/>
+              </a:rPr>
+              <a:t>group_count</a:t>
+            </a:r>
+            <a:r>
+              <a:rPr lang="en-US" sz="1000" dirty="0">
+                <a:latin typeface="Cascadia Code" panose="020B0609020000020004" pitchFamily="49" charset="0"/>
+                <a:cs typeface="Cascadia Code" panose="020B0609020000020004" pitchFamily="49" charset="0"/>
+              </a:rPr>
+              <a:t>,</a:t>
+            </a:r>
+          </a:p>
+          <a:p>
+            <a:r>
+              <a:rPr lang="en-US" sz="1000" dirty="0">
+                <a:latin typeface="Cascadia Code" panose="020B0609020000020004" pitchFamily="49" charset="0"/>
+                <a:cs typeface="Cascadia Code" panose="020B0609020000020004" pitchFamily="49" charset="0"/>
+              </a:rPr>
+              <a:t>    AVG(</a:t>
+            </a:r>
+            <a:r>
+              <a:rPr lang="en-US" sz="1000" dirty="0" err="1">
+                <a:latin typeface="Cascadia Code" panose="020B0609020000020004" pitchFamily="49" charset="0"/>
+                <a:cs typeface="Cascadia Code" panose="020B0609020000020004" pitchFamily="49" charset="0"/>
+              </a:rPr>
+              <a:t>Friends_circle_size</a:t>
+            </a:r>
+            <a:r>
+              <a:rPr lang="en-US" sz="1000" dirty="0">
+                <a:latin typeface="Cascadia Code" panose="020B0609020000020004" pitchFamily="49" charset="0"/>
+                <a:cs typeface="Cascadia Code" panose="020B0609020000020004" pitchFamily="49" charset="0"/>
+              </a:rPr>
+              <a:t>) AS </a:t>
+            </a:r>
+            <a:r>
+              <a:rPr lang="en-US" sz="1000" dirty="0" err="1">
+                <a:latin typeface="Cascadia Code" panose="020B0609020000020004" pitchFamily="49" charset="0"/>
+                <a:cs typeface="Cascadia Code" panose="020B0609020000020004" pitchFamily="49" charset="0"/>
+              </a:rPr>
+              <a:t>Average_Group_Size</a:t>
+            </a:r>
+            <a:endParaRPr lang="en-US" sz="1000" dirty="0">
+              <a:latin typeface="Cascadia Code" panose="020B0609020000020004" pitchFamily="49" charset="0"/>
+              <a:cs typeface="Cascadia Code" panose="020B0609020000020004" pitchFamily="49" charset="0"/>
+            </a:endParaRPr>
+          </a:p>
+          <a:p>
+            <a:r>
+              <a:rPr lang="en-US" sz="1000" dirty="0">
+                <a:latin typeface="Cascadia Code" panose="020B0609020000020004" pitchFamily="49" charset="0"/>
+                <a:cs typeface="Cascadia Code" panose="020B0609020000020004" pitchFamily="49" charset="0"/>
+              </a:rPr>
+              <a:t>FROM </a:t>
+            </a:r>
+          </a:p>
+          <a:p>
+            <a:r>
+              <a:rPr lang="en-US" sz="1000" dirty="0">
+                <a:latin typeface="Cascadia Code" panose="020B0609020000020004" pitchFamily="49" charset="0"/>
+                <a:cs typeface="Cascadia Code" panose="020B0609020000020004" pitchFamily="49" charset="0"/>
+              </a:rPr>
+              <a:t>    </a:t>
+            </a:r>
+            <a:r>
+              <a:rPr lang="en-US" sz="1000" dirty="0" err="1">
+                <a:latin typeface="Cascadia Code" panose="020B0609020000020004" pitchFamily="49" charset="0"/>
+                <a:cs typeface="Cascadia Code" panose="020B0609020000020004" pitchFamily="49" charset="0"/>
+              </a:rPr>
+              <a:t>haky_workspace.default.personality_dataset</a:t>
+            </a:r>
+            <a:endParaRPr lang="en-US" sz="1000" dirty="0">
+              <a:latin typeface="Cascadia Code" panose="020B0609020000020004" pitchFamily="49" charset="0"/>
+              <a:cs typeface="Cascadia Code" panose="020B0609020000020004" pitchFamily="49" charset="0"/>
+            </a:endParaRPr>
+          </a:p>
+          <a:p>
+            <a:r>
+              <a:rPr lang="en-US" sz="1000" dirty="0">
+                <a:latin typeface="Cascadia Code" panose="020B0609020000020004" pitchFamily="49" charset="0"/>
+                <a:cs typeface="Cascadia Code" panose="020B0609020000020004" pitchFamily="49" charset="0"/>
+              </a:rPr>
+              <a:t>WHERE</a:t>
+            </a:r>
+          </a:p>
+          <a:p>
+            <a:r>
+              <a:rPr lang="en-US" sz="1000" dirty="0">
+                <a:latin typeface="Cascadia Code" panose="020B0609020000020004" pitchFamily="49" charset="0"/>
+                <a:cs typeface="Cascadia Code" panose="020B0609020000020004" pitchFamily="49" charset="0"/>
+              </a:rPr>
+              <a:t>    Personality = 'Introvert'</a:t>
+            </a:r>
+          </a:p>
+          <a:p>
+            <a:r>
+              <a:rPr lang="en-US" sz="1000" dirty="0">
+                <a:latin typeface="Cascadia Code" panose="020B0609020000020004" pitchFamily="49" charset="0"/>
+                <a:cs typeface="Cascadia Code" panose="020B0609020000020004" pitchFamily="49" charset="0"/>
+              </a:rPr>
+              <a:t>GROUP BY </a:t>
+            </a:r>
+          </a:p>
+          <a:p>
+            <a:r>
+              <a:rPr lang="en-US" sz="1000" dirty="0">
+                <a:latin typeface="Cascadia Code" panose="020B0609020000020004" pitchFamily="49" charset="0"/>
+                <a:cs typeface="Cascadia Code" panose="020B0609020000020004" pitchFamily="49" charset="0"/>
+              </a:rPr>
+              <a:t>    </a:t>
+            </a:r>
+            <a:r>
+              <a:rPr lang="en-US" sz="1000" dirty="0" err="1">
+                <a:latin typeface="Cascadia Code" panose="020B0609020000020004" pitchFamily="49" charset="0"/>
+                <a:cs typeface="Cascadia Code" panose="020B0609020000020004" pitchFamily="49" charset="0"/>
+              </a:rPr>
+              <a:t>size_bin</a:t>
+            </a:r>
+            <a:endParaRPr lang="en-US" sz="1000" dirty="0">
+              <a:latin typeface="Cascadia Code" panose="020B0609020000020004" pitchFamily="49" charset="0"/>
+              <a:cs typeface="Cascadia Code" panose="020B0609020000020004" pitchFamily="49" charset="0"/>
+            </a:endParaRPr>
+          </a:p>
+          <a:p>
+            <a:r>
+              <a:rPr lang="en-US" sz="1000" dirty="0">
+                <a:latin typeface="Cascadia Code" panose="020B0609020000020004" pitchFamily="49" charset="0"/>
+                <a:cs typeface="Cascadia Code" panose="020B0609020000020004" pitchFamily="49" charset="0"/>
+              </a:rPr>
+              <a:t>ORDER BY </a:t>
+            </a:r>
+          </a:p>
+          <a:p>
+            <a:r>
+              <a:rPr lang="en-US" sz="1000" dirty="0">
+                <a:latin typeface="Cascadia Code" panose="020B0609020000020004" pitchFamily="49" charset="0"/>
+                <a:cs typeface="Cascadia Code" panose="020B0609020000020004" pitchFamily="49" charset="0"/>
+              </a:rPr>
+              <a:t>    CASE </a:t>
+            </a:r>
+          </a:p>
+          <a:p>
+            <a:r>
+              <a:rPr lang="en-US" sz="1000" dirty="0">
+                <a:latin typeface="Cascadia Code" panose="020B0609020000020004" pitchFamily="49" charset="0"/>
+                <a:cs typeface="Cascadia Code" panose="020B0609020000020004" pitchFamily="49" charset="0"/>
+              </a:rPr>
+              <a:t>        WHEN </a:t>
+            </a:r>
+            <a:r>
+              <a:rPr lang="en-US" sz="1000" dirty="0" err="1">
+                <a:latin typeface="Cascadia Code" panose="020B0609020000020004" pitchFamily="49" charset="0"/>
+                <a:cs typeface="Cascadia Code" panose="020B0609020000020004" pitchFamily="49" charset="0"/>
+              </a:rPr>
+              <a:t>size_bin</a:t>
+            </a:r>
+            <a:r>
+              <a:rPr lang="en-US" sz="1000" dirty="0">
+                <a:latin typeface="Cascadia Code" panose="020B0609020000020004" pitchFamily="49" charset="0"/>
+                <a:cs typeface="Cascadia Code" panose="020B0609020000020004" pitchFamily="49" charset="0"/>
+              </a:rPr>
+              <a:t> = '0-5' THEN 1</a:t>
+            </a:r>
+          </a:p>
+          <a:p>
+            <a:r>
+              <a:rPr lang="en-US" sz="1000" dirty="0">
+                <a:latin typeface="Cascadia Code" panose="020B0609020000020004" pitchFamily="49" charset="0"/>
+                <a:cs typeface="Cascadia Code" panose="020B0609020000020004" pitchFamily="49" charset="0"/>
+              </a:rPr>
+              <a:t>        WHEN </a:t>
+            </a:r>
+            <a:r>
+              <a:rPr lang="en-US" sz="1000" dirty="0" err="1">
+                <a:latin typeface="Cascadia Code" panose="020B0609020000020004" pitchFamily="49" charset="0"/>
+                <a:cs typeface="Cascadia Code" panose="020B0609020000020004" pitchFamily="49" charset="0"/>
+              </a:rPr>
+              <a:t>size_bin</a:t>
+            </a:r>
+            <a:r>
+              <a:rPr lang="en-US" sz="1000" dirty="0">
+                <a:latin typeface="Cascadia Code" panose="020B0609020000020004" pitchFamily="49" charset="0"/>
+                <a:cs typeface="Cascadia Code" panose="020B0609020000020004" pitchFamily="49" charset="0"/>
+              </a:rPr>
+              <a:t> = '6-10' THEN 2</a:t>
+            </a:r>
+          </a:p>
+          <a:p>
+            <a:r>
+              <a:rPr lang="en-US" sz="1000" dirty="0">
+                <a:latin typeface="Cascadia Code" panose="020B0609020000020004" pitchFamily="49" charset="0"/>
+                <a:cs typeface="Cascadia Code" panose="020B0609020000020004" pitchFamily="49" charset="0"/>
+              </a:rPr>
+              <a:t>        WHEN </a:t>
+            </a:r>
+            <a:r>
+              <a:rPr lang="en-US" sz="1000" dirty="0" err="1">
+                <a:latin typeface="Cascadia Code" panose="020B0609020000020004" pitchFamily="49" charset="0"/>
+                <a:cs typeface="Cascadia Code" panose="020B0609020000020004" pitchFamily="49" charset="0"/>
+              </a:rPr>
+              <a:t>size_bin</a:t>
+            </a:r>
+            <a:r>
+              <a:rPr lang="en-US" sz="1000" dirty="0">
+                <a:latin typeface="Cascadia Code" panose="020B0609020000020004" pitchFamily="49" charset="0"/>
+                <a:cs typeface="Cascadia Code" panose="020B0609020000020004" pitchFamily="49" charset="0"/>
+              </a:rPr>
+              <a:t> = '11-15' THEN 3</a:t>
+            </a:r>
+          </a:p>
+          <a:p>
+            <a:r>
+              <a:rPr lang="en-US" sz="1000" dirty="0">
+                <a:latin typeface="Cascadia Code" panose="020B0609020000020004" pitchFamily="49" charset="0"/>
+                <a:cs typeface="Cascadia Code" panose="020B0609020000020004" pitchFamily="49" charset="0"/>
+              </a:rPr>
+              <a:t>        WHEN </a:t>
+            </a:r>
+            <a:r>
+              <a:rPr lang="en-US" sz="1000" dirty="0" err="1">
+                <a:latin typeface="Cascadia Code" panose="020B0609020000020004" pitchFamily="49" charset="0"/>
+                <a:cs typeface="Cascadia Code" panose="020B0609020000020004" pitchFamily="49" charset="0"/>
+              </a:rPr>
+              <a:t>size_bin</a:t>
+            </a:r>
+            <a:r>
+              <a:rPr lang="en-US" sz="1000" dirty="0">
+                <a:latin typeface="Cascadia Code" panose="020B0609020000020004" pitchFamily="49" charset="0"/>
+                <a:cs typeface="Cascadia Code" panose="020B0609020000020004" pitchFamily="49" charset="0"/>
+              </a:rPr>
+              <a:t> = '16-20' THEN 4</a:t>
+            </a:r>
+          </a:p>
+          <a:p>
+            <a:r>
+              <a:rPr lang="en-US" sz="1000" dirty="0">
+                <a:latin typeface="Cascadia Code" panose="020B0609020000020004" pitchFamily="49" charset="0"/>
+                <a:cs typeface="Cascadia Code" panose="020B0609020000020004" pitchFamily="49" charset="0"/>
+              </a:rPr>
+              <a:t>        ELSE 5</a:t>
+            </a:r>
+          </a:p>
+          <a:p>
+            <a:r>
+              <a:rPr lang="en-US" sz="1000" dirty="0">
+                <a:latin typeface="Cascadia Code" panose="020B0609020000020004" pitchFamily="49" charset="0"/>
+                <a:cs typeface="Cascadia Code" panose="020B0609020000020004" pitchFamily="49" charset="0"/>
+              </a:rPr>
+              <a:t>    END</a:t>
+            </a:r>
+          </a:p>
+        </p:txBody>
+      </p:sp>
+      <p:pic>
+        <p:nvPicPr>
+          <p:cNvPr id="7" name="Picture 6" descr="A graph with a line and a number of people&#10;&#10;AI-generated content may be incorrect.">
+            <a:extLst>
+              <a:ext uri="{FF2B5EF4-FFF2-40B4-BE49-F238E27FC236}">
+                <a16:creationId xmlns:a16="http://schemas.microsoft.com/office/drawing/2014/main" id="{AD4C4146-3A49-DA7A-B28A-237FFF8010B8}"/>
+              </a:ext>
+            </a:extLst>
+          </p:cNvPr>
+          <p:cNvPicPr>
+            <a:picLocks noChangeAspect="1"/>
+          </p:cNvPicPr>
+          <p:nvPr/>
+        </p:nvPicPr>
+        <p:blipFill>
+          <a:blip r:embed="rId2"/>
+          <a:stretch>
+            <a:fillRect/>
+          </a:stretch>
+        </p:blipFill>
+        <p:spPr>
+          <a:xfrm>
+            <a:off x="205274" y="203252"/>
+            <a:ext cx="7436288" cy="2497494"/>
+          </a:xfrm>
+          <a:prstGeom prst="rect">
+            <a:avLst/>
+          </a:prstGeom>
+        </p:spPr>
+      </p:pic>
+      <p:sp>
+        <p:nvSpPr>
+          <p:cNvPr id="9" name="TextBox 8">
+            <a:extLst>
+              <a:ext uri="{FF2B5EF4-FFF2-40B4-BE49-F238E27FC236}">
+                <a16:creationId xmlns:a16="http://schemas.microsoft.com/office/drawing/2014/main" id="{2C6BF235-DD41-19D4-5D20-6408A4BA5767}"/>
+              </a:ext>
+            </a:extLst>
+          </p:cNvPr>
+          <p:cNvSpPr txBox="1"/>
+          <p:nvPr/>
+        </p:nvSpPr>
+        <p:spPr>
+          <a:xfrm>
+            <a:off x="6613071" y="4612044"/>
+            <a:ext cx="4493079" cy="923330"/>
+          </a:xfrm>
+          <a:prstGeom prst="rect">
+            <a:avLst/>
+          </a:prstGeom>
+          <a:noFill/>
+        </p:spPr>
+        <p:txBody>
+          <a:bodyPr wrap="square" rtlCol="0">
+            <a:spAutoFit/>
+          </a:bodyPr>
+          <a:lstStyle/>
+          <a:p>
+            <a:r>
+              <a:rPr lang="en-US" dirty="0">
+                <a:latin typeface="Cascadia Code" panose="020B0609020000020004" pitchFamily="49" charset="0"/>
+                <a:cs typeface="Cascadia Code" panose="020B0609020000020004" pitchFamily="49" charset="0"/>
+              </a:rPr>
+              <a:t>What are the most common friend group sizes by for introverts</a:t>
+            </a:r>
+          </a:p>
+          <a:p>
+            <a:endParaRPr lang="en-US" dirty="0"/>
+          </a:p>
+        </p:txBody>
+      </p:sp>
+    </p:spTree>
+    <p:extLst>
+      <p:ext uri="{BB962C8B-B14F-4D97-AF65-F5344CB8AC3E}">
+        <p14:creationId xmlns:p14="http://schemas.microsoft.com/office/powerpoint/2010/main" val="3663587482"/>
       </p:ext>
     </p:extLst>
   </p:cSld>
@@ -24162,6 +26265,2681 @@
     <p:extLst>
       <p:ext uri="{BB962C8B-B14F-4D97-AF65-F5344CB8AC3E}">
         <p14:creationId xmlns:p14="http://schemas.microsoft.com/office/powerpoint/2010/main" val="707789176"/>
+      </p:ext>
+    </p:extLst>
+  </p:cSld>
+  <p:clrMapOvr>
+    <a:masterClrMapping/>
+  </p:clrMapOvr>
+</p:sld>
+</file>
+
+<file path=ppt/slides/slide30.xml><?xml version="1.0" encoding="utf-8"?>
+<p:sld xmlns:a="http://schemas.openxmlformats.org/drawingml/2006/main" xmlns:r="http://schemas.openxmlformats.org/officeDocument/2006/relationships" xmlns:p="http://schemas.openxmlformats.org/presentationml/2006/main">
+  <p:cSld>
+    <p:spTree>
+      <p:nvGrpSpPr>
+        <p:cNvPr id="1" name="">
+          <a:extLst>
+            <a:ext uri="{FF2B5EF4-FFF2-40B4-BE49-F238E27FC236}">
+              <a16:creationId xmlns:a16="http://schemas.microsoft.com/office/drawing/2014/main" id="{022E5296-B38B-4773-42B2-CDDE09FF3284}"/>
+            </a:ext>
+          </a:extLst>
+        </p:cNvPr>
+        <p:cNvGrpSpPr/>
+        <p:nvPr/>
+      </p:nvGrpSpPr>
+      <p:grpSpPr>
+        <a:xfrm>
+          <a:off x="0" y="0"/>
+          <a:ext cx="0" cy="0"/>
+          <a:chOff x="0" y="0"/>
+          <a:chExt cx="0" cy="0"/>
+        </a:xfrm>
+      </p:grpSpPr>
+      <p:sp>
+        <p:nvSpPr>
+          <p:cNvPr id="4" name="Slide Number Placeholder 3">
+            <a:extLst>
+              <a:ext uri="{FF2B5EF4-FFF2-40B4-BE49-F238E27FC236}">
+                <a16:creationId xmlns:a16="http://schemas.microsoft.com/office/drawing/2014/main" id="{E1058B9E-29B3-6F4F-063A-CE8938205E1D}"/>
+              </a:ext>
+            </a:extLst>
+          </p:cNvPr>
+          <p:cNvSpPr>
+            <a:spLocks noGrp="1"/>
+          </p:cNvSpPr>
+          <p:nvPr>
+            <p:ph type="sldNum" sz="quarter" idx="12"/>
+          </p:nvPr>
+        </p:nvSpPr>
+        <p:spPr/>
+        <p:txBody>
+          <a:bodyPr/>
+          <a:lstStyle/>
+          <a:p>
+            <a:fld id="{B5CEABB6-07DC-46E8-9B57-56EC44A396E5}" type="slidenum">
+              <a:rPr lang="en-US" smtClean="0"/>
+              <a:pPr/>
+              <a:t>30</a:t>
+            </a:fld>
+            <a:endParaRPr lang="en-US" dirty="0"/>
+          </a:p>
+        </p:txBody>
+      </p:sp>
+      <p:sp>
+        <p:nvSpPr>
+          <p:cNvPr id="2" name="TextBox 1">
+            <a:extLst>
+              <a:ext uri="{FF2B5EF4-FFF2-40B4-BE49-F238E27FC236}">
+                <a16:creationId xmlns:a16="http://schemas.microsoft.com/office/drawing/2014/main" id="{D3F841C5-3257-24D1-1BCD-BC30EE2627F7}"/>
+              </a:ext>
+            </a:extLst>
+          </p:cNvPr>
+          <p:cNvSpPr txBox="1"/>
+          <p:nvPr/>
+        </p:nvSpPr>
+        <p:spPr>
+          <a:xfrm>
+            <a:off x="251926" y="4138255"/>
+            <a:ext cx="5337111" cy="2400657"/>
+          </a:xfrm>
+          <a:prstGeom prst="rect">
+            <a:avLst/>
+          </a:prstGeom>
+          <a:noFill/>
+        </p:spPr>
+        <p:txBody>
+          <a:bodyPr wrap="square" rtlCol="0">
+            <a:spAutoFit/>
+          </a:bodyPr>
+          <a:lstStyle/>
+          <a:p>
+            <a:r>
+              <a:rPr lang="en-US" sz="1000" dirty="0">
+                <a:latin typeface="Cascadia Code" panose="020B0609020000020004" pitchFamily="49" charset="0"/>
+                <a:cs typeface="Cascadia Code" panose="020B0609020000020004" pitchFamily="49" charset="0"/>
+              </a:rPr>
+              <a:t>SELECT Personality, CORR(</a:t>
+            </a:r>
+            <a:r>
+              <a:rPr lang="en-US" sz="1000" dirty="0" err="1">
+                <a:latin typeface="Cascadia Code" panose="020B0609020000020004" pitchFamily="49" charset="0"/>
+                <a:cs typeface="Cascadia Code" panose="020B0609020000020004" pitchFamily="49" charset="0"/>
+              </a:rPr>
+              <a:t>Post_frequency</a:t>
+            </a:r>
+            <a:r>
+              <a:rPr lang="en-US" sz="1000" dirty="0">
+                <a:latin typeface="Cascadia Code" panose="020B0609020000020004" pitchFamily="49" charset="0"/>
+                <a:cs typeface="Cascadia Code" panose="020B0609020000020004" pitchFamily="49" charset="0"/>
+              </a:rPr>
+              <a:t>, </a:t>
+            </a:r>
+            <a:r>
+              <a:rPr lang="en-US" sz="1000" dirty="0" err="1">
+                <a:latin typeface="Cascadia Code" panose="020B0609020000020004" pitchFamily="49" charset="0"/>
+                <a:cs typeface="Cascadia Code" panose="020B0609020000020004" pitchFamily="49" charset="0"/>
+              </a:rPr>
+              <a:t>Friends_circle_size</a:t>
+            </a:r>
+            <a:r>
+              <a:rPr lang="en-US" sz="1000" dirty="0">
+                <a:latin typeface="Cascadia Code" panose="020B0609020000020004" pitchFamily="49" charset="0"/>
+                <a:cs typeface="Cascadia Code" panose="020B0609020000020004" pitchFamily="49" charset="0"/>
+              </a:rPr>
+              <a:t>) AS </a:t>
+            </a:r>
+            <a:r>
+              <a:rPr lang="en-US" sz="1000" dirty="0" err="1">
+                <a:latin typeface="Cascadia Code" panose="020B0609020000020004" pitchFamily="49" charset="0"/>
+                <a:cs typeface="Cascadia Code" panose="020B0609020000020004" pitchFamily="49" charset="0"/>
+              </a:rPr>
+              <a:t>Post_Freq_Friend_Circle_Size_Corr</a:t>
+            </a:r>
+            <a:endParaRPr lang="en-US" sz="1000" dirty="0">
+              <a:latin typeface="Cascadia Code" panose="020B0609020000020004" pitchFamily="49" charset="0"/>
+              <a:cs typeface="Cascadia Code" panose="020B0609020000020004" pitchFamily="49" charset="0"/>
+            </a:endParaRPr>
+          </a:p>
+          <a:p>
+            <a:r>
+              <a:rPr lang="en-US" sz="1000" dirty="0">
+                <a:latin typeface="Cascadia Code" panose="020B0609020000020004" pitchFamily="49" charset="0"/>
+                <a:cs typeface="Cascadia Code" panose="020B0609020000020004" pitchFamily="49" charset="0"/>
+              </a:rPr>
+              <a:t>FROM `ccbd-exam-2025-darnall.intro_extro_behavior.intro_extro_data`</a:t>
+            </a:r>
+          </a:p>
+          <a:p>
+            <a:r>
+              <a:rPr lang="en-US" sz="1000" dirty="0">
+                <a:latin typeface="Cascadia Code" panose="020B0609020000020004" pitchFamily="49" charset="0"/>
+                <a:cs typeface="Cascadia Code" panose="020B0609020000020004" pitchFamily="49" charset="0"/>
+              </a:rPr>
+              <a:t>GROUP BY Personality</a:t>
+            </a:r>
+          </a:p>
+          <a:p>
+            <a:endParaRPr lang="en-US" sz="1000" dirty="0">
+              <a:latin typeface="Cascadia Code" panose="020B0609020000020004" pitchFamily="49" charset="0"/>
+              <a:cs typeface="Cascadia Code" panose="020B0609020000020004" pitchFamily="49" charset="0"/>
+            </a:endParaRPr>
+          </a:p>
+          <a:p>
+            <a:r>
+              <a:rPr lang="en-US" sz="1000" dirty="0">
+                <a:latin typeface="Cascadia Code" panose="020B0609020000020004" pitchFamily="49" charset="0"/>
+                <a:cs typeface="Cascadia Code" panose="020B0609020000020004" pitchFamily="49" charset="0"/>
+              </a:rPr>
+              <a:t>%</a:t>
+            </a:r>
+            <a:r>
+              <a:rPr lang="en-US" sz="1000" dirty="0" err="1">
+                <a:latin typeface="Cascadia Code" panose="020B0609020000020004" pitchFamily="49" charset="0"/>
+                <a:cs typeface="Cascadia Code" panose="020B0609020000020004" pitchFamily="49" charset="0"/>
+              </a:rPr>
+              <a:t>sql</a:t>
+            </a:r>
+            <a:endParaRPr lang="en-US" sz="1000" dirty="0">
+              <a:latin typeface="Cascadia Code" panose="020B0609020000020004" pitchFamily="49" charset="0"/>
+              <a:cs typeface="Cascadia Code" panose="020B0609020000020004" pitchFamily="49" charset="0"/>
+            </a:endParaRPr>
+          </a:p>
+          <a:p>
+            <a:r>
+              <a:rPr lang="en-US" sz="1000" dirty="0">
+                <a:latin typeface="Cascadia Code" panose="020B0609020000020004" pitchFamily="49" charset="0"/>
+                <a:cs typeface="Cascadia Code" panose="020B0609020000020004" pitchFamily="49" charset="0"/>
+              </a:rPr>
+              <a:t>SELECT Personality, CORR(</a:t>
+            </a:r>
+            <a:r>
+              <a:rPr lang="en-US" sz="1000" dirty="0" err="1">
+                <a:latin typeface="Cascadia Code" panose="020B0609020000020004" pitchFamily="49" charset="0"/>
+                <a:cs typeface="Cascadia Code" panose="020B0609020000020004" pitchFamily="49" charset="0"/>
+              </a:rPr>
+              <a:t>Post_frequency</a:t>
+            </a:r>
+            <a:r>
+              <a:rPr lang="en-US" sz="1000" dirty="0">
+                <a:latin typeface="Cascadia Code" panose="020B0609020000020004" pitchFamily="49" charset="0"/>
+                <a:cs typeface="Cascadia Code" panose="020B0609020000020004" pitchFamily="49" charset="0"/>
+              </a:rPr>
+              <a:t>, </a:t>
+            </a:r>
+            <a:r>
+              <a:rPr lang="en-US" sz="1000" dirty="0" err="1">
+                <a:latin typeface="Cascadia Code" panose="020B0609020000020004" pitchFamily="49" charset="0"/>
+                <a:cs typeface="Cascadia Code" panose="020B0609020000020004" pitchFamily="49" charset="0"/>
+              </a:rPr>
+              <a:t>Friends_circle_size</a:t>
+            </a:r>
+            <a:r>
+              <a:rPr lang="en-US" sz="1000" dirty="0">
+                <a:latin typeface="Cascadia Code" panose="020B0609020000020004" pitchFamily="49" charset="0"/>
+                <a:cs typeface="Cascadia Code" panose="020B0609020000020004" pitchFamily="49" charset="0"/>
+              </a:rPr>
+              <a:t>) AS </a:t>
+            </a:r>
+            <a:r>
+              <a:rPr lang="en-US" sz="1000" dirty="0" err="1">
+                <a:latin typeface="Cascadia Code" panose="020B0609020000020004" pitchFamily="49" charset="0"/>
+                <a:cs typeface="Cascadia Code" panose="020B0609020000020004" pitchFamily="49" charset="0"/>
+              </a:rPr>
+              <a:t>Post_Freq_Friend_Circle_Size_Corr</a:t>
+            </a:r>
+            <a:endParaRPr lang="en-US" sz="1000" dirty="0">
+              <a:latin typeface="Cascadia Code" panose="020B0609020000020004" pitchFamily="49" charset="0"/>
+              <a:cs typeface="Cascadia Code" panose="020B0609020000020004" pitchFamily="49" charset="0"/>
+            </a:endParaRPr>
+          </a:p>
+          <a:p>
+            <a:r>
+              <a:rPr lang="en-US" sz="1000" dirty="0">
+                <a:latin typeface="Cascadia Code" panose="020B0609020000020004" pitchFamily="49" charset="0"/>
+                <a:cs typeface="Cascadia Code" panose="020B0609020000020004" pitchFamily="49" charset="0"/>
+              </a:rPr>
+              <a:t>FROM </a:t>
+            </a:r>
+            <a:r>
+              <a:rPr lang="en-US" sz="1000" dirty="0" err="1">
+                <a:latin typeface="Cascadia Code" panose="020B0609020000020004" pitchFamily="49" charset="0"/>
+                <a:cs typeface="Cascadia Code" panose="020B0609020000020004" pitchFamily="49" charset="0"/>
+              </a:rPr>
+              <a:t>haky_workspace.default.personality_dataset</a:t>
+            </a:r>
+            <a:endParaRPr lang="en-US" sz="1000" dirty="0">
+              <a:latin typeface="Cascadia Code" panose="020B0609020000020004" pitchFamily="49" charset="0"/>
+              <a:cs typeface="Cascadia Code" panose="020B0609020000020004" pitchFamily="49" charset="0"/>
+            </a:endParaRPr>
+          </a:p>
+          <a:p>
+            <a:r>
+              <a:rPr lang="en-US" sz="1000" dirty="0">
+                <a:latin typeface="Cascadia Code" panose="020B0609020000020004" pitchFamily="49" charset="0"/>
+                <a:cs typeface="Cascadia Code" panose="020B0609020000020004" pitchFamily="49" charset="0"/>
+              </a:rPr>
+              <a:t>GROUP BY Personality</a:t>
+            </a:r>
+          </a:p>
+          <a:p>
+            <a:endParaRPr lang="en-US" sz="1000" dirty="0">
+              <a:latin typeface="Cascadia Code" panose="020B0609020000020004" pitchFamily="49" charset="0"/>
+              <a:cs typeface="Cascadia Code" panose="020B0609020000020004" pitchFamily="49" charset="0"/>
+            </a:endParaRPr>
+          </a:p>
+          <a:p>
+            <a:endParaRPr lang="en-US" sz="1000" dirty="0">
+              <a:latin typeface="Cascadia Code" panose="020B0609020000020004" pitchFamily="49" charset="0"/>
+              <a:cs typeface="Cascadia Code" panose="020B0609020000020004" pitchFamily="49" charset="0"/>
+            </a:endParaRPr>
+          </a:p>
+          <a:p>
+            <a:r>
+              <a:rPr lang="en-US" sz="1000" dirty="0" err="1">
+                <a:latin typeface="Cascadia Code" panose="020B0609020000020004" pitchFamily="49" charset="0"/>
+                <a:cs typeface="Cascadia Code" panose="020B0609020000020004" pitchFamily="49" charset="0"/>
+              </a:rPr>
+              <a:t>df.groupBy</a:t>
+            </a:r>
+            <a:r>
+              <a:rPr lang="en-US" sz="1000" dirty="0">
+                <a:latin typeface="Cascadia Code" panose="020B0609020000020004" pitchFamily="49" charset="0"/>
+                <a:cs typeface="Cascadia Code" panose="020B0609020000020004" pitchFamily="49" charset="0"/>
+              </a:rPr>
+              <a:t>("Personality").</a:t>
+            </a:r>
+            <a:r>
+              <a:rPr lang="en-US" sz="1000" dirty="0" err="1">
+                <a:latin typeface="Cascadia Code" panose="020B0609020000020004" pitchFamily="49" charset="0"/>
+                <a:cs typeface="Cascadia Code" panose="020B0609020000020004" pitchFamily="49" charset="0"/>
+              </a:rPr>
+              <a:t>agg</a:t>
+            </a:r>
+            <a:r>
+              <a:rPr lang="en-US" sz="1000" dirty="0">
+                <a:latin typeface="Cascadia Code" panose="020B0609020000020004" pitchFamily="49" charset="0"/>
+                <a:cs typeface="Cascadia Code" panose="020B0609020000020004" pitchFamily="49" charset="0"/>
+              </a:rPr>
+              <a:t>(</a:t>
+            </a:r>
+            <a:r>
+              <a:rPr lang="en-US" sz="1000" dirty="0" err="1">
+                <a:latin typeface="Cascadia Code" panose="020B0609020000020004" pitchFamily="49" charset="0"/>
+                <a:cs typeface="Cascadia Code" panose="020B0609020000020004" pitchFamily="49" charset="0"/>
+              </a:rPr>
+              <a:t>corr</a:t>
+            </a:r>
+            <a:r>
+              <a:rPr lang="en-US" sz="1000" dirty="0">
+                <a:latin typeface="Cascadia Code" panose="020B0609020000020004" pitchFamily="49" charset="0"/>
+                <a:cs typeface="Cascadia Code" panose="020B0609020000020004" pitchFamily="49" charset="0"/>
+              </a:rPr>
+              <a:t>("</a:t>
+            </a:r>
+            <a:r>
+              <a:rPr lang="en-US" sz="1000" dirty="0" err="1">
+                <a:latin typeface="Cascadia Code" panose="020B0609020000020004" pitchFamily="49" charset="0"/>
+                <a:cs typeface="Cascadia Code" panose="020B0609020000020004" pitchFamily="49" charset="0"/>
+              </a:rPr>
+              <a:t>Post_frequency</a:t>
+            </a:r>
+            <a:r>
+              <a:rPr lang="en-US" sz="1000" dirty="0">
+                <a:latin typeface="Cascadia Code" panose="020B0609020000020004" pitchFamily="49" charset="0"/>
+                <a:cs typeface="Cascadia Code" panose="020B0609020000020004" pitchFamily="49" charset="0"/>
+              </a:rPr>
+              <a:t>", "</a:t>
+            </a:r>
+            <a:r>
+              <a:rPr lang="en-US" sz="1000" dirty="0" err="1">
+                <a:latin typeface="Cascadia Code" panose="020B0609020000020004" pitchFamily="49" charset="0"/>
+                <a:cs typeface="Cascadia Code" panose="020B0609020000020004" pitchFamily="49" charset="0"/>
+              </a:rPr>
+              <a:t>Friends_circle_size</a:t>
+            </a:r>
+            <a:r>
+              <a:rPr lang="en-US" sz="1000" dirty="0">
+                <a:latin typeface="Cascadia Code" panose="020B0609020000020004" pitchFamily="49" charset="0"/>
+                <a:cs typeface="Cascadia Code" panose="020B0609020000020004" pitchFamily="49" charset="0"/>
+              </a:rPr>
+              <a:t>")).show()</a:t>
+            </a:r>
+          </a:p>
+          <a:p>
+            <a:endParaRPr lang="en-US" sz="1000" dirty="0">
+              <a:latin typeface="Cascadia Code" panose="020B0609020000020004" pitchFamily="49" charset="0"/>
+              <a:cs typeface="Cascadia Code" panose="020B0609020000020004" pitchFamily="49" charset="0"/>
+            </a:endParaRPr>
+          </a:p>
+        </p:txBody>
+      </p:sp>
+      <p:pic>
+        <p:nvPicPr>
+          <p:cNvPr id="5" name="Picture 4" descr="A screenshot of a graph&#10;&#10;AI-generated content may be incorrect.">
+            <a:extLst>
+              <a:ext uri="{FF2B5EF4-FFF2-40B4-BE49-F238E27FC236}">
+                <a16:creationId xmlns:a16="http://schemas.microsoft.com/office/drawing/2014/main" id="{F6F231E4-C62F-9A04-E2B1-1890A3926773}"/>
+              </a:ext>
+            </a:extLst>
+          </p:cNvPr>
+          <p:cNvPicPr>
+            <a:picLocks noChangeAspect="1"/>
+          </p:cNvPicPr>
+          <p:nvPr/>
+        </p:nvPicPr>
+        <p:blipFill>
+          <a:blip r:embed="rId2"/>
+          <a:stretch>
+            <a:fillRect/>
+          </a:stretch>
+        </p:blipFill>
+        <p:spPr>
+          <a:xfrm>
+            <a:off x="251926" y="1150775"/>
+            <a:ext cx="8001681" cy="2687382"/>
+          </a:xfrm>
+          <a:prstGeom prst="rect">
+            <a:avLst/>
+          </a:prstGeom>
+        </p:spPr>
+      </p:pic>
+      <p:sp>
+        <p:nvSpPr>
+          <p:cNvPr id="6" name="TextBox 5">
+            <a:extLst>
+              <a:ext uri="{FF2B5EF4-FFF2-40B4-BE49-F238E27FC236}">
+                <a16:creationId xmlns:a16="http://schemas.microsoft.com/office/drawing/2014/main" id="{8B5D95D0-A52B-3557-4190-A6933502E71F}"/>
+              </a:ext>
+            </a:extLst>
+          </p:cNvPr>
+          <p:cNvSpPr txBox="1"/>
+          <p:nvPr/>
+        </p:nvSpPr>
+        <p:spPr>
+          <a:xfrm>
+            <a:off x="1490905" y="446728"/>
+            <a:ext cx="9341019" cy="369332"/>
+          </a:xfrm>
+          <a:prstGeom prst="rect">
+            <a:avLst/>
+          </a:prstGeom>
+          <a:noFill/>
+        </p:spPr>
+        <p:txBody>
+          <a:bodyPr wrap="none" rtlCol="0">
+            <a:spAutoFit/>
+          </a:bodyPr>
+          <a:lstStyle/>
+          <a:p>
+            <a:r>
+              <a:rPr lang="en-US" dirty="0">
+                <a:latin typeface="Cascadia Code" panose="020B0609020000020004" pitchFamily="49" charset="0"/>
+                <a:cs typeface="Cascadia Code" panose="020B0609020000020004" pitchFamily="49" charset="0"/>
+              </a:rPr>
+              <a:t>Is there a correlation between Post frequency and Friend Circle Size</a:t>
+            </a:r>
+          </a:p>
+        </p:txBody>
+      </p:sp>
+    </p:spTree>
+    <p:extLst>
+      <p:ext uri="{BB962C8B-B14F-4D97-AF65-F5344CB8AC3E}">
+        <p14:creationId xmlns:p14="http://schemas.microsoft.com/office/powerpoint/2010/main" val="1805280349"/>
+      </p:ext>
+    </p:extLst>
+  </p:cSld>
+  <p:clrMapOvr>
+    <a:masterClrMapping/>
+  </p:clrMapOvr>
+</p:sld>
+</file>
+
+<file path=ppt/slides/slide31.xml><?xml version="1.0" encoding="utf-8"?>
+<p:sld xmlns:a="http://schemas.openxmlformats.org/drawingml/2006/main" xmlns:r="http://schemas.openxmlformats.org/officeDocument/2006/relationships" xmlns:p="http://schemas.openxmlformats.org/presentationml/2006/main">
+  <p:cSld>
+    <p:spTree>
+      <p:nvGrpSpPr>
+        <p:cNvPr id="1" name="">
+          <a:extLst>
+            <a:ext uri="{FF2B5EF4-FFF2-40B4-BE49-F238E27FC236}">
+              <a16:creationId xmlns:a16="http://schemas.microsoft.com/office/drawing/2014/main" id="{1C084155-2988-C838-169A-777628422BB3}"/>
+            </a:ext>
+          </a:extLst>
+        </p:cNvPr>
+        <p:cNvGrpSpPr/>
+        <p:nvPr/>
+      </p:nvGrpSpPr>
+      <p:grpSpPr>
+        <a:xfrm>
+          <a:off x="0" y="0"/>
+          <a:ext cx="0" cy="0"/>
+          <a:chOff x="0" y="0"/>
+          <a:chExt cx="0" cy="0"/>
+        </a:xfrm>
+      </p:grpSpPr>
+      <p:sp>
+        <p:nvSpPr>
+          <p:cNvPr id="4" name="Slide Number Placeholder 3">
+            <a:extLst>
+              <a:ext uri="{FF2B5EF4-FFF2-40B4-BE49-F238E27FC236}">
+                <a16:creationId xmlns:a16="http://schemas.microsoft.com/office/drawing/2014/main" id="{3D21A483-BA79-3875-54F7-F59D69903B0A}"/>
+              </a:ext>
+            </a:extLst>
+          </p:cNvPr>
+          <p:cNvSpPr>
+            <a:spLocks noGrp="1"/>
+          </p:cNvSpPr>
+          <p:nvPr>
+            <p:ph type="sldNum" sz="quarter" idx="12"/>
+          </p:nvPr>
+        </p:nvSpPr>
+        <p:spPr/>
+        <p:txBody>
+          <a:bodyPr/>
+          <a:lstStyle/>
+          <a:p>
+            <a:fld id="{B5CEABB6-07DC-46E8-9B57-56EC44A396E5}" type="slidenum">
+              <a:rPr lang="en-US" smtClean="0"/>
+              <a:pPr/>
+              <a:t>31</a:t>
+            </a:fld>
+            <a:endParaRPr lang="en-US" dirty="0"/>
+          </a:p>
+        </p:txBody>
+      </p:sp>
+      <p:sp>
+        <p:nvSpPr>
+          <p:cNvPr id="2" name="TextBox 1">
+            <a:extLst>
+              <a:ext uri="{FF2B5EF4-FFF2-40B4-BE49-F238E27FC236}">
+                <a16:creationId xmlns:a16="http://schemas.microsoft.com/office/drawing/2014/main" id="{CBAF7947-16D1-2227-1845-09D2906A715E}"/>
+              </a:ext>
+            </a:extLst>
+          </p:cNvPr>
+          <p:cNvSpPr txBox="1"/>
+          <p:nvPr/>
+        </p:nvSpPr>
+        <p:spPr>
+          <a:xfrm>
+            <a:off x="195943" y="3984367"/>
+            <a:ext cx="5094515" cy="2554545"/>
+          </a:xfrm>
+          <a:prstGeom prst="rect">
+            <a:avLst/>
+          </a:prstGeom>
+          <a:noFill/>
+        </p:spPr>
+        <p:txBody>
+          <a:bodyPr wrap="square" rtlCol="0">
+            <a:spAutoFit/>
+          </a:bodyPr>
+          <a:lstStyle/>
+          <a:p>
+            <a:r>
+              <a:rPr lang="en-US" sz="1000" dirty="0">
+                <a:latin typeface="Cascadia Code" panose="020B0609020000020004" pitchFamily="49" charset="0"/>
+                <a:cs typeface="Cascadia Code" panose="020B0609020000020004" pitchFamily="49" charset="0"/>
+              </a:rPr>
+              <a:t>SELECT Personality, CORR(</a:t>
+            </a:r>
+            <a:r>
+              <a:rPr lang="en-US" sz="1000" dirty="0" err="1">
+                <a:latin typeface="Cascadia Code" panose="020B0609020000020004" pitchFamily="49" charset="0"/>
+                <a:cs typeface="Cascadia Code" panose="020B0609020000020004" pitchFamily="49" charset="0"/>
+              </a:rPr>
+              <a:t>Post_frequency</a:t>
+            </a:r>
+            <a:r>
+              <a:rPr lang="en-US" sz="1000" dirty="0">
+                <a:latin typeface="Cascadia Code" panose="020B0609020000020004" pitchFamily="49" charset="0"/>
+                <a:cs typeface="Cascadia Code" panose="020B0609020000020004" pitchFamily="49" charset="0"/>
+              </a:rPr>
+              <a:t>, </a:t>
+            </a:r>
+            <a:r>
+              <a:rPr lang="en-US" sz="1000" dirty="0" err="1">
+                <a:latin typeface="Cascadia Code" panose="020B0609020000020004" pitchFamily="49" charset="0"/>
+                <a:cs typeface="Cascadia Code" panose="020B0609020000020004" pitchFamily="49" charset="0"/>
+              </a:rPr>
+              <a:t>Time_spent_Alone</a:t>
+            </a:r>
+            <a:r>
+              <a:rPr lang="en-US" sz="1000" dirty="0">
+                <a:latin typeface="Cascadia Code" panose="020B0609020000020004" pitchFamily="49" charset="0"/>
+                <a:cs typeface="Cascadia Code" panose="020B0609020000020004" pitchFamily="49" charset="0"/>
+              </a:rPr>
+              <a:t>) AS </a:t>
+            </a:r>
+            <a:r>
+              <a:rPr lang="en-US" sz="1000" dirty="0" err="1">
+                <a:latin typeface="Cascadia Code" panose="020B0609020000020004" pitchFamily="49" charset="0"/>
+                <a:cs typeface="Cascadia Code" panose="020B0609020000020004" pitchFamily="49" charset="0"/>
+              </a:rPr>
+              <a:t>Post_Freq_Time_Spent_Alone_Corr</a:t>
+            </a:r>
+            <a:endParaRPr lang="en-US" sz="1000" dirty="0">
+              <a:latin typeface="Cascadia Code" panose="020B0609020000020004" pitchFamily="49" charset="0"/>
+              <a:cs typeface="Cascadia Code" panose="020B0609020000020004" pitchFamily="49" charset="0"/>
+            </a:endParaRPr>
+          </a:p>
+          <a:p>
+            <a:r>
+              <a:rPr lang="en-US" sz="1000" dirty="0">
+                <a:latin typeface="Cascadia Code" panose="020B0609020000020004" pitchFamily="49" charset="0"/>
+                <a:cs typeface="Cascadia Code" panose="020B0609020000020004" pitchFamily="49" charset="0"/>
+              </a:rPr>
+              <a:t>FROM `ccbd-exam-2025-darnall.intro_extro_behavior.intro_extro_data`</a:t>
+            </a:r>
+          </a:p>
+          <a:p>
+            <a:r>
+              <a:rPr lang="en-US" sz="1000" dirty="0">
+                <a:latin typeface="Cascadia Code" panose="020B0609020000020004" pitchFamily="49" charset="0"/>
+                <a:cs typeface="Cascadia Code" panose="020B0609020000020004" pitchFamily="49" charset="0"/>
+              </a:rPr>
+              <a:t>GROUP BY Personality</a:t>
+            </a:r>
+          </a:p>
+          <a:p>
+            <a:endParaRPr lang="en-US" sz="1000" dirty="0">
+              <a:latin typeface="Cascadia Code" panose="020B0609020000020004" pitchFamily="49" charset="0"/>
+              <a:cs typeface="Cascadia Code" panose="020B0609020000020004" pitchFamily="49" charset="0"/>
+            </a:endParaRPr>
+          </a:p>
+          <a:p>
+            <a:r>
+              <a:rPr lang="en-US" sz="1000" dirty="0">
+                <a:latin typeface="Cascadia Code" panose="020B0609020000020004" pitchFamily="49" charset="0"/>
+                <a:cs typeface="Cascadia Code" panose="020B0609020000020004" pitchFamily="49" charset="0"/>
+              </a:rPr>
+              <a:t>%</a:t>
+            </a:r>
+            <a:r>
+              <a:rPr lang="en-US" sz="1000" dirty="0" err="1">
+                <a:latin typeface="Cascadia Code" panose="020B0609020000020004" pitchFamily="49" charset="0"/>
+                <a:cs typeface="Cascadia Code" panose="020B0609020000020004" pitchFamily="49" charset="0"/>
+              </a:rPr>
+              <a:t>sql</a:t>
+            </a:r>
+            <a:endParaRPr lang="en-US" sz="1000" dirty="0">
+              <a:latin typeface="Cascadia Code" panose="020B0609020000020004" pitchFamily="49" charset="0"/>
+              <a:cs typeface="Cascadia Code" panose="020B0609020000020004" pitchFamily="49" charset="0"/>
+            </a:endParaRPr>
+          </a:p>
+          <a:p>
+            <a:r>
+              <a:rPr lang="en-US" sz="1000" dirty="0">
+                <a:latin typeface="Cascadia Code" panose="020B0609020000020004" pitchFamily="49" charset="0"/>
+                <a:cs typeface="Cascadia Code" panose="020B0609020000020004" pitchFamily="49" charset="0"/>
+              </a:rPr>
+              <a:t>SELECT Personality, CORR(</a:t>
+            </a:r>
+            <a:r>
+              <a:rPr lang="en-US" sz="1000" dirty="0" err="1">
+                <a:latin typeface="Cascadia Code" panose="020B0609020000020004" pitchFamily="49" charset="0"/>
+                <a:cs typeface="Cascadia Code" panose="020B0609020000020004" pitchFamily="49" charset="0"/>
+              </a:rPr>
+              <a:t>Post_frequency</a:t>
+            </a:r>
+            <a:r>
+              <a:rPr lang="en-US" sz="1000" dirty="0">
+                <a:latin typeface="Cascadia Code" panose="020B0609020000020004" pitchFamily="49" charset="0"/>
+                <a:cs typeface="Cascadia Code" panose="020B0609020000020004" pitchFamily="49" charset="0"/>
+              </a:rPr>
+              <a:t>, </a:t>
+            </a:r>
+            <a:r>
+              <a:rPr lang="en-US" sz="1000" dirty="0" err="1">
+                <a:latin typeface="Cascadia Code" panose="020B0609020000020004" pitchFamily="49" charset="0"/>
+                <a:cs typeface="Cascadia Code" panose="020B0609020000020004" pitchFamily="49" charset="0"/>
+              </a:rPr>
+              <a:t>Time_spent_Alone</a:t>
+            </a:r>
+            <a:r>
+              <a:rPr lang="en-US" sz="1000" dirty="0">
+                <a:latin typeface="Cascadia Code" panose="020B0609020000020004" pitchFamily="49" charset="0"/>
+                <a:cs typeface="Cascadia Code" panose="020B0609020000020004" pitchFamily="49" charset="0"/>
+              </a:rPr>
+              <a:t>) AS </a:t>
+            </a:r>
+            <a:r>
+              <a:rPr lang="en-US" sz="1000" dirty="0" err="1">
+                <a:latin typeface="Cascadia Code" panose="020B0609020000020004" pitchFamily="49" charset="0"/>
+                <a:cs typeface="Cascadia Code" panose="020B0609020000020004" pitchFamily="49" charset="0"/>
+              </a:rPr>
+              <a:t>Post_Freq_Time_Spent_Alone_Corr</a:t>
+            </a:r>
+            <a:endParaRPr lang="en-US" sz="1000" dirty="0">
+              <a:latin typeface="Cascadia Code" panose="020B0609020000020004" pitchFamily="49" charset="0"/>
+              <a:cs typeface="Cascadia Code" panose="020B0609020000020004" pitchFamily="49" charset="0"/>
+            </a:endParaRPr>
+          </a:p>
+          <a:p>
+            <a:r>
+              <a:rPr lang="en-US" sz="1000" dirty="0">
+                <a:latin typeface="Cascadia Code" panose="020B0609020000020004" pitchFamily="49" charset="0"/>
+                <a:cs typeface="Cascadia Code" panose="020B0609020000020004" pitchFamily="49" charset="0"/>
+              </a:rPr>
+              <a:t>FROM </a:t>
+            </a:r>
+            <a:r>
+              <a:rPr lang="en-US" sz="1000" dirty="0" err="1">
+                <a:latin typeface="Cascadia Code" panose="020B0609020000020004" pitchFamily="49" charset="0"/>
+                <a:cs typeface="Cascadia Code" panose="020B0609020000020004" pitchFamily="49" charset="0"/>
+              </a:rPr>
+              <a:t>haky_workspace.default.personality_dataset</a:t>
+            </a:r>
+            <a:endParaRPr lang="en-US" sz="1000" dirty="0">
+              <a:latin typeface="Cascadia Code" panose="020B0609020000020004" pitchFamily="49" charset="0"/>
+              <a:cs typeface="Cascadia Code" panose="020B0609020000020004" pitchFamily="49" charset="0"/>
+            </a:endParaRPr>
+          </a:p>
+          <a:p>
+            <a:r>
+              <a:rPr lang="en-US" sz="1000" dirty="0">
+                <a:latin typeface="Cascadia Code" panose="020B0609020000020004" pitchFamily="49" charset="0"/>
+                <a:cs typeface="Cascadia Code" panose="020B0609020000020004" pitchFamily="49" charset="0"/>
+              </a:rPr>
+              <a:t>GROUP BY Personality</a:t>
+            </a:r>
+          </a:p>
+          <a:p>
+            <a:endParaRPr lang="en-US" sz="1000" dirty="0">
+              <a:latin typeface="Cascadia Code" panose="020B0609020000020004" pitchFamily="49" charset="0"/>
+              <a:cs typeface="Cascadia Code" panose="020B0609020000020004" pitchFamily="49" charset="0"/>
+            </a:endParaRPr>
+          </a:p>
+          <a:p>
+            <a:endParaRPr lang="en-US" sz="1000" dirty="0">
+              <a:latin typeface="Cascadia Code" panose="020B0609020000020004" pitchFamily="49" charset="0"/>
+              <a:cs typeface="Cascadia Code" panose="020B0609020000020004" pitchFamily="49" charset="0"/>
+            </a:endParaRPr>
+          </a:p>
+          <a:p>
+            <a:r>
+              <a:rPr lang="en-US" sz="1000" dirty="0" err="1">
+                <a:latin typeface="Cascadia Code" panose="020B0609020000020004" pitchFamily="49" charset="0"/>
+                <a:cs typeface="Cascadia Code" panose="020B0609020000020004" pitchFamily="49" charset="0"/>
+              </a:rPr>
+              <a:t>df.groupBy</a:t>
+            </a:r>
+            <a:r>
+              <a:rPr lang="en-US" sz="1000" dirty="0">
+                <a:latin typeface="Cascadia Code" panose="020B0609020000020004" pitchFamily="49" charset="0"/>
+                <a:cs typeface="Cascadia Code" panose="020B0609020000020004" pitchFamily="49" charset="0"/>
+              </a:rPr>
+              <a:t>("Personality").</a:t>
+            </a:r>
+            <a:r>
+              <a:rPr lang="en-US" sz="1000" dirty="0" err="1">
+                <a:latin typeface="Cascadia Code" panose="020B0609020000020004" pitchFamily="49" charset="0"/>
+                <a:cs typeface="Cascadia Code" panose="020B0609020000020004" pitchFamily="49" charset="0"/>
+              </a:rPr>
+              <a:t>agg</a:t>
+            </a:r>
+            <a:r>
+              <a:rPr lang="en-US" sz="1000" dirty="0">
+                <a:latin typeface="Cascadia Code" panose="020B0609020000020004" pitchFamily="49" charset="0"/>
+                <a:cs typeface="Cascadia Code" panose="020B0609020000020004" pitchFamily="49" charset="0"/>
+              </a:rPr>
+              <a:t>(</a:t>
+            </a:r>
+            <a:r>
+              <a:rPr lang="en-US" sz="1000" dirty="0" err="1">
+                <a:latin typeface="Cascadia Code" panose="020B0609020000020004" pitchFamily="49" charset="0"/>
+                <a:cs typeface="Cascadia Code" panose="020B0609020000020004" pitchFamily="49" charset="0"/>
+              </a:rPr>
+              <a:t>corr</a:t>
+            </a:r>
+            <a:r>
+              <a:rPr lang="en-US" sz="1000" dirty="0">
+                <a:latin typeface="Cascadia Code" panose="020B0609020000020004" pitchFamily="49" charset="0"/>
+                <a:cs typeface="Cascadia Code" panose="020B0609020000020004" pitchFamily="49" charset="0"/>
+              </a:rPr>
+              <a:t>("</a:t>
+            </a:r>
+            <a:r>
+              <a:rPr lang="en-US" sz="1000" dirty="0" err="1">
+                <a:latin typeface="Cascadia Code" panose="020B0609020000020004" pitchFamily="49" charset="0"/>
+                <a:cs typeface="Cascadia Code" panose="020B0609020000020004" pitchFamily="49" charset="0"/>
+              </a:rPr>
+              <a:t>Post_frequency</a:t>
+            </a:r>
+            <a:r>
+              <a:rPr lang="en-US" sz="1000" dirty="0">
+                <a:latin typeface="Cascadia Code" panose="020B0609020000020004" pitchFamily="49" charset="0"/>
+                <a:cs typeface="Cascadia Code" panose="020B0609020000020004" pitchFamily="49" charset="0"/>
+              </a:rPr>
+              <a:t>", "</a:t>
+            </a:r>
+            <a:r>
+              <a:rPr lang="en-US" sz="1000" dirty="0" err="1">
+                <a:latin typeface="Cascadia Code" panose="020B0609020000020004" pitchFamily="49" charset="0"/>
+                <a:cs typeface="Cascadia Code" panose="020B0609020000020004" pitchFamily="49" charset="0"/>
+              </a:rPr>
+              <a:t>Time_spent_alone</a:t>
+            </a:r>
+            <a:r>
+              <a:rPr lang="en-US" sz="1000" dirty="0">
+                <a:latin typeface="Cascadia Code" panose="020B0609020000020004" pitchFamily="49" charset="0"/>
+                <a:cs typeface="Cascadia Code" panose="020B0609020000020004" pitchFamily="49" charset="0"/>
+              </a:rPr>
+              <a:t>")).show()</a:t>
+            </a:r>
+          </a:p>
+          <a:p>
+            <a:endParaRPr lang="en-US" sz="1000" dirty="0">
+              <a:latin typeface="Cascadia Code" panose="020B0609020000020004" pitchFamily="49" charset="0"/>
+              <a:cs typeface="Cascadia Code" panose="020B0609020000020004" pitchFamily="49" charset="0"/>
+            </a:endParaRPr>
+          </a:p>
+        </p:txBody>
+      </p:sp>
+      <p:pic>
+        <p:nvPicPr>
+          <p:cNvPr id="5" name="Picture 4" descr="A screenshot of a computer&#10;&#10;AI-generated content may be incorrect.">
+            <a:extLst>
+              <a:ext uri="{FF2B5EF4-FFF2-40B4-BE49-F238E27FC236}">
+                <a16:creationId xmlns:a16="http://schemas.microsoft.com/office/drawing/2014/main" id="{9BFE9AA3-A698-9984-5EF4-17B07DF19CCA}"/>
+              </a:ext>
+            </a:extLst>
+          </p:cNvPr>
+          <p:cNvPicPr>
+            <a:picLocks noChangeAspect="1"/>
+          </p:cNvPicPr>
+          <p:nvPr/>
+        </p:nvPicPr>
+        <p:blipFill>
+          <a:blip r:embed="rId2"/>
+          <a:stretch>
+            <a:fillRect/>
+          </a:stretch>
+        </p:blipFill>
+        <p:spPr>
+          <a:xfrm>
+            <a:off x="423863" y="1524000"/>
+            <a:ext cx="6936214" cy="2329543"/>
+          </a:xfrm>
+          <a:prstGeom prst="rect">
+            <a:avLst/>
+          </a:prstGeom>
+        </p:spPr>
+      </p:pic>
+      <p:sp>
+        <p:nvSpPr>
+          <p:cNvPr id="6" name="TextBox 5">
+            <a:extLst>
+              <a:ext uri="{FF2B5EF4-FFF2-40B4-BE49-F238E27FC236}">
+                <a16:creationId xmlns:a16="http://schemas.microsoft.com/office/drawing/2014/main" id="{8C93E13A-C424-1A97-1238-7B5DE79319FD}"/>
+              </a:ext>
+            </a:extLst>
+          </p:cNvPr>
+          <p:cNvSpPr txBox="1"/>
+          <p:nvPr/>
+        </p:nvSpPr>
+        <p:spPr>
+          <a:xfrm>
+            <a:off x="1560143" y="662473"/>
+            <a:ext cx="9071714" cy="369332"/>
+          </a:xfrm>
+          <a:prstGeom prst="rect">
+            <a:avLst/>
+          </a:prstGeom>
+          <a:noFill/>
+        </p:spPr>
+        <p:txBody>
+          <a:bodyPr wrap="none" rtlCol="0">
+            <a:spAutoFit/>
+          </a:bodyPr>
+          <a:lstStyle/>
+          <a:p>
+            <a:r>
+              <a:rPr lang="en-US" dirty="0">
+                <a:latin typeface="Cascadia Code" panose="020B0609020000020004" pitchFamily="49" charset="0"/>
+                <a:cs typeface="Cascadia Code" panose="020B0609020000020004" pitchFamily="49" charset="0"/>
+              </a:rPr>
+              <a:t>Is there a correlation between Post Frequency and Time Spent Alone</a:t>
+            </a:r>
+          </a:p>
+        </p:txBody>
+      </p:sp>
+    </p:spTree>
+    <p:extLst>
+      <p:ext uri="{BB962C8B-B14F-4D97-AF65-F5344CB8AC3E}">
+        <p14:creationId xmlns:p14="http://schemas.microsoft.com/office/powerpoint/2010/main" val="1014507115"/>
+      </p:ext>
+    </p:extLst>
+  </p:cSld>
+  <p:clrMapOvr>
+    <a:masterClrMapping/>
+  </p:clrMapOvr>
+</p:sld>
+</file>
+
+<file path=ppt/slides/slide32.xml><?xml version="1.0" encoding="utf-8"?>
+<p:sld xmlns:a="http://schemas.openxmlformats.org/drawingml/2006/main" xmlns:r="http://schemas.openxmlformats.org/officeDocument/2006/relationships" xmlns:p="http://schemas.openxmlformats.org/presentationml/2006/main">
+  <p:cSld>
+    <p:spTree>
+      <p:nvGrpSpPr>
+        <p:cNvPr id="1" name="">
+          <a:extLst>
+            <a:ext uri="{FF2B5EF4-FFF2-40B4-BE49-F238E27FC236}">
+              <a16:creationId xmlns:a16="http://schemas.microsoft.com/office/drawing/2014/main" id="{49833AE2-7A0F-E55C-1F83-A9745CFA248F}"/>
+            </a:ext>
+          </a:extLst>
+        </p:cNvPr>
+        <p:cNvGrpSpPr/>
+        <p:nvPr/>
+      </p:nvGrpSpPr>
+      <p:grpSpPr>
+        <a:xfrm>
+          <a:off x="0" y="0"/>
+          <a:ext cx="0" cy="0"/>
+          <a:chOff x="0" y="0"/>
+          <a:chExt cx="0" cy="0"/>
+        </a:xfrm>
+      </p:grpSpPr>
+      <p:sp>
+        <p:nvSpPr>
+          <p:cNvPr id="4" name="Slide Number Placeholder 3">
+            <a:extLst>
+              <a:ext uri="{FF2B5EF4-FFF2-40B4-BE49-F238E27FC236}">
+                <a16:creationId xmlns:a16="http://schemas.microsoft.com/office/drawing/2014/main" id="{BE7D044E-1592-84EC-38C0-6A531E11AFF2}"/>
+              </a:ext>
+            </a:extLst>
+          </p:cNvPr>
+          <p:cNvSpPr>
+            <a:spLocks noGrp="1"/>
+          </p:cNvSpPr>
+          <p:nvPr>
+            <p:ph type="sldNum" sz="quarter" idx="12"/>
+          </p:nvPr>
+        </p:nvSpPr>
+        <p:spPr/>
+        <p:txBody>
+          <a:bodyPr/>
+          <a:lstStyle/>
+          <a:p>
+            <a:fld id="{B5CEABB6-07DC-46E8-9B57-56EC44A396E5}" type="slidenum">
+              <a:rPr lang="en-US" smtClean="0"/>
+              <a:pPr/>
+              <a:t>32</a:t>
+            </a:fld>
+            <a:endParaRPr lang="en-US" dirty="0"/>
+          </a:p>
+        </p:txBody>
+      </p:sp>
+      <p:sp>
+        <p:nvSpPr>
+          <p:cNvPr id="2" name="TextBox 1">
+            <a:extLst>
+              <a:ext uri="{FF2B5EF4-FFF2-40B4-BE49-F238E27FC236}">
+                <a16:creationId xmlns:a16="http://schemas.microsoft.com/office/drawing/2014/main" id="{C3F374FF-80F7-A99D-C61F-5C1DF7B577D9}"/>
+              </a:ext>
+            </a:extLst>
+          </p:cNvPr>
+          <p:cNvSpPr txBox="1"/>
+          <p:nvPr/>
+        </p:nvSpPr>
+        <p:spPr>
+          <a:xfrm>
+            <a:off x="289250" y="3900196"/>
+            <a:ext cx="5094514" cy="2554545"/>
+          </a:xfrm>
+          <a:prstGeom prst="rect">
+            <a:avLst/>
+          </a:prstGeom>
+          <a:noFill/>
+        </p:spPr>
+        <p:txBody>
+          <a:bodyPr wrap="square" rtlCol="0">
+            <a:spAutoFit/>
+          </a:bodyPr>
+          <a:lstStyle/>
+          <a:p>
+            <a:r>
+              <a:rPr lang="en-US" sz="1000" dirty="0">
+                <a:latin typeface="Cascadia Code" panose="020B0609020000020004" pitchFamily="49" charset="0"/>
+                <a:cs typeface="Cascadia Code" panose="020B0609020000020004" pitchFamily="49" charset="0"/>
+              </a:rPr>
+              <a:t>SELECT Personality, CORR(</a:t>
+            </a:r>
+            <a:r>
+              <a:rPr lang="en-US" sz="1000" dirty="0" err="1">
+                <a:latin typeface="Cascadia Code" panose="020B0609020000020004" pitchFamily="49" charset="0"/>
+                <a:cs typeface="Cascadia Code" panose="020B0609020000020004" pitchFamily="49" charset="0"/>
+              </a:rPr>
+              <a:t>Post_frequency</a:t>
+            </a:r>
+            <a:r>
+              <a:rPr lang="en-US" sz="1000" dirty="0">
+                <a:latin typeface="Cascadia Code" panose="020B0609020000020004" pitchFamily="49" charset="0"/>
+                <a:cs typeface="Cascadia Code" panose="020B0609020000020004" pitchFamily="49" charset="0"/>
+              </a:rPr>
+              <a:t>, </a:t>
+            </a:r>
+            <a:r>
+              <a:rPr lang="en-US" sz="1000" dirty="0" err="1">
+                <a:latin typeface="Cascadia Code" panose="020B0609020000020004" pitchFamily="49" charset="0"/>
+                <a:cs typeface="Cascadia Code" panose="020B0609020000020004" pitchFamily="49" charset="0"/>
+              </a:rPr>
+              <a:t>Social_event_attendance</a:t>
+            </a:r>
+            <a:r>
+              <a:rPr lang="en-US" sz="1000" dirty="0">
+                <a:latin typeface="Cascadia Code" panose="020B0609020000020004" pitchFamily="49" charset="0"/>
+                <a:cs typeface="Cascadia Code" panose="020B0609020000020004" pitchFamily="49" charset="0"/>
+              </a:rPr>
+              <a:t>) AS </a:t>
+            </a:r>
+            <a:r>
+              <a:rPr lang="en-US" sz="1000" dirty="0" err="1">
+                <a:latin typeface="Cascadia Code" panose="020B0609020000020004" pitchFamily="49" charset="0"/>
+                <a:cs typeface="Cascadia Code" panose="020B0609020000020004" pitchFamily="49" charset="0"/>
+              </a:rPr>
+              <a:t>Post_Freq_Social_Attendance_Corr</a:t>
+            </a:r>
+            <a:endParaRPr lang="en-US" sz="1000" dirty="0">
+              <a:latin typeface="Cascadia Code" panose="020B0609020000020004" pitchFamily="49" charset="0"/>
+              <a:cs typeface="Cascadia Code" panose="020B0609020000020004" pitchFamily="49" charset="0"/>
+            </a:endParaRPr>
+          </a:p>
+          <a:p>
+            <a:r>
+              <a:rPr lang="en-US" sz="1000" dirty="0">
+                <a:latin typeface="Cascadia Code" panose="020B0609020000020004" pitchFamily="49" charset="0"/>
+                <a:cs typeface="Cascadia Code" panose="020B0609020000020004" pitchFamily="49" charset="0"/>
+              </a:rPr>
+              <a:t>FROM `ccbd-exam-2025-darnall.intro_extro_behavior.intro_extro_data`</a:t>
+            </a:r>
+          </a:p>
+          <a:p>
+            <a:r>
+              <a:rPr lang="en-US" sz="1000" dirty="0">
+                <a:latin typeface="Cascadia Code" panose="020B0609020000020004" pitchFamily="49" charset="0"/>
+                <a:cs typeface="Cascadia Code" panose="020B0609020000020004" pitchFamily="49" charset="0"/>
+              </a:rPr>
+              <a:t>GROUP BY Personality</a:t>
+            </a:r>
+          </a:p>
+          <a:p>
+            <a:endParaRPr lang="en-US" sz="1000" dirty="0">
+              <a:latin typeface="Cascadia Code" panose="020B0609020000020004" pitchFamily="49" charset="0"/>
+              <a:cs typeface="Cascadia Code" panose="020B0609020000020004" pitchFamily="49" charset="0"/>
+            </a:endParaRPr>
+          </a:p>
+          <a:p>
+            <a:r>
+              <a:rPr lang="en-US" sz="1000" dirty="0">
+                <a:latin typeface="Cascadia Code" panose="020B0609020000020004" pitchFamily="49" charset="0"/>
+                <a:cs typeface="Cascadia Code" panose="020B0609020000020004" pitchFamily="49" charset="0"/>
+              </a:rPr>
+              <a:t>%</a:t>
+            </a:r>
+            <a:r>
+              <a:rPr lang="en-US" sz="1000" dirty="0" err="1">
+                <a:latin typeface="Cascadia Code" panose="020B0609020000020004" pitchFamily="49" charset="0"/>
+                <a:cs typeface="Cascadia Code" panose="020B0609020000020004" pitchFamily="49" charset="0"/>
+              </a:rPr>
+              <a:t>sql</a:t>
+            </a:r>
+            <a:endParaRPr lang="en-US" sz="1000" dirty="0">
+              <a:latin typeface="Cascadia Code" panose="020B0609020000020004" pitchFamily="49" charset="0"/>
+              <a:cs typeface="Cascadia Code" panose="020B0609020000020004" pitchFamily="49" charset="0"/>
+            </a:endParaRPr>
+          </a:p>
+          <a:p>
+            <a:r>
+              <a:rPr lang="en-US" sz="1000" dirty="0">
+                <a:latin typeface="Cascadia Code" panose="020B0609020000020004" pitchFamily="49" charset="0"/>
+                <a:cs typeface="Cascadia Code" panose="020B0609020000020004" pitchFamily="49" charset="0"/>
+              </a:rPr>
+              <a:t>SELECT Personality, CORR(</a:t>
+            </a:r>
+            <a:r>
+              <a:rPr lang="en-US" sz="1000" dirty="0" err="1">
+                <a:latin typeface="Cascadia Code" panose="020B0609020000020004" pitchFamily="49" charset="0"/>
+                <a:cs typeface="Cascadia Code" panose="020B0609020000020004" pitchFamily="49" charset="0"/>
+              </a:rPr>
+              <a:t>Post_frequency</a:t>
+            </a:r>
+            <a:r>
+              <a:rPr lang="en-US" sz="1000" dirty="0">
+                <a:latin typeface="Cascadia Code" panose="020B0609020000020004" pitchFamily="49" charset="0"/>
+                <a:cs typeface="Cascadia Code" panose="020B0609020000020004" pitchFamily="49" charset="0"/>
+              </a:rPr>
+              <a:t>, </a:t>
+            </a:r>
+            <a:r>
+              <a:rPr lang="en-US" sz="1000" dirty="0" err="1">
+                <a:latin typeface="Cascadia Code" panose="020B0609020000020004" pitchFamily="49" charset="0"/>
+                <a:cs typeface="Cascadia Code" panose="020B0609020000020004" pitchFamily="49" charset="0"/>
+              </a:rPr>
+              <a:t>Social_event_attendance</a:t>
+            </a:r>
+            <a:r>
+              <a:rPr lang="en-US" sz="1000" dirty="0">
+                <a:latin typeface="Cascadia Code" panose="020B0609020000020004" pitchFamily="49" charset="0"/>
+                <a:cs typeface="Cascadia Code" panose="020B0609020000020004" pitchFamily="49" charset="0"/>
+              </a:rPr>
+              <a:t>) AS </a:t>
+            </a:r>
+            <a:r>
+              <a:rPr lang="en-US" sz="1000" dirty="0" err="1">
+                <a:latin typeface="Cascadia Code" panose="020B0609020000020004" pitchFamily="49" charset="0"/>
+                <a:cs typeface="Cascadia Code" panose="020B0609020000020004" pitchFamily="49" charset="0"/>
+              </a:rPr>
+              <a:t>Post_Freq_Social_Attendance_Corr</a:t>
+            </a:r>
+            <a:endParaRPr lang="en-US" sz="1000" dirty="0">
+              <a:latin typeface="Cascadia Code" panose="020B0609020000020004" pitchFamily="49" charset="0"/>
+              <a:cs typeface="Cascadia Code" panose="020B0609020000020004" pitchFamily="49" charset="0"/>
+            </a:endParaRPr>
+          </a:p>
+          <a:p>
+            <a:r>
+              <a:rPr lang="en-US" sz="1000" dirty="0">
+                <a:latin typeface="Cascadia Code" panose="020B0609020000020004" pitchFamily="49" charset="0"/>
+                <a:cs typeface="Cascadia Code" panose="020B0609020000020004" pitchFamily="49" charset="0"/>
+              </a:rPr>
+              <a:t>FROM </a:t>
+            </a:r>
+            <a:r>
+              <a:rPr lang="en-US" sz="1000" dirty="0" err="1">
+                <a:latin typeface="Cascadia Code" panose="020B0609020000020004" pitchFamily="49" charset="0"/>
+                <a:cs typeface="Cascadia Code" panose="020B0609020000020004" pitchFamily="49" charset="0"/>
+              </a:rPr>
+              <a:t>haky_workspace.default.personality_dataset</a:t>
+            </a:r>
+            <a:endParaRPr lang="en-US" sz="1000" dirty="0">
+              <a:latin typeface="Cascadia Code" panose="020B0609020000020004" pitchFamily="49" charset="0"/>
+              <a:cs typeface="Cascadia Code" panose="020B0609020000020004" pitchFamily="49" charset="0"/>
+            </a:endParaRPr>
+          </a:p>
+          <a:p>
+            <a:r>
+              <a:rPr lang="en-US" sz="1000" dirty="0">
+                <a:latin typeface="Cascadia Code" panose="020B0609020000020004" pitchFamily="49" charset="0"/>
+                <a:cs typeface="Cascadia Code" panose="020B0609020000020004" pitchFamily="49" charset="0"/>
+              </a:rPr>
+              <a:t>GROUP BY Personality</a:t>
+            </a:r>
+          </a:p>
+          <a:p>
+            <a:endParaRPr lang="en-US" sz="1000" dirty="0">
+              <a:latin typeface="Cascadia Code" panose="020B0609020000020004" pitchFamily="49" charset="0"/>
+              <a:cs typeface="Cascadia Code" panose="020B0609020000020004" pitchFamily="49" charset="0"/>
+            </a:endParaRPr>
+          </a:p>
+          <a:p>
+            <a:endParaRPr lang="en-US" sz="1000" dirty="0">
+              <a:latin typeface="Cascadia Code" panose="020B0609020000020004" pitchFamily="49" charset="0"/>
+              <a:cs typeface="Cascadia Code" panose="020B0609020000020004" pitchFamily="49" charset="0"/>
+            </a:endParaRPr>
+          </a:p>
+          <a:p>
+            <a:r>
+              <a:rPr lang="en-US" sz="1000" dirty="0" err="1">
+                <a:latin typeface="Cascadia Code" panose="020B0609020000020004" pitchFamily="49" charset="0"/>
+                <a:cs typeface="Cascadia Code" panose="020B0609020000020004" pitchFamily="49" charset="0"/>
+              </a:rPr>
+              <a:t>df.groupBy</a:t>
+            </a:r>
+            <a:r>
+              <a:rPr lang="en-US" sz="1000" dirty="0">
+                <a:latin typeface="Cascadia Code" panose="020B0609020000020004" pitchFamily="49" charset="0"/>
+                <a:cs typeface="Cascadia Code" panose="020B0609020000020004" pitchFamily="49" charset="0"/>
+              </a:rPr>
+              <a:t>("Personality").</a:t>
+            </a:r>
+            <a:r>
+              <a:rPr lang="en-US" sz="1000" dirty="0" err="1">
+                <a:latin typeface="Cascadia Code" panose="020B0609020000020004" pitchFamily="49" charset="0"/>
+                <a:cs typeface="Cascadia Code" panose="020B0609020000020004" pitchFamily="49" charset="0"/>
+              </a:rPr>
+              <a:t>agg</a:t>
+            </a:r>
+            <a:r>
+              <a:rPr lang="en-US" sz="1000" dirty="0">
+                <a:latin typeface="Cascadia Code" panose="020B0609020000020004" pitchFamily="49" charset="0"/>
+                <a:cs typeface="Cascadia Code" panose="020B0609020000020004" pitchFamily="49" charset="0"/>
+              </a:rPr>
+              <a:t>(</a:t>
+            </a:r>
+            <a:r>
+              <a:rPr lang="en-US" sz="1000" dirty="0" err="1">
+                <a:latin typeface="Cascadia Code" panose="020B0609020000020004" pitchFamily="49" charset="0"/>
+                <a:cs typeface="Cascadia Code" panose="020B0609020000020004" pitchFamily="49" charset="0"/>
+              </a:rPr>
+              <a:t>corr</a:t>
+            </a:r>
+            <a:r>
+              <a:rPr lang="en-US" sz="1000" dirty="0">
+                <a:latin typeface="Cascadia Code" panose="020B0609020000020004" pitchFamily="49" charset="0"/>
+                <a:cs typeface="Cascadia Code" panose="020B0609020000020004" pitchFamily="49" charset="0"/>
+              </a:rPr>
+              <a:t>("</a:t>
+            </a:r>
+            <a:r>
+              <a:rPr lang="en-US" sz="1000" dirty="0" err="1">
+                <a:latin typeface="Cascadia Code" panose="020B0609020000020004" pitchFamily="49" charset="0"/>
+                <a:cs typeface="Cascadia Code" panose="020B0609020000020004" pitchFamily="49" charset="0"/>
+              </a:rPr>
+              <a:t>Post_frequency</a:t>
+            </a:r>
+            <a:r>
+              <a:rPr lang="en-US" sz="1000" dirty="0">
+                <a:latin typeface="Cascadia Code" panose="020B0609020000020004" pitchFamily="49" charset="0"/>
+                <a:cs typeface="Cascadia Code" panose="020B0609020000020004" pitchFamily="49" charset="0"/>
+              </a:rPr>
+              <a:t>", "</a:t>
+            </a:r>
+            <a:r>
+              <a:rPr lang="en-US" sz="1000" dirty="0" err="1">
+                <a:latin typeface="Cascadia Code" panose="020B0609020000020004" pitchFamily="49" charset="0"/>
+                <a:cs typeface="Cascadia Code" panose="020B0609020000020004" pitchFamily="49" charset="0"/>
+              </a:rPr>
+              <a:t>Social_event_attendance</a:t>
+            </a:r>
+            <a:r>
+              <a:rPr lang="en-US" sz="1000" dirty="0">
+                <a:latin typeface="Cascadia Code" panose="020B0609020000020004" pitchFamily="49" charset="0"/>
+                <a:cs typeface="Cascadia Code" panose="020B0609020000020004" pitchFamily="49" charset="0"/>
+              </a:rPr>
+              <a:t>")).show()</a:t>
+            </a:r>
+          </a:p>
+          <a:p>
+            <a:endParaRPr lang="en-US" sz="1000" dirty="0">
+              <a:latin typeface="Cascadia Code" panose="020B0609020000020004" pitchFamily="49" charset="0"/>
+              <a:cs typeface="Cascadia Code" panose="020B0609020000020004" pitchFamily="49" charset="0"/>
+            </a:endParaRPr>
+          </a:p>
+        </p:txBody>
+      </p:sp>
+      <p:pic>
+        <p:nvPicPr>
+          <p:cNvPr id="5" name="Picture 4" descr="A screenshot of a graph&#10;&#10;AI-generated content may be incorrect.">
+            <a:extLst>
+              <a:ext uri="{FF2B5EF4-FFF2-40B4-BE49-F238E27FC236}">
+                <a16:creationId xmlns:a16="http://schemas.microsoft.com/office/drawing/2014/main" id="{864B1E23-FDE4-5743-FB7F-6B5896C9AFC9}"/>
+              </a:ext>
+            </a:extLst>
+          </p:cNvPr>
+          <p:cNvPicPr>
+            <a:picLocks noChangeAspect="1"/>
+          </p:cNvPicPr>
+          <p:nvPr/>
+        </p:nvPicPr>
+        <p:blipFill>
+          <a:blip r:embed="rId2"/>
+          <a:stretch>
+            <a:fillRect/>
+          </a:stretch>
+        </p:blipFill>
+        <p:spPr>
+          <a:xfrm>
+            <a:off x="423862" y="1524000"/>
+            <a:ext cx="6491703" cy="2180253"/>
+          </a:xfrm>
+          <a:prstGeom prst="rect">
+            <a:avLst/>
+          </a:prstGeom>
+        </p:spPr>
+      </p:pic>
+      <p:sp>
+        <p:nvSpPr>
+          <p:cNvPr id="6" name="TextBox 5">
+            <a:extLst>
+              <a:ext uri="{FF2B5EF4-FFF2-40B4-BE49-F238E27FC236}">
+                <a16:creationId xmlns:a16="http://schemas.microsoft.com/office/drawing/2014/main" id="{F298A681-704C-CC06-1E58-528D38507838}"/>
+              </a:ext>
+            </a:extLst>
+          </p:cNvPr>
+          <p:cNvSpPr txBox="1"/>
+          <p:nvPr/>
+        </p:nvSpPr>
+        <p:spPr>
+          <a:xfrm>
+            <a:off x="1492817" y="606490"/>
+            <a:ext cx="9206366" cy="369332"/>
+          </a:xfrm>
+          <a:prstGeom prst="rect">
+            <a:avLst/>
+          </a:prstGeom>
+          <a:noFill/>
+        </p:spPr>
+        <p:txBody>
+          <a:bodyPr wrap="none" rtlCol="0">
+            <a:spAutoFit/>
+          </a:bodyPr>
+          <a:lstStyle/>
+          <a:p>
+            <a:r>
+              <a:rPr lang="en-US" dirty="0">
+                <a:latin typeface="Cascadia Code" panose="020B0609020000020004" pitchFamily="49" charset="0"/>
+                <a:cs typeface="Cascadia Code" panose="020B0609020000020004" pitchFamily="49" charset="0"/>
+              </a:rPr>
+              <a:t>Is there a correlation between Post Frequency and Social Attendance</a:t>
+            </a:r>
+          </a:p>
+        </p:txBody>
+      </p:sp>
+    </p:spTree>
+    <p:extLst>
+      <p:ext uri="{BB962C8B-B14F-4D97-AF65-F5344CB8AC3E}">
+        <p14:creationId xmlns:p14="http://schemas.microsoft.com/office/powerpoint/2010/main" val="2449552309"/>
+      </p:ext>
+    </p:extLst>
+  </p:cSld>
+  <p:clrMapOvr>
+    <a:masterClrMapping/>
+  </p:clrMapOvr>
+</p:sld>
+</file>
+
+<file path=ppt/slides/slide33.xml><?xml version="1.0" encoding="utf-8"?>
+<p:sld xmlns:a="http://schemas.openxmlformats.org/drawingml/2006/main" xmlns:r="http://schemas.openxmlformats.org/officeDocument/2006/relationships" xmlns:p="http://schemas.openxmlformats.org/presentationml/2006/main">
+  <p:cSld>
+    <p:spTree>
+      <p:nvGrpSpPr>
+        <p:cNvPr id="1" name="">
+          <a:extLst>
+            <a:ext uri="{FF2B5EF4-FFF2-40B4-BE49-F238E27FC236}">
+              <a16:creationId xmlns:a16="http://schemas.microsoft.com/office/drawing/2014/main" id="{3BB136F8-680D-C4FA-4234-180F04BB4AE1}"/>
+            </a:ext>
+          </a:extLst>
+        </p:cNvPr>
+        <p:cNvGrpSpPr/>
+        <p:nvPr/>
+      </p:nvGrpSpPr>
+      <p:grpSpPr>
+        <a:xfrm>
+          <a:off x="0" y="0"/>
+          <a:ext cx="0" cy="0"/>
+          <a:chOff x="0" y="0"/>
+          <a:chExt cx="0" cy="0"/>
+        </a:xfrm>
+      </p:grpSpPr>
+      <p:sp>
+        <p:nvSpPr>
+          <p:cNvPr id="4" name="Slide Number Placeholder 3">
+            <a:extLst>
+              <a:ext uri="{FF2B5EF4-FFF2-40B4-BE49-F238E27FC236}">
+                <a16:creationId xmlns:a16="http://schemas.microsoft.com/office/drawing/2014/main" id="{F041BBCB-92FF-6D17-7365-9D9A1954DE6E}"/>
+              </a:ext>
+            </a:extLst>
+          </p:cNvPr>
+          <p:cNvSpPr>
+            <a:spLocks noGrp="1"/>
+          </p:cNvSpPr>
+          <p:nvPr>
+            <p:ph type="sldNum" sz="quarter" idx="12"/>
+          </p:nvPr>
+        </p:nvSpPr>
+        <p:spPr/>
+        <p:txBody>
+          <a:bodyPr/>
+          <a:lstStyle/>
+          <a:p>
+            <a:fld id="{B5CEABB6-07DC-46E8-9B57-56EC44A396E5}" type="slidenum">
+              <a:rPr lang="en-US" smtClean="0"/>
+              <a:pPr/>
+              <a:t>33</a:t>
+            </a:fld>
+            <a:endParaRPr lang="en-US" dirty="0"/>
+          </a:p>
+        </p:txBody>
+      </p:sp>
+      <p:sp>
+        <p:nvSpPr>
+          <p:cNvPr id="2" name="TextBox 1">
+            <a:extLst>
+              <a:ext uri="{FF2B5EF4-FFF2-40B4-BE49-F238E27FC236}">
+                <a16:creationId xmlns:a16="http://schemas.microsoft.com/office/drawing/2014/main" id="{0EF90E32-808E-19F0-DDC1-70E6581DBE3E}"/>
+              </a:ext>
+            </a:extLst>
+          </p:cNvPr>
+          <p:cNvSpPr txBox="1"/>
+          <p:nvPr/>
+        </p:nvSpPr>
+        <p:spPr>
+          <a:xfrm>
+            <a:off x="261257" y="3494028"/>
+            <a:ext cx="4338735" cy="2862322"/>
+          </a:xfrm>
+          <a:prstGeom prst="rect">
+            <a:avLst/>
+          </a:prstGeom>
+          <a:noFill/>
+        </p:spPr>
+        <p:txBody>
+          <a:bodyPr wrap="square" rtlCol="0">
+            <a:spAutoFit/>
+          </a:bodyPr>
+          <a:lstStyle/>
+          <a:p>
+            <a:r>
+              <a:rPr lang="en-US" sz="1000" dirty="0">
+                <a:latin typeface="Cascadia Code" panose="020B0609020000020004" pitchFamily="49" charset="0"/>
+                <a:cs typeface="Cascadia Code" panose="020B0609020000020004" pitchFamily="49" charset="0"/>
+              </a:rPr>
+              <a:t>SELECT Personality, AVG(</a:t>
+            </a:r>
+            <a:r>
+              <a:rPr lang="en-US" sz="1000" dirty="0" err="1">
+                <a:latin typeface="Cascadia Code" panose="020B0609020000020004" pitchFamily="49" charset="0"/>
+                <a:cs typeface="Cascadia Code" panose="020B0609020000020004" pitchFamily="49" charset="0"/>
+              </a:rPr>
+              <a:t>Social_event_attendance</a:t>
+            </a:r>
+            <a:r>
+              <a:rPr lang="en-US" sz="1000" dirty="0">
+                <a:latin typeface="Cascadia Code" panose="020B0609020000020004" pitchFamily="49" charset="0"/>
+                <a:cs typeface="Cascadia Code" panose="020B0609020000020004" pitchFamily="49" charset="0"/>
+              </a:rPr>
+              <a:t>) AS </a:t>
+            </a:r>
+            <a:r>
+              <a:rPr lang="en-US" sz="1000" dirty="0" err="1">
+                <a:latin typeface="Cascadia Code" panose="020B0609020000020004" pitchFamily="49" charset="0"/>
+                <a:cs typeface="Cascadia Code" panose="020B0609020000020004" pitchFamily="49" charset="0"/>
+              </a:rPr>
+              <a:t>Average_Social_Event_Attendance</a:t>
+            </a:r>
+            <a:endParaRPr lang="en-US" sz="1000" dirty="0">
+              <a:latin typeface="Cascadia Code" panose="020B0609020000020004" pitchFamily="49" charset="0"/>
+              <a:cs typeface="Cascadia Code" panose="020B0609020000020004" pitchFamily="49" charset="0"/>
+            </a:endParaRPr>
+          </a:p>
+          <a:p>
+            <a:r>
+              <a:rPr lang="en-US" sz="1000" dirty="0">
+                <a:latin typeface="Cascadia Code" panose="020B0609020000020004" pitchFamily="49" charset="0"/>
+                <a:cs typeface="Cascadia Code" panose="020B0609020000020004" pitchFamily="49" charset="0"/>
+              </a:rPr>
+              <a:t>FROM `ccbd-exam-2025-darnall.intro_extro_behavior.intro_extro_data`</a:t>
+            </a:r>
+          </a:p>
+          <a:p>
+            <a:r>
+              <a:rPr lang="en-US" sz="1000" dirty="0">
+                <a:latin typeface="Cascadia Code" panose="020B0609020000020004" pitchFamily="49" charset="0"/>
+                <a:cs typeface="Cascadia Code" panose="020B0609020000020004" pitchFamily="49" charset="0"/>
+              </a:rPr>
+              <a:t>GROUP BY Personality</a:t>
+            </a:r>
+          </a:p>
+          <a:p>
+            <a:endParaRPr lang="en-US" sz="1000" dirty="0">
+              <a:latin typeface="Cascadia Code" panose="020B0609020000020004" pitchFamily="49" charset="0"/>
+              <a:cs typeface="Cascadia Code" panose="020B0609020000020004" pitchFamily="49" charset="0"/>
+            </a:endParaRPr>
+          </a:p>
+          <a:p>
+            <a:r>
+              <a:rPr lang="en-US" sz="1000" dirty="0">
+                <a:latin typeface="Cascadia Code" panose="020B0609020000020004" pitchFamily="49" charset="0"/>
+                <a:cs typeface="Cascadia Code" panose="020B0609020000020004" pitchFamily="49" charset="0"/>
+              </a:rPr>
+              <a:t>%</a:t>
+            </a:r>
+            <a:r>
+              <a:rPr lang="en-US" sz="1000" dirty="0" err="1">
+                <a:latin typeface="Cascadia Code" panose="020B0609020000020004" pitchFamily="49" charset="0"/>
+                <a:cs typeface="Cascadia Code" panose="020B0609020000020004" pitchFamily="49" charset="0"/>
+              </a:rPr>
+              <a:t>sql</a:t>
+            </a:r>
+            <a:endParaRPr lang="en-US" sz="1000" dirty="0">
+              <a:latin typeface="Cascadia Code" panose="020B0609020000020004" pitchFamily="49" charset="0"/>
+              <a:cs typeface="Cascadia Code" panose="020B0609020000020004" pitchFamily="49" charset="0"/>
+            </a:endParaRPr>
+          </a:p>
+          <a:p>
+            <a:r>
+              <a:rPr lang="en-US" sz="1000" dirty="0">
+                <a:latin typeface="Cascadia Code" panose="020B0609020000020004" pitchFamily="49" charset="0"/>
+                <a:cs typeface="Cascadia Code" panose="020B0609020000020004" pitchFamily="49" charset="0"/>
+              </a:rPr>
+              <a:t>SELECT Personality, AVG(</a:t>
+            </a:r>
+            <a:r>
+              <a:rPr lang="en-US" sz="1000" dirty="0" err="1">
+                <a:latin typeface="Cascadia Code" panose="020B0609020000020004" pitchFamily="49" charset="0"/>
+                <a:cs typeface="Cascadia Code" panose="020B0609020000020004" pitchFamily="49" charset="0"/>
+              </a:rPr>
+              <a:t>Social_event_attendance</a:t>
+            </a:r>
+            <a:r>
+              <a:rPr lang="en-US" sz="1000" dirty="0">
+                <a:latin typeface="Cascadia Code" panose="020B0609020000020004" pitchFamily="49" charset="0"/>
+                <a:cs typeface="Cascadia Code" panose="020B0609020000020004" pitchFamily="49" charset="0"/>
+              </a:rPr>
+              <a:t>) AS </a:t>
+            </a:r>
+            <a:r>
+              <a:rPr lang="en-US" sz="1000" dirty="0" err="1">
+                <a:latin typeface="Cascadia Code" panose="020B0609020000020004" pitchFamily="49" charset="0"/>
+                <a:cs typeface="Cascadia Code" panose="020B0609020000020004" pitchFamily="49" charset="0"/>
+              </a:rPr>
+              <a:t>Average_Social_Event_Attendance</a:t>
+            </a:r>
+            <a:endParaRPr lang="en-US" sz="1000" dirty="0">
+              <a:latin typeface="Cascadia Code" panose="020B0609020000020004" pitchFamily="49" charset="0"/>
+              <a:cs typeface="Cascadia Code" panose="020B0609020000020004" pitchFamily="49" charset="0"/>
+            </a:endParaRPr>
+          </a:p>
+          <a:p>
+            <a:r>
+              <a:rPr lang="en-US" sz="1000" dirty="0">
+                <a:latin typeface="Cascadia Code" panose="020B0609020000020004" pitchFamily="49" charset="0"/>
+                <a:cs typeface="Cascadia Code" panose="020B0609020000020004" pitchFamily="49" charset="0"/>
+              </a:rPr>
+              <a:t>FROM </a:t>
+            </a:r>
+            <a:r>
+              <a:rPr lang="en-US" sz="1000" dirty="0" err="1">
+                <a:latin typeface="Cascadia Code" panose="020B0609020000020004" pitchFamily="49" charset="0"/>
+                <a:cs typeface="Cascadia Code" panose="020B0609020000020004" pitchFamily="49" charset="0"/>
+              </a:rPr>
+              <a:t>haky_workspace.default.personality_dataset</a:t>
+            </a:r>
+            <a:endParaRPr lang="en-US" sz="1000" dirty="0">
+              <a:latin typeface="Cascadia Code" panose="020B0609020000020004" pitchFamily="49" charset="0"/>
+              <a:cs typeface="Cascadia Code" panose="020B0609020000020004" pitchFamily="49" charset="0"/>
+            </a:endParaRPr>
+          </a:p>
+          <a:p>
+            <a:r>
+              <a:rPr lang="en-US" sz="1000" dirty="0">
+                <a:latin typeface="Cascadia Code" panose="020B0609020000020004" pitchFamily="49" charset="0"/>
+                <a:cs typeface="Cascadia Code" panose="020B0609020000020004" pitchFamily="49" charset="0"/>
+              </a:rPr>
+              <a:t>GROUP BY Personality</a:t>
+            </a:r>
+          </a:p>
+          <a:p>
+            <a:endParaRPr lang="en-US" sz="1000" dirty="0">
+              <a:latin typeface="Cascadia Code" panose="020B0609020000020004" pitchFamily="49" charset="0"/>
+              <a:cs typeface="Cascadia Code" panose="020B0609020000020004" pitchFamily="49" charset="0"/>
+            </a:endParaRPr>
+          </a:p>
+          <a:p>
+            <a:endParaRPr lang="en-US" sz="1000" dirty="0">
+              <a:latin typeface="Cascadia Code" panose="020B0609020000020004" pitchFamily="49" charset="0"/>
+              <a:cs typeface="Cascadia Code" panose="020B0609020000020004" pitchFamily="49" charset="0"/>
+            </a:endParaRPr>
+          </a:p>
+          <a:p>
+            <a:r>
+              <a:rPr lang="en-US" sz="1000" dirty="0" err="1">
+                <a:latin typeface="Cascadia Code" panose="020B0609020000020004" pitchFamily="49" charset="0"/>
+                <a:cs typeface="Cascadia Code" panose="020B0609020000020004" pitchFamily="49" charset="0"/>
+              </a:rPr>
+              <a:t>df.groupBy</a:t>
+            </a:r>
+            <a:r>
+              <a:rPr lang="en-US" sz="1000" dirty="0">
+                <a:latin typeface="Cascadia Code" panose="020B0609020000020004" pitchFamily="49" charset="0"/>
+                <a:cs typeface="Cascadia Code" panose="020B0609020000020004" pitchFamily="49" charset="0"/>
+              </a:rPr>
+              <a:t>("Personality") \</a:t>
+            </a:r>
+          </a:p>
+          <a:p>
+            <a:r>
+              <a:rPr lang="en-US" sz="1000" dirty="0">
+                <a:latin typeface="Cascadia Code" panose="020B0609020000020004" pitchFamily="49" charset="0"/>
+                <a:cs typeface="Cascadia Code" panose="020B0609020000020004" pitchFamily="49" charset="0"/>
+              </a:rPr>
+              <a:t>  .</a:t>
+            </a:r>
+            <a:r>
+              <a:rPr lang="en-US" sz="1000" dirty="0" err="1">
+                <a:latin typeface="Cascadia Code" panose="020B0609020000020004" pitchFamily="49" charset="0"/>
+                <a:cs typeface="Cascadia Code" panose="020B0609020000020004" pitchFamily="49" charset="0"/>
+              </a:rPr>
+              <a:t>agg</a:t>
+            </a:r>
+            <a:r>
+              <a:rPr lang="en-US" sz="1000" dirty="0">
+                <a:latin typeface="Cascadia Code" panose="020B0609020000020004" pitchFamily="49" charset="0"/>
+                <a:cs typeface="Cascadia Code" panose="020B0609020000020004" pitchFamily="49" charset="0"/>
+              </a:rPr>
+              <a:t>(avg("</a:t>
+            </a:r>
+            <a:r>
+              <a:rPr lang="en-US" sz="1000" dirty="0" err="1">
+                <a:latin typeface="Cascadia Code" panose="020B0609020000020004" pitchFamily="49" charset="0"/>
+                <a:cs typeface="Cascadia Code" panose="020B0609020000020004" pitchFamily="49" charset="0"/>
+              </a:rPr>
+              <a:t>Social_event_attendance</a:t>
+            </a:r>
+            <a:r>
+              <a:rPr lang="en-US" sz="1000" dirty="0">
+                <a:latin typeface="Cascadia Code" panose="020B0609020000020004" pitchFamily="49" charset="0"/>
+                <a:cs typeface="Cascadia Code" panose="020B0609020000020004" pitchFamily="49" charset="0"/>
+              </a:rPr>
+              <a:t>").alias("</a:t>
+            </a:r>
+            <a:r>
+              <a:rPr lang="en-US" sz="1000" dirty="0" err="1">
+                <a:latin typeface="Cascadia Code" panose="020B0609020000020004" pitchFamily="49" charset="0"/>
+                <a:cs typeface="Cascadia Code" panose="020B0609020000020004" pitchFamily="49" charset="0"/>
+              </a:rPr>
+              <a:t>Average_Social_Event_Attendance</a:t>
+            </a:r>
+            <a:r>
+              <a:rPr lang="en-US" sz="1000" dirty="0">
+                <a:latin typeface="Cascadia Code" panose="020B0609020000020004" pitchFamily="49" charset="0"/>
+                <a:cs typeface="Cascadia Code" panose="020B0609020000020004" pitchFamily="49" charset="0"/>
+              </a:rPr>
+              <a:t>")) \</a:t>
+            </a:r>
+          </a:p>
+          <a:p>
+            <a:r>
+              <a:rPr lang="en-US" sz="1000" dirty="0">
+                <a:latin typeface="Cascadia Code" panose="020B0609020000020004" pitchFamily="49" charset="0"/>
+                <a:cs typeface="Cascadia Code" panose="020B0609020000020004" pitchFamily="49" charset="0"/>
+              </a:rPr>
+              <a:t>  .show()</a:t>
+            </a:r>
+          </a:p>
+          <a:p>
+            <a:endParaRPr lang="en-US" sz="1000" dirty="0">
+              <a:latin typeface="Cascadia Code" panose="020B0609020000020004" pitchFamily="49" charset="0"/>
+              <a:cs typeface="Cascadia Code" panose="020B0609020000020004" pitchFamily="49" charset="0"/>
+            </a:endParaRPr>
+          </a:p>
+        </p:txBody>
+      </p:sp>
+      <p:pic>
+        <p:nvPicPr>
+          <p:cNvPr id="5" name="Picture 4" descr="A blue and orange pie chart&#10;&#10;AI-generated content may be incorrect.">
+            <a:extLst>
+              <a:ext uri="{FF2B5EF4-FFF2-40B4-BE49-F238E27FC236}">
+                <a16:creationId xmlns:a16="http://schemas.microsoft.com/office/drawing/2014/main" id="{5164F18B-FADF-705F-88AB-C620F65EB293}"/>
+              </a:ext>
+            </a:extLst>
+          </p:cNvPr>
+          <p:cNvPicPr>
+            <a:picLocks noChangeAspect="1"/>
+          </p:cNvPicPr>
+          <p:nvPr/>
+        </p:nvPicPr>
+        <p:blipFill>
+          <a:blip r:embed="rId2"/>
+          <a:stretch>
+            <a:fillRect/>
+          </a:stretch>
+        </p:blipFill>
+        <p:spPr>
+          <a:xfrm>
+            <a:off x="423863" y="1524000"/>
+            <a:ext cx="5672138" cy="1905000"/>
+          </a:xfrm>
+          <a:prstGeom prst="rect">
+            <a:avLst/>
+          </a:prstGeom>
+        </p:spPr>
+      </p:pic>
+      <p:sp>
+        <p:nvSpPr>
+          <p:cNvPr id="6" name="TextBox 5">
+            <a:extLst>
+              <a:ext uri="{FF2B5EF4-FFF2-40B4-BE49-F238E27FC236}">
+                <a16:creationId xmlns:a16="http://schemas.microsoft.com/office/drawing/2014/main" id="{FB1F4C7F-50E5-EED6-BE7A-FA5A370161CF}"/>
+              </a:ext>
+            </a:extLst>
+          </p:cNvPr>
+          <p:cNvSpPr txBox="1"/>
+          <p:nvPr/>
+        </p:nvSpPr>
+        <p:spPr>
+          <a:xfrm>
+            <a:off x="1694795" y="625151"/>
+            <a:ext cx="8802410" cy="369332"/>
+          </a:xfrm>
+          <a:prstGeom prst="rect">
+            <a:avLst/>
+          </a:prstGeom>
+          <a:noFill/>
+        </p:spPr>
+        <p:txBody>
+          <a:bodyPr wrap="none" rtlCol="0">
+            <a:spAutoFit/>
+          </a:bodyPr>
+          <a:lstStyle/>
+          <a:p>
+            <a:r>
+              <a:rPr lang="en-US" dirty="0">
+                <a:latin typeface="Cascadia Code" panose="020B0609020000020004" pitchFamily="49" charset="0"/>
+                <a:cs typeface="Cascadia Code" panose="020B0609020000020004" pitchFamily="49" charset="0"/>
+              </a:rPr>
+              <a:t>What is the average Social Event Attendance per Personality Type</a:t>
+            </a:r>
+          </a:p>
+        </p:txBody>
+      </p:sp>
+    </p:spTree>
+    <p:extLst>
+      <p:ext uri="{BB962C8B-B14F-4D97-AF65-F5344CB8AC3E}">
+        <p14:creationId xmlns:p14="http://schemas.microsoft.com/office/powerpoint/2010/main" val="963841192"/>
+      </p:ext>
+    </p:extLst>
+  </p:cSld>
+  <p:clrMapOvr>
+    <a:masterClrMapping/>
+  </p:clrMapOvr>
+</p:sld>
+</file>
+
+<file path=ppt/slides/slide34.xml><?xml version="1.0" encoding="utf-8"?>
+<p:sld xmlns:a="http://schemas.openxmlformats.org/drawingml/2006/main" xmlns:r="http://schemas.openxmlformats.org/officeDocument/2006/relationships" xmlns:p="http://schemas.openxmlformats.org/presentationml/2006/main">
+  <p:cSld>
+    <p:spTree>
+      <p:nvGrpSpPr>
+        <p:cNvPr id="1" name="">
+          <a:extLst>
+            <a:ext uri="{FF2B5EF4-FFF2-40B4-BE49-F238E27FC236}">
+              <a16:creationId xmlns:a16="http://schemas.microsoft.com/office/drawing/2014/main" id="{509CDEEB-1193-DDB3-4A55-375493A3F580}"/>
+            </a:ext>
+          </a:extLst>
+        </p:cNvPr>
+        <p:cNvGrpSpPr/>
+        <p:nvPr/>
+      </p:nvGrpSpPr>
+      <p:grpSpPr>
+        <a:xfrm>
+          <a:off x="0" y="0"/>
+          <a:ext cx="0" cy="0"/>
+          <a:chOff x="0" y="0"/>
+          <a:chExt cx="0" cy="0"/>
+        </a:xfrm>
+      </p:grpSpPr>
+      <p:sp>
+        <p:nvSpPr>
+          <p:cNvPr id="4" name="Slide Number Placeholder 3">
+            <a:extLst>
+              <a:ext uri="{FF2B5EF4-FFF2-40B4-BE49-F238E27FC236}">
+                <a16:creationId xmlns:a16="http://schemas.microsoft.com/office/drawing/2014/main" id="{2E16B148-C688-4464-7F62-F22CF9A5E6A4}"/>
+              </a:ext>
+            </a:extLst>
+          </p:cNvPr>
+          <p:cNvSpPr>
+            <a:spLocks noGrp="1"/>
+          </p:cNvSpPr>
+          <p:nvPr>
+            <p:ph type="sldNum" sz="quarter" idx="12"/>
+          </p:nvPr>
+        </p:nvSpPr>
+        <p:spPr/>
+        <p:txBody>
+          <a:bodyPr/>
+          <a:lstStyle/>
+          <a:p>
+            <a:fld id="{B5CEABB6-07DC-46E8-9B57-56EC44A396E5}" type="slidenum">
+              <a:rPr lang="en-US" smtClean="0"/>
+              <a:pPr/>
+              <a:t>34</a:t>
+            </a:fld>
+            <a:endParaRPr lang="en-US" dirty="0"/>
+          </a:p>
+        </p:txBody>
+      </p:sp>
+      <p:sp>
+        <p:nvSpPr>
+          <p:cNvPr id="2" name="TextBox 1">
+            <a:extLst>
+              <a:ext uri="{FF2B5EF4-FFF2-40B4-BE49-F238E27FC236}">
+                <a16:creationId xmlns:a16="http://schemas.microsoft.com/office/drawing/2014/main" id="{CDC815F5-9535-7DAF-2F2A-9C99813B6A0C}"/>
+              </a:ext>
+            </a:extLst>
+          </p:cNvPr>
+          <p:cNvSpPr txBox="1"/>
+          <p:nvPr/>
+        </p:nvSpPr>
+        <p:spPr>
+          <a:xfrm>
+            <a:off x="279918" y="4109581"/>
+            <a:ext cx="5626359" cy="2246769"/>
+          </a:xfrm>
+          <a:prstGeom prst="rect">
+            <a:avLst/>
+          </a:prstGeom>
+          <a:noFill/>
+        </p:spPr>
+        <p:txBody>
+          <a:bodyPr wrap="square" rtlCol="0">
+            <a:spAutoFit/>
+          </a:bodyPr>
+          <a:lstStyle/>
+          <a:p>
+            <a:r>
+              <a:rPr lang="en-US" sz="1000" dirty="0">
+                <a:latin typeface="Cascadia Code" panose="020B0609020000020004" pitchFamily="49" charset="0"/>
+                <a:cs typeface="Cascadia Code" panose="020B0609020000020004" pitchFamily="49" charset="0"/>
+              </a:rPr>
+              <a:t>SELECT Personality, AVG(</a:t>
+            </a:r>
+            <a:r>
+              <a:rPr lang="en-US" sz="1000" dirty="0" err="1">
+                <a:latin typeface="Cascadia Code" panose="020B0609020000020004" pitchFamily="49" charset="0"/>
+                <a:cs typeface="Cascadia Code" panose="020B0609020000020004" pitchFamily="49" charset="0"/>
+              </a:rPr>
+              <a:t>Post_frequency</a:t>
+            </a:r>
+            <a:r>
+              <a:rPr lang="en-US" sz="1000" dirty="0">
+                <a:latin typeface="Cascadia Code" panose="020B0609020000020004" pitchFamily="49" charset="0"/>
+                <a:cs typeface="Cascadia Code" panose="020B0609020000020004" pitchFamily="49" charset="0"/>
+              </a:rPr>
+              <a:t>) AS </a:t>
+            </a:r>
+            <a:r>
+              <a:rPr lang="en-US" sz="1000" dirty="0" err="1">
+                <a:latin typeface="Cascadia Code" panose="020B0609020000020004" pitchFamily="49" charset="0"/>
+                <a:cs typeface="Cascadia Code" panose="020B0609020000020004" pitchFamily="49" charset="0"/>
+              </a:rPr>
+              <a:t>Average_Social_Post_Frequency</a:t>
+            </a:r>
+            <a:endParaRPr lang="en-US" sz="1000" dirty="0">
+              <a:latin typeface="Cascadia Code" panose="020B0609020000020004" pitchFamily="49" charset="0"/>
+              <a:cs typeface="Cascadia Code" panose="020B0609020000020004" pitchFamily="49" charset="0"/>
+            </a:endParaRPr>
+          </a:p>
+          <a:p>
+            <a:r>
+              <a:rPr lang="en-US" sz="1000" dirty="0">
+                <a:latin typeface="Cascadia Code" panose="020B0609020000020004" pitchFamily="49" charset="0"/>
+                <a:cs typeface="Cascadia Code" panose="020B0609020000020004" pitchFamily="49" charset="0"/>
+              </a:rPr>
+              <a:t>FROM `ccbd-exam-2025-darnall.intro_extro_behavior.intro_extro_data`</a:t>
+            </a:r>
+          </a:p>
+          <a:p>
+            <a:r>
+              <a:rPr lang="en-US" sz="1000" dirty="0">
+                <a:latin typeface="Cascadia Code" panose="020B0609020000020004" pitchFamily="49" charset="0"/>
+                <a:cs typeface="Cascadia Code" panose="020B0609020000020004" pitchFamily="49" charset="0"/>
+              </a:rPr>
+              <a:t>GROUP BY Personality</a:t>
+            </a:r>
+          </a:p>
+          <a:p>
+            <a:endParaRPr lang="en-US" sz="1000" dirty="0">
+              <a:latin typeface="Cascadia Code" panose="020B0609020000020004" pitchFamily="49" charset="0"/>
+              <a:cs typeface="Cascadia Code" panose="020B0609020000020004" pitchFamily="49" charset="0"/>
+            </a:endParaRPr>
+          </a:p>
+          <a:p>
+            <a:r>
+              <a:rPr lang="en-US" sz="1000" dirty="0">
+                <a:latin typeface="Cascadia Code" panose="020B0609020000020004" pitchFamily="49" charset="0"/>
+                <a:cs typeface="Cascadia Code" panose="020B0609020000020004" pitchFamily="49" charset="0"/>
+              </a:rPr>
+              <a:t>%</a:t>
+            </a:r>
+            <a:r>
+              <a:rPr lang="en-US" sz="1000" dirty="0" err="1">
+                <a:latin typeface="Cascadia Code" panose="020B0609020000020004" pitchFamily="49" charset="0"/>
+                <a:cs typeface="Cascadia Code" panose="020B0609020000020004" pitchFamily="49" charset="0"/>
+              </a:rPr>
+              <a:t>sql</a:t>
+            </a:r>
+            <a:endParaRPr lang="en-US" sz="1000" dirty="0">
+              <a:latin typeface="Cascadia Code" panose="020B0609020000020004" pitchFamily="49" charset="0"/>
+              <a:cs typeface="Cascadia Code" panose="020B0609020000020004" pitchFamily="49" charset="0"/>
+            </a:endParaRPr>
+          </a:p>
+          <a:p>
+            <a:r>
+              <a:rPr lang="en-US" sz="1000" dirty="0">
+                <a:latin typeface="Cascadia Code" panose="020B0609020000020004" pitchFamily="49" charset="0"/>
+                <a:cs typeface="Cascadia Code" panose="020B0609020000020004" pitchFamily="49" charset="0"/>
+              </a:rPr>
+              <a:t>SELECT Personality, AVG(</a:t>
+            </a:r>
+            <a:r>
+              <a:rPr lang="en-US" sz="1000" dirty="0" err="1">
+                <a:latin typeface="Cascadia Code" panose="020B0609020000020004" pitchFamily="49" charset="0"/>
+                <a:cs typeface="Cascadia Code" panose="020B0609020000020004" pitchFamily="49" charset="0"/>
+              </a:rPr>
+              <a:t>Post_frequency</a:t>
+            </a:r>
+            <a:r>
+              <a:rPr lang="en-US" sz="1000" dirty="0">
+                <a:latin typeface="Cascadia Code" panose="020B0609020000020004" pitchFamily="49" charset="0"/>
+                <a:cs typeface="Cascadia Code" panose="020B0609020000020004" pitchFamily="49" charset="0"/>
+              </a:rPr>
+              <a:t>) AS </a:t>
+            </a:r>
+            <a:r>
+              <a:rPr lang="en-US" sz="1000" dirty="0" err="1">
+                <a:latin typeface="Cascadia Code" panose="020B0609020000020004" pitchFamily="49" charset="0"/>
+                <a:cs typeface="Cascadia Code" panose="020B0609020000020004" pitchFamily="49" charset="0"/>
+              </a:rPr>
+              <a:t>Average_Social_Post_Frequency</a:t>
+            </a:r>
+            <a:endParaRPr lang="en-US" sz="1000" dirty="0">
+              <a:latin typeface="Cascadia Code" panose="020B0609020000020004" pitchFamily="49" charset="0"/>
+              <a:cs typeface="Cascadia Code" panose="020B0609020000020004" pitchFamily="49" charset="0"/>
+            </a:endParaRPr>
+          </a:p>
+          <a:p>
+            <a:r>
+              <a:rPr lang="en-US" sz="1000" dirty="0">
+                <a:latin typeface="Cascadia Code" panose="020B0609020000020004" pitchFamily="49" charset="0"/>
+                <a:cs typeface="Cascadia Code" panose="020B0609020000020004" pitchFamily="49" charset="0"/>
+              </a:rPr>
+              <a:t>FROM </a:t>
+            </a:r>
+            <a:r>
+              <a:rPr lang="en-US" sz="1000" dirty="0" err="1">
+                <a:latin typeface="Cascadia Code" panose="020B0609020000020004" pitchFamily="49" charset="0"/>
+                <a:cs typeface="Cascadia Code" panose="020B0609020000020004" pitchFamily="49" charset="0"/>
+              </a:rPr>
+              <a:t>haky_workspace.default.personality_dataset</a:t>
+            </a:r>
+            <a:endParaRPr lang="en-US" sz="1000" dirty="0">
+              <a:latin typeface="Cascadia Code" panose="020B0609020000020004" pitchFamily="49" charset="0"/>
+              <a:cs typeface="Cascadia Code" panose="020B0609020000020004" pitchFamily="49" charset="0"/>
+            </a:endParaRPr>
+          </a:p>
+          <a:p>
+            <a:r>
+              <a:rPr lang="en-US" sz="1000" dirty="0">
+                <a:latin typeface="Cascadia Code" panose="020B0609020000020004" pitchFamily="49" charset="0"/>
+                <a:cs typeface="Cascadia Code" panose="020B0609020000020004" pitchFamily="49" charset="0"/>
+              </a:rPr>
+              <a:t>GROUP BY Personality</a:t>
+            </a:r>
+          </a:p>
+          <a:p>
+            <a:endParaRPr lang="en-US" sz="1000" dirty="0">
+              <a:latin typeface="Cascadia Code" panose="020B0609020000020004" pitchFamily="49" charset="0"/>
+              <a:cs typeface="Cascadia Code" panose="020B0609020000020004" pitchFamily="49" charset="0"/>
+            </a:endParaRPr>
+          </a:p>
+          <a:p>
+            <a:endParaRPr lang="en-US" sz="1000" dirty="0">
+              <a:latin typeface="Cascadia Code" panose="020B0609020000020004" pitchFamily="49" charset="0"/>
+              <a:cs typeface="Cascadia Code" panose="020B0609020000020004" pitchFamily="49" charset="0"/>
+            </a:endParaRPr>
+          </a:p>
+          <a:p>
+            <a:r>
+              <a:rPr lang="en-US" sz="1000" dirty="0" err="1">
+                <a:latin typeface="Cascadia Code" panose="020B0609020000020004" pitchFamily="49" charset="0"/>
+                <a:cs typeface="Cascadia Code" panose="020B0609020000020004" pitchFamily="49" charset="0"/>
+              </a:rPr>
+              <a:t>df.groupBy</a:t>
+            </a:r>
+            <a:r>
+              <a:rPr lang="en-US" sz="1000" dirty="0">
+                <a:latin typeface="Cascadia Code" panose="020B0609020000020004" pitchFamily="49" charset="0"/>
+                <a:cs typeface="Cascadia Code" panose="020B0609020000020004" pitchFamily="49" charset="0"/>
+              </a:rPr>
+              <a:t>("Personality") \</a:t>
+            </a:r>
+          </a:p>
+          <a:p>
+            <a:r>
+              <a:rPr lang="en-US" sz="1000" dirty="0">
+                <a:latin typeface="Cascadia Code" panose="020B0609020000020004" pitchFamily="49" charset="0"/>
+                <a:cs typeface="Cascadia Code" panose="020B0609020000020004" pitchFamily="49" charset="0"/>
+              </a:rPr>
+              <a:t>  .</a:t>
+            </a:r>
+            <a:r>
+              <a:rPr lang="en-US" sz="1000" dirty="0" err="1">
+                <a:latin typeface="Cascadia Code" panose="020B0609020000020004" pitchFamily="49" charset="0"/>
+                <a:cs typeface="Cascadia Code" panose="020B0609020000020004" pitchFamily="49" charset="0"/>
+              </a:rPr>
+              <a:t>agg</a:t>
+            </a:r>
+            <a:r>
+              <a:rPr lang="en-US" sz="1000" dirty="0">
+                <a:latin typeface="Cascadia Code" panose="020B0609020000020004" pitchFamily="49" charset="0"/>
+                <a:cs typeface="Cascadia Code" panose="020B0609020000020004" pitchFamily="49" charset="0"/>
+              </a:rPr>
+              <a:t>(avg("</a:t>
+            </a:r>
+            <a:r>
+              <a:rPr lang="en-US" sz="1000" dirty="0" err="1">
+                <a:latin typeface="Cascadia Code" panose="020B0609020000020004" pitchFamily="49" charset="0"/>
+                <a:cs typeface="Cascadia Code" panose="020B0609020000020004" pitchFamily="49" charset="0"/>
+              </a:rPr>
+              <a:t>Post_frequency</a:t>
+            </a:r>
+            <a:r>
+              <a:rPr lang="en-US" sz="1000" dirty="0">
+                <a:latin typeface="Cascadia Code" panose="020B0609020000020004" pitchFamily="49" charset="0"/>
+                <a:cs typeface="Cascadia Code" panose="020B0609020000020004" pitchFamily="49" charset="0"/>
+              </a:rPr>
+              <a:t>").alias("</a:t>
+            </a:r>
+            <a:r>
+              <a:rPr lang="en-US" sz="1000" dirty="0" err="1">
+                <a:latin typeface="Cascadia Code" panose="020B0609020000020004" pitchFamily="49" charset="0"/>
+                <a:cs typeface="Cascadia Code" panose="020B0609020000020004" pitchFamily="49" charset="0"/>
+              </a:rPr>
+              <a:t>Average_Social_Post_Frequency</a:t>
+            </a:r>
+            <a:r>
+              <a:rPr lang="en-US" sz="1000" dirty="0">
+                <a:latin typeface="Cascadia Code" panose="020B0609020000020004" pitchFamily="49" charset="0"/>
+                <a:cs typeface="Cascadia Code" panose="020B0609020000020004" pitchFamily="49" charset="0"/>
+              </a:rPr>
+              <a:t>")) \</a:t>
+            </a:r>
+          </a:p>
+          <a:p>
+            <a:r>
+              <a:rPr lang="en-US" sz="1000" dirty="0">
+                <a:latin typeface="Cascadia Code" panose="020B0609020000020004" pitchFamily="49" charset="0"/>
+                <a:cs typeface="Cascadia Code" panose="020B0609020000020004" pitchFamily="49" charset="0"/>
+              </a:rPr>
+              <a:t>  .show()</a:t>
+            </a:r>
+          </a:p>
+          <a:p>
+            <a:endParaRPr lang="en-US" sz="1000" dirty="0">
+              <a:latin typeface="Cascadia Code" panose="020B0609020000020004" pitchFamily="49" charset="0"/>
+              <a:cs typeface="Cascadia Code" panose="020B0609020000020004" pitchFamily="49" charset="0"/>
+            </a:endParaRPr>
+          </a:p>
+        </p:txBody>
+      </p:sp>
+      <p:pic>
+        <p:nvPicPr>
+          <p:cNvPr id="5" name="Picture 4" descr="A pie chart with numbers and text&#10;&#10;AI-generated content may be incorrect.">
+            <a:extLst>
+              <a:ext uri="{FF2B5EF4-FFF2-40B4-BE49-F238E27FC236}">
+                <a16:creationId xmlns:a16="http://schemas.microsoft.com/office/drawing/2014/main" id="{BC18953F-E0C9-19EE-5C25-AF567024E6E4}"/>
+              </a:ext>
+            </a:extLst>
+          </p:cNvPr>
+          <p:cNvPicPr>
+            <a:picLocks noChangeAspect="1"/>
+          </p:cNvPicPr>
+          <p:nvPr/>
+        </p:nvPicPr>
+        <p:blipFill>
+          <a:blip r:embed="rId2"/>
+          <a:stretch>
+            <a:fillRect/>
+          </a:stretch>
+        </p:blipFill>
+        <p:spPr>
+          <a:xfrm>
+            <a:off x="423862" y="1524000"/>
+            <a:ext cx="6900669" cy="2317605"/>
+          </a:xfrm>
+          <a:prstGeom prst="rect">
+            <a:avLst/>
+          </a:prstGeom>
+        </p:spPr>
+      </p:pic>
+      <p:sp>
+        <p:nvSpPr>
+          <p:cNvPr id="6" name="TextBox 5">
+            <a:extLst>
+              <a:ext uri="{FF2B5EF4-FFF2-40B4-BE49-F238E27FC236}">
+                <a16:creationId xmlns:a16="http://schemas.microsoft.com/office/drawing/2014/main" id="{682E3EB4-1501-8EA4-6055-F1D139A1805F}"/>
+              </a:ext>
+            </a:extLst>
+          </p:cNvPr>
+          <p:cNvSpPr txBox="1"/>
+          <p:nvPr/>
+        </p:nvSpPr>
+        <p:spPr>
+          <a:xfrm>
+            <a:off x="2178333" y="662473"/>
+            <a:ext cx="7455887" cy="369332"/>
+          </a:xfrm>
+          <a:prstGeom prst="rect">
+            <a:avLst/>
+          </a:prstGeom>
+          <a:noFill/>
+        </p:spPr>
+        <p:txBody>
+          <a:bodyPr wrap="none" rtlCol="0">
+            <a:spAutoFit/>
+          </a:bodyPr>
+          <a:lstStyle/>
+          <a:p>
+            <a:r>
+              <a:rPr lang="en-US" dirty="0">
+                <a:latin typeface="Cascadia Code" panose="020B0609020000020004" pitchFamily="49" charset="0"/>
+                <a:cs typeface="Cascadia Code" panose="020B0609020000020004" pitchFamily="49" charset="0"/>
+              </a:rPr>
+              <a:t>What is the average Post Frequency by Personality Type</a:t>
+            </a:r>
+          </a:p>
+        </p:txBody>
+      </p:sp>
+    </p:spTree>
+    <p:extLst>
+      <p:ext uri="{BB962C8B-B14F-4D97-AF65-F5344CB8AC3E}">
+        <p14:creationId xmlns:p14="http://schemas.microsoft.com/office/powerpoint/2010/main" val="2901657257"/>
+      </p:ext>
+    </p:extLst>
+  </p:cSld>
+  <p:clrMapOvr>
+    <a:masterClrMapping/>
+  </p:clrMapOvr>
+</p:sld>
+</file>
+
+<file path=ppt/slides/slide35.xml><?xml version="1.0" encoding="utf-8"?>
+<p:sld xmlns:a="http://schemas.openxmlformats.org/drawingml/2006/main" xmlns:r="http://schemas.openxmlformats.org/officeDocument/2006/relationships" xmlns:p="http://schemas.openxmlformats.org/presentationml/2006/main">
+  <p:cSld>
+    <p:spTree>
+      <p:nvGrpSpPr>
+        <p:cNvPr id="1" name="">
+          <a:extLst>
+            <a:ext uri="{FF2B5EF4-FFF2-40B4-BE49-F238E27FC236}">
+              <a16:creationId xmlns:a16="http://schemas.microsoft.com/office/drawing/2014/main" id="{487B2210-3589-5BEA-454C-F8B378256A6E}"/>
+            </a:ext>
+          </a:extLst>
+        </p:cNvPr>
+        <p:cNvGrpSpPr/>
+        <p:nvPr/>
+      </p:nvGrpSpPr>
+      <p:grpSpPr>
+        <a:xfrm>
+          <a:off x="0" y="0"/>
+          <a:ext cx="0" cy="0"/>
+          <a:chOff x="0" y="0"/>
+          <a:chExt cx="0" cy="0"/>
+        </a:xfrm>
+      </p:grpSpPr>
+      <p:sp>
+        <p:nvSpPr>
+          <p:cNvPr id="4" name="Slide Number Placeholder 3">
+            <a:extLst>
+              <a:ext uri="{FF2B5EF4-FFF2-40B4-BE49-F238E27FC236}">
+                <a16:creationId xmlns:a16="http://schemas.microsoft.com/office/drawing/2014/main" id="{91B8B028-B62D-E846-9D16-E08DDB46B3C0}"/>
+              </a:ext>
+            </a:extLst>
+          </p:cNvPr>
+          <p:cNvSpPr>
+            <a:spLocks noGrp="1"/>
+          </p:cNvSpPr>
+          <p:nvPr>
+            <p:ph type="sldNum" sz="quarter" idx="12"/>
+          </p:nvPr>
+        </p:nvSpPr>
+        <p:spPr/>
+        <p:txBody>
+          <a:bodyPr/>
+          <a:lstStyle/>
+          <a:p>
+            <a:fld id="{B5CEABB6-07DC-46E8-9B57-56EC44A396E5}" type="slidenum">
+              <a:rPr lang="en-US" smtClean="0"/>
+              <a:pPr/>
+              <a:t>35</a:t>
+            </a:fld>
+            <a:endParaRPr lang="en-US" dirty="0"/>
+          </a:p>
+        </p:txBody>
+      </p:sp>
+      <p:pic>
+        <p:nvPicPr>
+          <p:cNvPr id="3" name="Picture 2" descr="A diagram of a logistic system&#10;&#10;AI-generated content may be incorrect.">
+            <a:extLst>
+              <a:ext uri="{FF2B5EF4-FFF2-40B4-BE49-F238E27FC236}">
+                <a16:creationId xmlns:a16="http://schemas.microsoft.com/office/drawing/2014/main" id="{57ABF84F-498B-0BD5-B034-11181613CA16}"/>
+              </a:ext>
+            </a:extLst>
+          </p:cNvPr>
+          <p:cNvPicPr>
+            <a:picLocks noChangeAspect="1"/>
+          </p:cNvPicPr>
+          <p:nvPr/>
+        </p:nvPicPr>
+        <p:blipFill>
+          <a:blip r:embed="rId2"/>
+          <a:stretch>
+            <a:fillRect/>
+          </a:stretch>
+        </p:blipFill>
+        <p:spPr>
+          <a:xfrm>
+            <a:off x="1982561" y="1785354"/>
+            <a:ext cx="8096250" cy="4257675"/>
+          </a:xfrm>
+          <a:prstGeom prst="rect">
+            <a:avLst/>
+          </a:prstGeom>
+        </p:spPr>
+      </p:pic>
+      <p:sp>
+        <p:nvSpPr>
+          <p:cNvPr id="5" name="TextBox 4">
+            <a:extLst>
+              <a:ext uri="{FF2B5EF4-FFF2-40B4-BE49-F238E27FC236}">
+                <a16:creationId xmlns:a16="http://schemas.microsoft.com/office/drawing/2014/main" id="{E0087DE3-CB2A-07B0-7639-712BCC3DA8E7}"/>
+              </a:ext>
+            </a:extLst>
+          </p:cNvPr>
+          <p:cNvSpPr txBox="1"/>
+          <p:nvPr/>
+        </p:nvSpPr>
+        <p:spPr>
+          <a:xfrm>
+            <a:off x="1908796" y="634481"/>
+            <a:ext cx="8374408" cy="523220"/>
+          </a:xfrm>
+          <a:prstGeom prst="rect">
+            <a:avLst/>
+          </a:prstGeom>
+          <a:noFill/>
+        </p:spPr>
+        <p:txBody>
+          <a:bodyPr wrap="none" rtlCol="0">
+            <a:spAutoFit/>
+          </a:bodyPr>
+          <a:lstStyle/>
+          <a:p>
+            <a:r>
+              <a:rPr lang="en-US" sz="2800" dirty="0">
+                <a:latin typeface="Cascadia Code" panose="020B0609020000020004" pitchFamily="49" charset="0"/>
+                <a:cs typeface="Cascadia Code" panose="020B0609020000020004" pitchFamily="49" charset="0"/>
+              </a:rPr>
+              <a:t>Data Enrichment via Logistic Regression</a:t>
+            </a:r>
+          </a:p>
+        </p:txBody>
+      </p:sp>
+    </p:spTree>
+    <p:extLst>
+      <p:ext uri="{BB962C8B-B14F-4D97-AF65-F5344CB8AC3E}">
+        <p14:creationId xmlns:p14="http://schemas.microsoft.com/office/powerpoint/2010/main" val="3982205951"/>
+      </p:ext>
+    </p:extLst>
+  </p:cSld>
+  <p:clrMapOvr>
+    <a:masterClrMapping/>
+  </p:clrMapOvr>
+</p:sld>
+</file>
+
+<file path=ppt/slides/slide36.xml><?xml version="1.0" encoding="utf-8"?>
+<p:sld xmlns:a="http://schemas.openxmlformats.org/drawingml/2006/main" xmlns:r="http://schemas.openxmlformats.org/officeDocument/2006/relationships" xmlns:p="http://schemas.openxmlformats.org/presentationml/2006/main">
+  <p:cSld>
+    <p:spTree>
+      <p:nvGrpSpPr>
+        <p:cNvPr id="1" name="">
+          <a:extLst>
+            <a:ext uri="{FF2B5EF4-FFF2-40B4-BE49-F238E27FC236}">
+              <a16:creationId xmlns:a16="http://schemas.microsoft.com/office/drawing/2014/main" id="{B27C0FB9-0049-16AB-F09D-87B8149C2487}"/>
+            </a:ext>
+          </a:extLst>
+        </p:cNvPr>
+        <p:cNvGrpSpPr/>
+        <p:nvPr/>
+      </p:nvGrpSpPr>
+      <p:grpSpPr>
+        <a:xfrm>
+          <a:off x="0" y="0"/>
+          <a:ext cx="0" cy="0"/>
+          <a:chOff x="0" y="0"/>
+          <a:chExt cx="0" cy="0"/>
+        </a:xfrm>
+      </p:grpSpPr>
+      <p:sp>
+        <p:nvSpPr>
+          <p:cNvPr id="4" name="Slide Number Placeholder 3">
+            <a:extLst>
+              <a:ext uri="{FF2B5EF4-FFF2-40B4-BE49-F238E27FC236}">
+                <a16:creationId xmlns:a16="http://schemas.microsoft.com/office/drawing/2014/main" id="{3AC6AEA9-94FA-BDAA-E309-7BEB95E25F49}"/>
+              </a:ext>
+            </a:extLst>
+          </p:cNvPr>
+          <p:cNvSpPr>
+            <a:spLocks noGrp="1"/>
+          </p:cNvSpPr>
+          <p:nvPr>
+            <p:ph type="sldNum" sz="quarter" idx="12"/>
+          </p:nvPr>
+        </p:nvSpPr>
+        <p:spPr/>
+        <p:txBody>
+          <a:bodyPr/>
+          <a:lstStyle/>
+          <a:p>
+            <a:fld id="{B5CEABB6-07DC-46E8-9B57-56EC44A396E5}" type="slidenum">
+              <a:rPr lang="en-US" smtClean="0"/>
+              <a:pPr/>
+              <a:t>36</a:t>
+            </a:fld>
+            <a:endParaRPr lang="en-US" dirty="0"/>
+          </a:p>
+        </p:txBody>
+      </p:sp>
+      <p:pic>
+        <p:nvPicPr>
+          <p:cNvPr id="3" name="Picture 2" descr="A graph of a logistic regression curve&#10;&#10;AI-generated content may be incorrect.">
+            <a:extLst>
+              <a:ext uri="{FF2B5EF4-FFF2-40B4-BE49-F238E27FC236}">
+                <a16:creationId xmlns:a16="http://schemas.microsoft.com/office/drawing/2014/main" id="{564D9694-6B12-8B53-26C1-78BF8C03824B}"/>
+              </a:ext>
+            </a:extLst>
+          </p:cNvPr>
+          <p:cNvPicPr>
+            <a:picLocks noChangeAspect="1"/>
+          </p:cNvPicPr>
+          <p:nvPr/>
+        </p:nvPicPr>
+        <p:blipFill>
+          <a:blip r:embed="rId2"/>
+          <a:stretch>
+            <a:fillRect/>
+          </a:stretch>
+        </p:blipFill>
+        <p:spPr>
+          <a:xfrm>
+            <a:off x="2638161" y="1002756"/>
+            <a:ext cx="6318517" cy="5001778"/>
+          </a:xfrm>
+          <a:prstGeom prst="rect">
+            <a:avLst/>
+          </a:prstGeom>
+        </p:spPr>
+      </p:pic>
+      <p:sp>
+        <p:nvSpPr>
+          <p:cNvPr id="5" name="TextBox 4">
+            <a:extLst>
+              <a:ext uri="{FF2B5EF4-FFF2-40B4-BE49-F238E27FC236}">
+                <a16:creationId xmlns:a16="http://schemas.microsoft.com/office/drawing/2014/main" id="{992222BE-9335-5FA3-F394-DD9B2B2859FF}"/>
+              </a:ext>
+            </a:extLst>
+          </p:cNvPr>
+          <p:cNvSpPr txBox="1"/>
+          <p:nvPr/>
+        </p:nvSpPr>
+        <p:spPr>
+          <a:xfrm>
+            <a:off x="1488809" y="330246"/>
+            <a:ext cx="9214382" cy="523220"/>
+          </a:xfrm>
+          <a:prstGeom prst="rect">
+            <a:avLst/>
+          </a:prstGeom>
+          <a:noFill/>
+        </p:spPr>
+        <p:txBody>
+          <a:bodyPr wrap="none" rtlCol="0">
+            <a:spAutoFit/>
+          </a:bodyPr>
+          <a:lstStyle/>
+          <a:p>
+            <a:r>
+              <a:rPr lang="en-US" sz="2800" dirty="0">
+                <a:latin typeface="Cascadia Code" panose="020B0609020000020004" pitchFamily="49" charset="0"/>
+                <a:cs typeface="Cascadia Code" panose="020B0609020000020004" pitchFamily="49" charset="0"/>
+              </a:rPr>
+              <a:t>Logistic Regressor Performances – AUC Curve</a:t>
+            </a:r>
+          </a:p>
+        </p:txBody>
+      </p:sp>
+    </p:spTree>
+    <p:extLst>
+      <p:ext uri="{BB962C8B-B14F-4D97-AF65-F5344CB8AC3E}">
+        <p14:creationId xmlns:p14="http://schemas.microsoft.com/office/powerpoint/2010/main" val="2668679700"/>
+      </p:ext>
+    </p:extLst>
+  </p:cSld>
+  <p:clrMapOvr>
+    <a:masterClrMapping/>
+  </p:clrMapOvr>
+</p:sld>
+</file>
+
+<file path=ppt/slides/slide37.xml><?xml version="1.0" encoding="utf-8"?>
+<p:sld xmlns:a="http://schemas.openxmlformats.org/drawingml/2006/main" xmlns:r="http://schemas.openxmlformats.org/officeDocument/2006/relationships" xmlns:p="http://schemas.openxmlformats.org/presentationml/2006/main">
+  <p:cSld>
+    <p:spTree>
+      <p:nvGrpSpPr>
+        <p:cNvPr id="1" name="">
+          <a:extLst>
+            <a:ext uri="{FF2B5EF4-FFF2-40B4-BE49-F238E27FC236}">
+              <a16:creationId xmlns:a16="http://schemas.microsoft.com/office/drawing/2014/main" id="{8C43A321-F958-9B45-95CF-E234AAD136F4}"/>
+            </a:ext>
+          </a:extLst>
+        </p:cNvPr>
+        <p:cNvGrpSpPr/>
+        <p:nvPr/>
+      </p:nvGrpSpPr>
+      <p:grpSpPr>
+        <a:xfrm>
+          <a:off x="0" y="0"/>
+          <a:ext cx="0" cy="0"/>
+          <a:chOff x="0" y="0"/>
+          <a:chExt cx="0" cy="0"/>
+        </a:xfrm>
+      </p:grpSpPr>
+      <p:sp>
+        <p:nvSpPr>
+          <p:cNvPr id="4" name="Slide Number Placeholder 3">
+            <a:extLst>
+              <a:ext uri="{FF2B5EF4-FFF2-40B4-BE49-F238E27FC236}">
+                <a16:creationId xmlns:a16="http://schemas.microsoft.com/office/drawing/2014/main" id="{68D57018-2D76-A784-0486-0B2446957CD5}"/>
+              </a:ext>
+            </a:extLst>
+          </p:cNvPr>
+          <p:cNvSpPr>
+            <a:spLocks noGrp="1"/>
+          </p:cNvSpPr>
+          <p:nvPr>
+            <p:ph type="sldNum" sz="quarter" idx="12"/>
+          </p:nvPr>
+        </p:nvSpPr>
+        <p:spPr/>
+        <p:txBody>
+          <a:bodyPr/>
+          <a:lstStyle/>
+          <a:p>
+            <a:fld id="{B5CEABB6-07DC-46E8-9B57-56EC44A396E5}" type="slidenum">
+              <a:rPr lang="en-US" smtClean="0"/>
+              <a:pPr/>
+              <a:t>37</a:t>
+            </a:fld>
+            <a:endParaRPr lang="en-US" dirty="0"/>
+          </a:p>
+        </p:txBody>
+      </p:sp>
+      <p:pic>
+        <p:nvPicPr>
+          <p:cNvPr id="3" name="Picture 2" descr="A screenshot of a graph&#10;&#10;AI-generated content may be incorrect.">
+            <a:extLst>
+              <a:ext uri="{FF2B5EF4-FFF2-40B4-BE49-F238E27FC236}">
+                <a16:creationId xmlns:a16="http://schemas.microsoft.com/office/drawing/2014/main" id="{FFCBD79A-FEDE-2FE1-5E27-1F466245F091}"/>
+              </a:ext>
+            </a:extLst>
+          </p:cNvPr>
+          <p:cNvPicPr>
+            <a:picLocks noChangeAspect="1"/>
+          </p:cNvPicPr>
+          <p:nvPr/>
+        </p:nvPicPr>
+        <p:blipFill>
+          <a:blip r:embed="rId2"/>
+          <a:stretch>
+            <a:fillRect/>
+          </a:stretch>
+        </p:blipFill>
+        <p:spPr>
+          <a:xfrm>
+            <a:off x="431691" y="172335"/>
+            <a:ext cx="5963716" cy="6513330"/>
+          </a:xfrm>
+          <a:prstGeom prst="rect">
+            <a:avLst/>
+          </a:prstGeom>
+        </p:spPr>
+      </p:pic>
+      <p:sp>
+        <p:nvSpPr>
+          <p:cNvPr id="5" name="TextBox 4">
+            <a:extLst>
+              <a:ext uri="{FF2B5EF4-FFF2-40B4-BE49-F238E27FC236}">
+                <a16:creationId xmlns:a16="http://schemas.microsoft.com/office/drawing/2014/main" id="{6B5D34E1-0E65-D3EA-B6E6-BD88DDD0CC1F}"/>
+              </a:ext>
+            </a:extLst>
+          </p:cNvPr>
+          <p:cNvSpPr txBox="1"/>
+          <p:nvPr/>
+        </p:nvSpPr>
+        <p:spPr>
+          <a:xfrm>
+            <a:off x="6550090" y="1035698"/>
+            <a:ext cx="5309118" cy="1754326"/>
+          </a:xfrm>
+          <a:prstGeom prst="rect">
+            <a:avLst/>
+          </a:prstGeom>
+          <a:noFill/>
+        </p:spPr>
+        <p:txBody>
+          <a:bodyPr wrap="square" rtlCol="0">
+            <a:spAutoFit/>
+          </a:bodyPr>
+          <a:lstStyle/>
+          <a:p>
+            <a:r>
+              <a:rPr lang="en-US" dirty="0">
+                <a:latin typeface="+mj-lt"/>
+                <a:cs typeface="Cascadia Code" panose="020B0609020000020004" pitchFamily="49" charset="0"/>
+              </a:rPr>
+              <a:t>From this simple yet insightful analysis we gained insights pertaining to the intricacies behind two prominent personalities in our society</a:t>
+            </a:r>
+          </a:p>
+          <a:p>
+            <a:endParaRPr lang="en-US" dirty="0">
+              <a:latin typeface="+mj-lt"/>
+              <a:cs typeface="Cascadia Code" panose="020B0609020000020004" pitchFamily="49" charset="0"/>
+            </a:endParaRPr>
+          </a:p>
+          <a:p>
+            <a:r>
+              <a:rPr lang="en-US" dirty="0">
+                <a:latin typeface="+mj-lt"/>
+                <a:cs typeface="Cascadia Code" panose="020B0609020000020004" pitchFamily="49" charset="0"/>
+              </a:rPr>
+              <a:t>The following is a dashboard summarizing what we have seen thus far in the presentation</a:t>
+            </a:r>
+          </a:p>
+        </p:txBody>
+      </p:sp>
+    </p:spTree>
+    <p:extLst>
+      <p:ext uri="{BB962C8B-B14F-4D97-AF65-F5344CB8AC3E}">
+        <p14:creationId xmlns:p14="http://schemas.microsoft.com/office/powerpoint/2010/main" val="2926866474"/>
+      </p:ext>
+    </p:extLst>
+  </p:cSld>
+  <p:clrMapOvr>
+    <a:masterClrMapping/>
+  </p:clrMapOvr>
+</p:sld>
+</file>
+
+<file path=ppt/slides/slide38.xml><?xml version="1.0" encoding="utf-8"?>
+<p:sld xmlns:a="http://schemas.openxmlformats.org/drawingml/2006/main" xmlns:r="http://schemas.openxmlformats.org/officeDocument/2006/relationships" xmlns:p="http://schemas.openxmlformats.org/presentationml/2006/main">
+  <p:cSld>
+    <p:spTree>
+      <p:nvGrpSpPr>
+        <p:cNvPr id="1" name="">
+          <a:extLst>
+            <a:ext uri="{FF2B5EF4-FFF2-40B4-BE49-F238E27FC236}">
+              <a16:creationId xmlns:a16="http://schemas.microsoft.com/office/drawing/2014/main" id="{013BA3DC-1BF4-D865-67DE-CDF71229401E}"/>
+            </a:ext>
+          </a:extLst>
+        </p:cNvPr>
+        <p:cNvGrpSpPr/>
+        <p:nvPr/>
+      </p:nvGrpSpPr>
+      <p:grpSpPr>
+        <a:xfrm>
+          <a:off x="0" y="0"/>
+          <a:ext cx="0" cy="0"/>
+          <a:chOff x="0" y="0"/>
+          <a:chExt cx="0" cy="0"/>
+        </a:xfrm>
+      </p:grpSpPr>
+      <p:sp>
+        <p:nvSpPr>
+          <p:cNvPr id="2" name="Title 1">
+            <a:extLst>
+              <a:ext uri="{FF2B5EF4-FFF2-40B4-BE49-F238E27FC236}">
+                <a16:creationId xmlns:a16="http://schemas.microsoft.com/office/drawing/2014/main" id="{F9815F85-51A3-5E83-9D9B-D160CF74D168}"/>
+              </a:ext>
+            </a:extLst>
+          </p:cNvPr>
+          <p:cNvSpPr>
+            <a:spLocks noGrp="1"/>
+          </p:cNvSpPr>
+          <p:nvPr>
+            <p:ph type="ctrTitle"/>
+          </p:nvPr>
+        </p:nvSpPr>
+        <p:spPr/>
+        <p:txBody>
+          <a:bodyPr>
+            <a:normAutofit/>
+          </a:bodyPr>
+          <a:lstStyle/>
+          <a:p>
+            <a:r>
+              <a:rPr lang="en-US" dirty="0"/>
+              <a:t>The end</a:t>
+            </a:r>
+          </a:p>
+        </p:txBody>
+      </p:sp>
+      <p:sp>
+        <p:nvSpPr>
+          <p:cNvPr id="31" name="Oval 30">
+            <a:extLst>
+              <a:ext uri="{FF2B5EF4-FFF2-40B4-BE49-F238E27FC236}">
+                <a16:creationId xmlns:a16="http://schemas.microsoft.com/office/drawing/2014/main" id="{970E1D05-F06B-B816-4C68-6AFBB434F9BA}"/>
+              </a:ext>
+              <a:ext uri="{C183D7F6-B498-43B3-948B-1728B52AA6E4}">
+                <adec:decorative xmlns:adec="http://schemas.microsoft.com/office/drawing/2017/decorative" val="1"/>
+              </a:ext>
+            </a:extLst>
+          </p:cNvPr>
+          <p:cNvSpPr/>
+          <p:nvPr/>
+        </p:nvSpPr>
+        <p:spPr>
+          <a:xfrm>
+            <a:off x="3903349" y="4646277"/>
+            <a:ext cx="274320" cy="274320"/>
+          </a:xfrm>
+          <a:prstGeom prst="ellipse">
+            <a:avLst/>
+          </a:prstGeom>
+          <a:solidFill>
+            <a:schemeClr val="bg1"/>
+          </a:solidFill>
+          <a:ln>
+            <a:noFill/>
+          </a:ln>
+        </p:spPr>
+        <p:style>
+          <a:lnRef idx="2">
+            <a:schemeClr val="accent1">
+              <a:shade val="50000"/>
+            </a:schemeClr>
+          </a:lnRef>
+          <a:fillRef idx="1">
+            <a:schemeClr val="accent1"/>
+          </a:fillRef>
+          <a:effectRef idx="0">
+            <a:schemeClr val="accent1"/>
+          </a:effectRef>
+          <a:fontRef idx="minor">
+            <a:schemeClr val="lt1"/>
+          </a:fontRef>
+        </p:style>
+        <p:txBody>
+          <a:bodyPr rtlCol="0" anchor="ctr"/>
+          <a:lstStyle/>
+          <a:p>
+            <a:pPr algn="ctr"/>
+            <a:endParaRPr lang="en-US" dirty="0"/>
+          </a:p>
+        </p:txBody>
+      </p:sp>
+      <p:cxnSp>
+        <p:nvCxnSpPr>
+          <p:cNvPr id="32" name="Straight Connector 31">
+            <a:extLst>
+              <a:ext uri="{FF2B5EF4-FFF2-40B4-BE49-F238E27FC236}">
+                <a16:creationId xmlns:a16="http://schemas.microsoft.com/office/drawing/2014/main" id="{10FA76EB-84B2-2BDD-1D0D-C273CFC8CC6D}"/>
+              </a:ext>
+              <a:ext uri="{C183D7F6-B498-43B3-948B-1728B52AA6E4}">
+                <adec:decorative xmlns:adec="http://schemas.microsoft.com/office/drawing/2017/decorative" val="1"/>
+              </a:ext>
+            </a:extLst>
+          </p:cNvPr>
+          <p:cNvCxnSpPr>
+            <a:cxnSpLocks/>
+          </p:cNvCxnSpPr>
+          <p:nvPr/>
+        </p:nvCxnSpPr>
+        <p:spPr>
+          <a:xfrm>
+            <a:off x="4062984" y="4809555"/>
+            <a:ext cx="0" cy="0"/>
+          </a:xfrm>
+          <a:prstGeom prst="line">
+            <a:avLst/>
+          </a:prstGeom>
+          <a:ln w="50800">
+            <a:solidFill>
+              <a:schemeClr val="bg1"/>
+            </a:solidFill>
+          </a:ln>
+        </p:spPr>
+        <p:style>
+          <a:lnRef idx="1">
+            <a:schemeClr val="accent1"/>
+          </a:lnRef>
+          <a:fillRef idx="0">
+            <a:schemeClr val="accent1"/>
+          </a:fillRef>
+          <a:effectRef idx="0">
+            <a:schemeClr val="accent1"/>
+          </a:effectRef>
+          <a:fontRef idx="minor">
+            <a:schemeClr val="tx1"/>
+          </a:fontRef>
+        </p:style>
+      </p:cxnSp>
+      <p:pic>
+        <p:nvPicPr>
+          <p:cNvPr id="4" name="Picture 3" descr="A screenshot of a computer screen&#10;&#10;AI-generated content may be incorrect.">
+            <a:extLst>
+              <a:ext uri="{FF2B5EF4-FFF2-40B4-BE49-F238E27FC236}">
+                <a16:creationId xmlns:a16="http://schemas.microsoft.com/office/drawing/2014/main" id="{733BB042-1E46-D935-C65E-9C1E6748A0A5}"/>
+              </a:ext>
+            </a:extLst>
+          </p:cNvPr>
+          <p:cNvPicPr>
+            <a:picLocks noChangeAspect="1"/>
+          </p:cNvPicPr>
+          <p:nvPr/>
+        </p:nvPicPr>
+        <p:blipFill>
+          <a:blip r:embed="rId3"/>
+          <a:srcRect r="24"/>
+          <a:stretch/>
+        </p:blipFill>
+        <p:spPr>
+          <a:xfrm>
+            <a:off x="0" y="0"/>
+            <a:ext cx="8266922" cy="6858000"/>
+          </a:xfrm>
+          <a:prstGeom prst="rtTriangle">
+            <a:avLst/>
+          </a:prstGeom>
+        </p:spPr>
+      </p:pic>
+    </p:spTree>
+    <p:extLst>
+      <p:ext uri="{BB962C8B-B14F-4D97-AF65-F5344CB8AC3E}">
+        <p14:creationId xmlns:p14="http://schemas.microsoft.com/office/powerpoint/2010/main" val="3543460280"/>
       </p:ext>
     </p:extLst>
   </p:cSld>
